--- a/Sleep Efficiency Analysis and Modeling.pptx
+++ b/Sleep Efficiency Analysis and Modeling.pptx
@@ -19,15 +19,12 @@
     <p:sldId id="264" r:id="rId14"/>
     <p:sldId id="265" r:id="rId15"/>
     <p:sldId id="266" r:id="rId16"/>
+    <p:sldId id="267" r:id="rId17"/>
+    <p:sldId id="268" r:id="rId18"/>
   </p:sldIdLst>
   <p:sldSz cy="5143500" cx="9144000"/>
   <p:notesSz cx="6858000" cy="9144000"/>
   <p:embeddedFontLst>
-    <p:embeddedFont>
-      <p:font typeface="Lexend SemiBold"/>
-      <p:regular r:id="rId17"/>
-      <p:bold r:id="rId18"/>
-    </p:embeddedFont>
     <p:embeddedFont>
       <p:font typeface="Lexend Light"/>
       <p:regular r:id="rId19"/>
@@ -837,7 +834,7 @@
   <p:cSld>
     <p:spTree>
       <p:nvGrpSpPr>
-        <p:cNvPr id="124" name="Shape 124"/>
+        <p:cNvPr id="137" name="Shape 137"/>
         <p:cNvGrpSpPr/>
         <p:nvPr/>
       </p:nvGrpSpPr>
@@ -851,7 +848,7 @@
       </p:grpSpPr>
       <p:sp>
         <p:nvSpPr>
-          <p:cNvPr id="125" name="Google Shape;125;g1ec942ac4fd_0_199:notes"/>
+          <p:cNvPr id="138" name="Google Shape;138;g1ed4cad24fa_9_0:notes"/>
           <p:cNvSpPr/>
           <p:nvPr>
             <p:ph idx="2" type="sldImg"/>
@@ -886,7 +883,7 @@
       </p:sp>
       <p:sp>
         <p:nvSpPr>
-          <p:cNvPr id="126" name="Google Shape;126;g1ec942ac4fd_0_199:notes"/>
+          <p:cNvPr id="139" name="Google Shape;139;g1ed4cad24fa_9_0:notes"/>
           <p:cNvSpPr txBox="1"/>
           <p:nvPr>
             <p:ph idx="1" type="body"/>
@@ -918,7 +915,7 @@
             </a:pPr>
             <a:r>
               <a:rPr lang="en"/>
-              <a:t>Susan</a:t>
+              <a:t>Aditi and Neha</a:t>
             </a:r>
             <a:endParaRPr/>
           </a:p>
@@ -937,7 +934,7 @@
   <p:cSld>
     <p:spTree>
       <p:nvGrpSpPr>
-        <p:cNvPr id="131" name="Shape 131"/>
+        <p:cNvPr id="146" name="Shape 146"/>
         <p:cNvGrpSpPr/>
         <p:nvPr/>
       </p:nvGrpSpPr>
@@ -951,7 +948,7 @@
       </p:grpSpPr>
       <p:sp>
         <p:nvSpPr>
-          <p:cNvPr id="132" name="Google Shape;132;g1ec942ac4fd_0_209:notes"/>
+          <p:cNvPr id="147" name="Google Shape;147;g1ec942ac4fd_0_204:notes"/>
           <p:cNvSpPr/>
           <p:nvPr>
             <p:ph idx="2" type="sldImg"/>
@@ -986,7 +983,7 @@
       </p:sp>
       <p:sp>
         <p:nvSpPr>
-          <p:cNvPr id="133" name="Google Shape;133;g1ec942ac4fd_0_209:notes"/>
+          <p:cNvPr id="148" name="Google Shape;148;g1ec942ac4fd_0_204:notes"/>
           <p:cNvSpPr txBox="1"/>
           <p:nvPr>
             <p:ph idx="1" type="body"/>
@@ -1017,7 +1014,8 @@
               <a:buNone/>
             </a:pPr>
             <a:r>
-              <a:t/>
+              <a:rPr lang="en"/>
+              <a:t>Susan/ Aditi</a:t>
             </a:r>
             <a:endParaRPr/>
           </a:p>
@@ -1031,12 +1029,12 @@
 </p:notes>
 </file>
 
-<file path=ppt/notesSlides/notesSlide2.xml><?xml version="1.0" encoding="utf-8"?>
+<file path=ppt/notesSlides/notesSlide12.xml><?xml version="1.0" encoding="utf-8"?>
 <p:notes xmlns:a="http://schemas.openxmlformats.org/drawingml/2006/main" xmlns:r="http://schemas.openxmlformats.org/officeDocument/2006/relationships" xmlns:mc="http://schemas.openxmlformats.org/markup-compatibility/2006" xmlns:mv="urn:schemas-microsoft-com:mac:vml" xmlns:p="http://schemas.openxmlformats.org/presentationml/2006/main" xmlns:c="http://schemas.openxmlformats.org/drawingml/2006/chart" xmlns:dgm="http://schemas.openxmlformats.org/drawingml/2006/diagram" xmlns:o="urn:schemas-microsoft-com:office:office" xmlns:v="urn:schemas-microsoft-com:vml" xmlns:pvml="urn:schemas-microsoft-com:office:powerpoint" xmlns:com="http://schemas.openxmlformats.org/drawingml/2006/compatibility" xmlns:p14="http://schemas.microsoft.com/office/powerpoint/2010/main" xmlns:p15="http://schemas.microsoft.com/office/powerpoint/2012/main" xmlns:ahyp="http://schemas.microsoft.com/office/drawing/2018/hyperlinkcolor" showMasterPhAnim="0" showMasterSp="0">
   <p:cSld>
     <p:spTree>
       <p:nvGrpSpPr>
-        <p:cNvPr id="62" name="Shape 62"/>
+        <p:cNvPr id="154" name="Shape 154"/>
         <p:cNvGrpSpPr/>
         <p:nvPr/>
       </p:nvGrpSpPr>
@@ -1050,7 +1048,7 @@
       </p:grpSpPr>
       <p:sp>
         <p:nvSpPr>
-          <p:cNvPr id="63" name="Google Shape;63;g2a5af02f2b0_0_2:notes"/>
+          <p:cNvPr id="155" name="Google Shape;155;g1ec942ac4fd_0_199:notes"/>
           <p:cNvSpPr/>
           <p:nvPr>
             <p:ph idx="2" type="sldImg"/>
@@ -1085,7 +1083,7 @@
       </p:sp>
       <p:sp>
         <p:nvSpPr>
-          <p:cNvPr id="64" name="Google Shape;64;g2a5af02f2b0_0_2:notes"/>
+          <p:cNvPr id="156" name="Google Shape;156;g1ec942ac4fd_0_199:notes"/>
           <p:cNvSpPr txBox="1"/>
           <p:nvPr>
             <p:ph idx="1" type="body"/>
@@ -1117,7 +1115,7 @@
             </a:pPr>
             <a:r>
               <a:rPr lang="en"/>
-              <a:t>Allison</a:t>
+              <a:t>Susan</a:t>
             </a:r>
             <a:endParaRPr/>
           </a:p>
@@ -1131,12 +1129,12 @@
 </p:notes>
 </file>
 
-<file path=ppt/notesSlides/notesSlide3.xml><?xml version="1.0" encoding="utf-8"?>
+<file path=ppt/notesSlides/notesSlide13.xml><?xml version="1.0" encoding="utf-8"?>
 <p:notes xmlns:a="http://schemas.openxmlformats.org/drawingml/2006/main" xmlns:r="http://schemas.openxmlformats.org/officeDocument/2006/relationships" xmlns:mc="http://schemas.openxmlformats.org/markup-compatibility/2006" xmlns:mv="urn:schemas-microsoft-com:mac:vml" xmlns:p="http://schemas.openxmlformats.org/presentationml/2006/main" xmlns:c="http://schemas.openxmlformats.org/drawingml/2006/chart" xmlns:dgm="http://schemas.openxmlformats.org/drawingml/2006/diagram" xmlns:o="urn:schemas-microsoft-com:office:office" xmlns:v="urn:schemas-microsoft-com:vml" xmlns:pvml="urn:schemas-microsoft-com:office:powerpoint" xmlns:com="http://schemas.openxmlformats.org/drawingml/2006/compatibility" xmlns:p14="http://schemas.microsoft.com/office/powerpoint/2010/main" xmlns:p15="http://schemas.microsoft.com/office/powerpoint/2012/main" xmlns:ahyp="http://schemas.microsoft.com/office/drawing/2018/hyperlinkcolor" showMasterPhAnim="0" showMasterSp="0">
   <p:cSld>
     <p:spTree>
       <p:nvGrpSpPr>
-        <p:cNvPr id="70" name="Shape 70"/>
+        <p:cNvPr id="161" name="Shape 161"/>
         <p:cNvGrpSpPr/>
         <p:nvPr/>
       </p:nvGrpSpPr>
@@ -1150,7 +1148,7 @@
       </p:grpSpPr>
       <p:sp>
         <p:nvSpPr>
-          <p:cNvPr id="71" name="Google Shape;71;g1ec942ac4fd_0_0:notes"/>
+          <p:cNvPr id="162" name="Google Shape;162;g1ec942ac4fd_0_209:notes"/>
           <p:cNvSpPr/>
           <p:nvPr>
             <p:ph idx="2" type="sldImg"/>
@@ -1185,7 +1183,206 @@
       </p:sp>
       <p:sp>
         <p:nvSpPr>
-          <p:cNvPr id="72" name="Google Shape;72;g1ec942ac4fd_0_0:notes"/>
+          <p:cNvPr id="163" name="Google Shape;163;g1ec942ac4fd_0_209:notes"/>
+          <p:cNvSpPr txBox="1"/>
+          <p:nvPr>
+            <p:ph idx="1" type="body"/>
+          </p:nvPr>
+        </p:nvSpPr>
+        <p:spPr>
+          <a:xfrm>
+            <a:off x="685800" y="4343400"/>
+            <a:ext cx="5486400" cy="4114800"/>
+          </a:xfrm>
+          <a:prstGeom prst="rect">
+            <a:avLst/>
+          </a:prstGeom>
+        </p:spPr>
+        <p:txBody>
+          <a:bodyPr anchorCtr="0" anchor="t" bIns="91425" lIns="91425" spcFirstLastPara="1" rIns="91425" wrap="square" tIns="91425">
+            <a:noAutofit/>
+          </a:bodyPr>
+          <a:lstStyle/>
+          <a:p>
+            <a:pPr indent="0" lvl="0" marL="0" rtl="0" algn="l">
+              <a:spcBef>
+                <a:spcPts val="0"/>
+              </a:spcBef>
+              <a:spcAft>
+                <a:spcPts val="0"/>
+              </a:spcAft>
+              <a:buNone/>
+            </a:pPr>
+            <a:r>
+              <a:t/>
+            </a:r>
+            <a:endParaRPr/>
+          </a:p>
+        </p:txBody>
+      </p:sp>
+    </p:spTree>
+  </p:cSld>
+  <p:clrMapOvr>
+    <a:masterClrMapping/>
+  </p:clrMapOvr>
+</p:notes>
+</file>
+
+<file path=ppt/notesSlides/notesSlide2.xml><?xml version="1.0" encoding="utf-8"?>
+<p:notes xmlns:a="http://schemas.openxmlformats.org/drawingml/2006/main" xmlns:r="http://schemas.openxmlformats.org/officeDocument/2006/relationships" xmlns:mc="http://schemas.openxmlformats.org/markup-compatibility/2006" xmlns:mv="urn:schemas-microsoft-com:mac:vml" xmlns:p="http://schemas.openxmlformats.org/presentationml/2006/main" xmlns:c="http://schemas.openxmlformats.org/drawingml/2006/chart" xmlns:dgm="http://schemas.openxmlformats.org/drawingml/2006/diagram" xmlns:o="urn:schemas-microsoft-com:office:office" xmlns:v="urn:schemas-microsoft-com:vml" xmlns:pvml="urn:schemas-microsoft-com:office:powerpoint" xmlns:com="http://schemas.openxmlformats.org/drawingml/2006/compatibility" xmlns:p14="http://schemas.microsoft.com/office/powerpoint/2010/main" xmlns:p15="http://schemas.microsoft.com/office/powerpoint/2012/main" xmlns:ahyp="http://schemas.microsoft.com/office/drawing/2018/hyperlinkcolor" showMasterPhAnim="0" showMasterSp="0">
+  <p:cSld>
+    <p:spTree>
+      <p:nvGrpSpPr>
+        <p:cNvPr id="62" name="Shape 62"/>
+        <p:cNvGrpSpPr/>
+        <p:nvPr/>
+      </p:nvGrpSpPr>
+      <p:grpSpPr>
+        <a:xfrm>
+          <a:off x="0" y="0"/>
+          <a:ext cx="0" cy="0"/>
+          <a:chOff x="0" y="0"/>
+          <a:chExt cx="0" cy="0"/>
+        </a:xfrm>
+      </p:grpSpPr>
+      <p:sp>
+        <p:nvSpPr>
+          <p:cNvPr id="63" name="Google Shape;63;g1ec942ac4fd_0_0:notes"/>
+          <p:cNvSpPr/>
+          <p:nvPr>
+            <p:ph idx="2" type="sldImg"/>
+          </p:nvPr>
+        </p:nvSpPr>
+        <p:spPr>
+          <a:xfrm>
+            <a:off x="381300" y="685800"/>
+            <a:ext cx="6096000" cy="3429000"/>
+          </a:xfrm>
+          <a:custGeom>
+            <a:rect b="b" l="l" r="r" t="t"/>
+            <a:pathLst>
+              <a:path extrusionOk="0" h="120000" w="120000">
+                <a:moveTo>
+                  <a:pt x="0" y="0"/>
+                </a:moveTo>
+                <a:lnTo>
+                  <a:pt x="120000" y="0"/>
+                </a:lnTo>
+                <a:lnTo>
+                  <a:pt x="120000" y="120000"/>
+                </a:lnTo>
+                <a:lnTo>
+                  <a:pt x="0" y="120000"/>
+                </a:lnTo>
+                <a:close/>
+              </a:path>
+            </a:pathLst>
+          </a:custGeom>
+        </p:spPr>
+      </p:sp>
+      <p:sp>
+        <p:nvSpPr>
+          <p:cNvPr id="64" name="Google Shape;64;g1ec942ac4fd_0_0:notes"/>
+          <p:cNvSpPr txBox="1"/>
+          <p:nvPr>
+            <p:ph idx="1" type="body"/>
+          </p:nvPr>
+        </p:nvSpPr>
+        <p:spPr>
+          <a:xfrm>
+            <a:off x="685800" y="4343400"/>
+            <a:ext cx="5486400" cy="4114800"/>
+          </a:xfrm>
+          <a:prstGeom prst="rect">
+            <a:avLst/>
+          </a:prstGeom>
+        </p:spPr>
+        <p:txBody>
+          <a:bodyPr anchorCtr="0" anchor="t" bIns="91425" lIns="91425" spcFirstLastPara="1" rIns="91425" wrap="square" tIns="91425">
+            <a:noAutofit/>
+          </a:bodyPr>
+          <a:lstStyle/>
+          <a:p>
+            <a:pPr indent="0" lvl="0" marL="0" rtl="0" algn="l">
+              <a:spcBef>
+                <a:spcPts val="0"/>
+              </a:spcBef>
+              <a:spcAft>
+                <a:spcPts val="0"/>
+              </a:spcAft>
+              <a:buNone/>
+            </a:pPr>
+            <a:r>
+              <a:rPr lang="en"/>
+              <a:t>Allison</a:t>
+            </a:r>
+            <a:endParaRPr/>
+          </a:p>
+        </p:txBody>
+      </p:sp>
+    </p:spTree>
+  </p:cSld>
+  <p:clrMapOvr>
+    <a:masterClrMapping/>
+  </p:clrMapOvr>
+</p:notes>
+</file>
+
+<file path=ppt/notesSlides/notesSlide3.xml><?xml version="1.0" encoding="utf-8"?>
+<p:notes xmlns:a="http://schemas.openxmlformats.org/drawingml/2006/main" xmlns:r="http://schemas.openxmlformats.org/officeDocument/2006/relationships" xmlns:mc="http://schemas.openxmlformats.org/markup-compatibility/2006" xmlns:mv="urn:schemas-microsoft-com:mac:vml" xmlns:p="http://schemas.openxmlformats.org/presentationml/2006/main" xmlns:c="http://schemas.openxmlformats.org/drawingml/2006/chart" xmlns:dgm="http://schemas.openxmlformats.org/drawingml/2006/diagram" xmlns:o="urn:schemas-microsoft-com:office:office" xmlns:v="urn:schemas-microsoft-com:vml" xmlns:pvml="urn:schemas-microsoft-com:office:powerpoint" xmlns:com="http://schemas.openxmlformats.org/drawingml/2006/compatibility" xmlns:p14="http://schemas.microsoft.com/office/powerpoint/2010/main" xmlns:p15="http://schemas.microsoft.com/office/powerpoint/2012/main" xmlns:ahyp="http://schemas.microsoft.com/office/drawing/2018/hyperlinkcolor" showMasterPhAnim="0" showMasterSp="0">
+  <p:cSld>
+    <p:spTree>
+      <p:nvGrpSpPr>
+        <p:cNvPr id="69" name="Shape 69"/>
+        <p:cNvGrpSpPr/>
+        <p:nvPr/>
+      </p:nvGrpSpPr>
+      <p:grpSpPr>
+        <a:xfrm>
+          <a:off x="0" y="0"/>
+          <a:ext cx="0" cy="0"/>
+          <a:chOff x="0" y="0"/>
+          <a:chExt cx="0" cy="0"/>
+        </a:xfrm>
+      </p:grpSpPr>
+      <p:sp>
+        <p:nvSpPr>
+          <p:cNvPr id="70" name="Google Shape;70;g2a5af02f2b0_0_2:notes"/>
+          <p:cNvSpPr/>
+          <p:nvPr>
+            <p:ph idx="2" type="sldImg"/>
+          </p:nvPr>
+        </p:nvSpPr>
+        <p:spPr>
+          <a:xfrm>
+            <a:off x="381300" y="685800"/>
+            <a:ext cx="6096000" cy="3429000"/>
+          </a:xfrm>
+          <a:custGeom>
+            <a:rect b="b" l="l" r="r" t="t"/>
+            <a:pathLst>
+              <a:path extrusionOk="0" h="120000" w="120000">
+                <a:moveTo>
+                  <a:pt x="0" y="0"/>
+                </a:moveTo>
+                <a:lnTo>
+                  <a:pt x="120000" y="0"/>
+                </a:lnTo>
+                <a:lnTo>
+                  <a:pt x="120000" y="120000"/>
+                </a:lnTo>
+                <a:lnTo>
+                  <a:pt x="0" y="120000"/>
+                </a:lnTo>
+                <a:close/>
+              </a:path>
+            </a:pathLst>
+          </a:custGeom>
+        </p:spPr>
+      </p:sp>
+      <p:sp>
+        <p:nvSpPr>
+          <p:cNvPr id="71" name="Google Shape;71;g2a5af02f2b0_0_2:notes"/>
           <p:cNvSpPr txBox="1"/>
           <p:nvPr>
             <p:ph idx="1" type="body"/>
@@ -1317,7 +1514,7 @@
             </a:pPr>
             <a:r>
               <a:rPr lang="en"/>
-              <a:t>Anusha</a:t>
+              <a:t>Brendan</a:t>
             </a:r>
             <a:endParaRPr/>
           </a:p>
@@ -1350,7 +1547,7 @@
       </p:grpSpPr>
       <p:sp>
         <p:nvSpPr>
-          <p:cNvPr id="85" name="Google Shape;85;g2a5df9b97f9_0_2:notes"/>
+          <p:cNvPr id="85" name="Google Shape;85;g1ec942ac4fd_0_10:notes"/>
           <p:cNvSpPr/>
           <p:nvPr>
             <p:ph idx="2" type="sldImg"/>
@@ -1385,7 +1582,7 @@
       </p:sp>
       <p:sp>
         <p:nvSpPr>
-          <p:cNvPr id="86" name="Google Shape;86;g2a5df9b97f9_0_2:notes"/>
+          <p:cNvPr id="86" name="Google Shape;86;g1ec942ac4fd_0_10:notes"/>
           <p:cNvSpPr txBox="1"/>
           <p:nvPr>
             <p:ph idx="1" type="body"/>
@@ -1417,7 +1614,7 @@
             </a:pPr>
             <a:r>
               <a:rPr lang="en"/>
-              <a:t>Anusha</a:t>
+              <a:t>Brendan</a:t>
             </a:r>
             <a:endParaRPr/>
           </a:p>
@@ -1436,7 +1633,7 @@
   <p:cSld>
     <p:spTree>
       <p:nvGrpSpPr>
-        <p:cNvPr id="92" name="Shape 92"/>
+        <p:cNvPr id="96" name="Shape 96"/>
         <p:cNvGrpSpPr/>
         <p:nvPr/>
       </p:nvGrpSpPr>
@@ -1450,7 +1647,7 @@
       </p:grpSpPr>
       <p:sp>
         <p:nvSpPr>
-          <p:cNvPr id="93" name="Google Shape;93;g1ec942ac4fd_0_10:notes"/>
+          <p:cNvPr id="97" name="Google Shape;97;g1ed4cad24fa_4_0:notes"/>
           <p:cNvSpPr/>
           <p:nvPr>
             <p:ph idx="2" type="sldImg"/>
@@ -1485,7 +1682,7 @@
       </p:sp>
       <p:sp>
         <p:nvSpPr>
-          <p:cNvPr id="94" name="Google Shape;94;g1ec942ac4fd_0_10:notes"/>
+          <p:cNvPr id="98" name="Google Shape;98;g1ed4cad24fa_4_0:notes"/>
           <p:cNvSpPr txBox="1"/>
           <p:nvPr>
             <p:ph idx="1" type="body"/>
@@ -1536,7 +1733,7 @@
   <p:cSld>
     <p:spTree>
       <p:nvGrpSpPr>
-        <p:cNvPr id="100" name="Shape 100"/>
+        <p:cNvPr id="111" name="Shape 111"/>
         <p:cNvGrpSpPr/>
         <p:nvPr/>
       </p:nvGrpSpPr>
@@ -1550,7 +1747,7 @@
       </p:grpSpPr>
       <p:sp>
         <p:nvSpPr>
-          <p:cNvPr id="101" name="Google Shape;101;g2a6375e1d3d_2_0:notes"/>
+          <p:cNvPr id="112" name="Google Shape;112;g2a6375e1d3d_2_0:notes"/>
           <p:cNvSpPr/>
           <p:nvPr>
             <p:ph idx="2" type="sldImg"/>
@@ -1585,7 +1782,7 @@
       </p:sp>
       <p:sp>
         <p:nvSpPr>
-          <p:cNvPr id="102" name="Google Shape;102;g2a6375e1d3d_2_0:notes"/>
+          <p:cNvPr id="113" name="Google Shape;113;g2a6375e1d3d_2_0:notes"/>
           <p:cNvSpPr txBox="1"/>
           <p:nvPr>
             <p:ph idx="1" type="body"/>
@@ -1636,7 +1833,7 @@
   <p:cSld>
     <p:spTree>
       <p:nvGrpSpPr>
-        <p:cNvPr id="107" name="Shape 107"/>
+        <p:cNvPr id="119" name="Shape 119"/>
         <p:cNvGrpSpPr/>
         <p:nvPr/>
       </p:nvGrpSpPr>
@@ -1650,7 +1847,7 @@
       </p:grpSpPr>
       <p:sp>
         <p:nvSpPr>
-          <p:cNvPr id="108" name="Google Shape;108;g1ec942ac4fd_0_15:notes"/>
+          <p:cNvPr id="120" name="Google Shape;120;g2a5df9b97f9_0_2:notes"/>
           <p:cNvSpPr/>
           <p:nvPr>
             <p:ph idx="2" type="sldImg"/>
@@ -1685,7 +1882,7 @@
       </p:sp>
       <p:sp>
         <p:nvSpPr>
-          <p:cNvPr id="109" name="Google Shape;109;g1ec942ac4fd_0_15:notes"/>
+          <p:cNvPr id="121" name="Google Shape;121;g2a5df9b97f9_0_2:notes"/>
           <p:cNvSpPr txBox="1"/>
           <p:nvPr>
             <p:ph idx="1" type="body"/>
@@ -1717,7 +1914,7 @@
             </a:pPr>
             <a:r>
               <a:rPr lang="en"/>
-              <a:t>Aditi and Neha</a:t>
+              <a:t>Anusha</a:t>
             </a:r>
             <a:endParaRPr/>
           </a:p>
@@ -1736,7 +1933,7 @@
   <p:cSld>
     <p:spTree>
       <p:nvGrpSpPr>
-        <p:cNvPr id="116" name="Shape 116"/>
+        <p:cNvPr id="128" name="Shape 128"/>
         <p:cNvGrpSpPr/>
         <p:nvPr/>
       </p:nvGrpSpPr>
@@ -1750,7 +1947,7 @@
       </p:grpSpPr>
       <p:sp>
         <p:nvSpPr>
-          <p:cNvPr id="117" name="Google Shape;117;g1ec942ac4fd_0_204:notes"/>
+          <p:cNvPr id="129" name="Google Shape;129;g1ec942ac4fd_0_15:notes"/>
           <p:cNvSpPr/>
           <p:nvPr>
             <p:ph idx="2" type="sldImg"/>
@@ -1785,7 +1982,7 @@
       </p:sp>
       <p:sp>
         <p:nvSpPr>
-          <p:cNvPr id="118" name="Google Shape;118;g1ec942ac4fd_0_204:notes"/>
+          <p:cNvPr id="130" name="Google Shape;130;g1ec942ac4fd_0_15:notes"/>
           <p:cNvSpPr txBox="1"/>
           <p:nvPr>
             <p:ph idx="1" type="body"/>
@@ -1817,7 +2014,7 @@
             </a:pPr>
             <a:r>
               <a:rPr lang="en"/>
-              <a:t>Susan/ Aditi</a:t>
+              <a:t>Aditi and Neha</a:t>
             </a:r>
             <a:endParaRPr/>
           </a:p>
@@ -7130,7 +7327,7 @@
               <a:buNone/>
             </a:pPr>
             <a:r>
-              <a:rPr lang="en" sz="4040">
+              <a:rPr lang="en" sz="3740">
                 <a:solidFill>
                   <a:schemeClr val="lt1"/>
                 </a:solidFill>
@@ -7139,9 +7336,33 @@
                 <a:cs typeface="Lexend"/>
                 <a:sym typeface="Lexend"/>
               </a:rPr>
-              <a:t>Sleep Efficiency Analysis and Modeling</a:t>
-            </a:r>
-            <a:endParaRPr sz="4040">
+              <a:t>Sle</a:t>
+            </a:r>
+            <a:r>
+              <a:rPr lang="en" sz="3740">
+                <a:solidFill>
+                  <a:schemeClr val="lt1"/>
+                </a:solidFill>
+                <a:latin typeface="Lexend"/>
+                <a:ea typeface="Lexend"/>
+                <a:cs typeface="Lexend"/>
+                <a:sym typeface="Lexend"/>
+              </a:rPr>
+              <a:t>e</a:t>
+            </a:r>
+            <a:r>
+              <a:rPr lang="en" sz="3740">
+                <a:solidFill>
+                  <a:schemeClr val="lt1"/>
+                </a:solidFill>
+                <a:latin typeface="Lexend"/>
+                <a:ea typeface="Lexend"/>
+                <a:cs typeface="Lexend"/>
+                <a:sym typeface="Lexend"/>
+              </a:rPr>
+              <a:t>p Efficiency Analysis and Modeling</a:t>
+            </a:r>
+            <a:endParaRPr sz="3740">
               <a:solidFill>
                 <a:schemeClr val="lt1"/>
               </a:solidFill>
@@ -7163,8 +7384,8 @@
         </p:nvSpPr>
         <p:spPr>
           <a:xfrm>
-            <a:off x="59125" y="3004275"/>
-            <a:ext cx="4321500" cy="1117800"/>
+            <a:off x="478825" y="2571750"/>
+            <a:ext cx="2664900" cy="2073300"/>
           </a:xfrm>
           <a:prstGeom prst="rect">
             <a:avLst/>
@@ -7172,54 +7393,310 @@
         </p:spPr>
         <p:txBody>
           <a:bodyPr anchorCtr="0" anchor="t" bIns="91425" lIns="91425" spcFirstLastPara="1" rIns="91425" wrap="square" tIns="91425">
-            <a:normAutofit/>
+            <a:noAutofit/>
           </a:bodyPr>
           <a:lstStyle/>
           <a:p>
-            <a:pPr indent="0" lvl="0" marL="0" rtl="0" algn="ctr">
-              <a:spcBef>
-                <a:spcPts val="0"/>
-              </a:spcBef>
-              <a:spcAft>
+            <a:pPr indent="0" lvl="0" marL="0" rtl="0" algn="l">
+              <a:lnSpc>
+                <a:spcPct val="50000"/>
+              </a:lnSpc>
+              <a:spcBef>
+                <a:spcPts val="0"/>
+              </a:spcBef>
+              <a:spcAft>
+                <a:spcPts val="0"/>
+              </a:spcAft>
+              <a:buSzPts val="440"/>
+              <a:buNone/>
+            </a:pPr>
+            <a:r>
+              <a:rPr b="1" lang="en" sz="1160">
+                <a:solidFill>
+                  <a:schemeClr val="lt1"/>
+                </a:solidFill>
+                <a:latin typeface="Lexend"/>
+                <a:ea typeface="Lexend"/>
+                <a:cs typeface="Lexend"/>
+                <a:sym typeface="Lexend"/>
+              </a:rPr>
+              <a:t>Presented By:</a:t>
+            </a:r>
+            <a:endParaRPr b="1" sz="1160">
+              <a:solidFill>
+                <a:schemeClr val="lt1"/>
+              </a:solidFill>
+              <a:latin typeface="Lexend"/>
+              <a:ea typeface="Lexend"/>
+              <a:cs typeface="Lexend"/>
+              <a:sym typeface="Lexend"/>
+            </a:endParaRPr>
+          </a:p>
+          <a:p>
+            <a:pPr indent="0" lvl="0" marL="0" rtl="0" algn="l">
+              <a:lnSpc>
+                <a:spcPct val="50000"/>
+              </a:lnSpc>
+              <a:spcBef>
                 <a:spcPts val="1200"/>
-              </a:spcAft>
-              <a:buNone/>
-            </a:pPr>
-            <a:r>
-              <a:rPr lang="en" sz="1400">
-                <a:solidFill>
-                  <a:srgbClr val="073763"/>
-                </a:solidFill>
-                <a:latin typeface="Lexend SemiBold"/>
-                <a:ea typeface="Lexend SemiBold"/>
-                <a:cs typeface="Lexend SemiBold"/>
-                <a:sym typeface="Lexend SemiBold"/>
-              </a:rPr>
-              <a:t>Aditi Garg, Neha Changela, Olesya Gaeva, Anusha Sekhar, Brendan Smith, Allison Potestio, Susan Ombwayo</a:t>
-            </a:r>
-            <a:r>
-              <a:rPr lang="en" sz="750">
-                <a:solidFill>
-                  <a:srgbClr val="073763"/>
+              </a:spcBef>
+              <a:spcAft>
+                <a:spcPts val="0"/>
+              </a:spcAft>
+              <a:buSzPts val="440"/>
+              <a:buNone/>
+            </a:pPr>
+            <a:r>
+              <a:rPr b="1" lang="en" sz="1160">
+                <a:solidFill>
+                  <a:schemeClr val="lt1"/>
+                </a:solidFill>
+                <a:latin typeface="Lexend"/>
+                <a:ea typeface="Lexend"/>
+                <a:cs typeface="Lexend"/>
+                <a:sym typeface="Lexend"/>
+              </a:rPr>
+              <a:t>Aditi Garg</a:t>
+            </a:r>
+            <a:endParaRPr b="1" sz="1160">
+              <a:solidFill>
+                <a:schemeClr val="lt1"/>
+              </a:solidFill>
+              <a:latin typeface="Lexend"/>
+              <a:ea typeface="Lexend"/>
+              <a:cs typeface="Lexend"/>
+              <a:sym typeface="Lexend"/>
+            </a:endParaRPr>
+          </a:p>
+          <a:p>
+            <a:pPr indent="0" lvl="0" marL="0" rtl="0" algn="l">
+              <a:lnSpc>
+                <a:spcPct val="50000"/>
+              </a:lnSpc>
+              <a:spcBef>
+                <a:spcPts val="1200"/>
+              </a:spcBef>
+              <a:spcAft>
+                <a:spcPts val="0"/>
+              </a:spcAft>
+              <a:buSzPts val="440"/>
+              <a:buNone/>
+            </a:pPr>
+            <a:r>
+              <a:rPr b="1" lang="en" sz="1160">
+                <a:solidFill>
+                  <a:schemeClr val="lt1"/>
+                </a:solidFill>
+                <a:latin typeface="Lexend"/>
+                <a:ea typeface="Lexend"/>
+                <a:cs typeface="Lexend"/>
+                <a:sym typeface="Lexend"/>
+              </a:rPr>
+              <a:t>Allison Potestio</a:t>
+            </a:r>
+            <a:endParaRPr b="1" sz="1160">
+              <a:solidFill>
+                <a:schemeClr val="lt1"/>
+              </a:solidFill>
+              <a:latin typeface="Lexend"/>
+              <a:ea typeface="Lexend"/>
+              <a:cs typeface="Lexend"/>
+              <a:sym typeface="Lexend"/>
+            </a:endParaRPr>
+          </a:p>
+          <a:p>
+            <a:pPr indent="0" lvl="0" marL="0" rtl="0" algn="l">
+              <a:lnSpc>
+                <a:spcPct val="50000"/>
+              </a:lnSpc>
+              <a:spcBef>
+                <a:spcPts val="1200"/>
+              </a:spcBef>
+              <a:spcAft>
+                <a:spcPts val="0"/>
+              </a:spcAft>
+              <a:buSzPts val="440"/>
+              <a:buNone/>
+            </a:pPr>
+            <a:r>
+              <a:rPr b="1" lang="en" sz="1160">
+                <a:solidFill>
+                  <a:schemeClr val="lt1"/>
+                </a:solidFill>
+                <a:latin typeface="Lexend"/>
+                <a:ea typeface="Lexend"/>
+                <a:cs typeface="Lexend"/>
+                <a:sym typeface="Lexend"/>
+              </a:rPr>
+              <a:t>Anusha Sekhar</a:t>
+            </a:r>
+            <a:endParaRPr b="1" sz="1160">
+              <a:solidFill>
+                <a:schemeClr val="lt1"/>
+              </a:solidFill>
+              <a:latin typeface="Lexend"/>
+              <a:ea typeface="Lexend"/>
+              <a:cs typeface="Lexend"/>
+              <a:sym typeface="Lexend"/>
+            </a:endParaRPr>
+          </a:p>
+          <a:p>
+            <a:pPr indent="0" lvl="0" marL="0" rtl="0" algn="l">
+              <a:lnSpc>
+                <a:spcPct val="50000"/>
+              </a:lnSpc>
+              <a:spcBef>
+                <a:spcPts val="1200"/>
+              </a:spcBef>
+              <a:spcAft>
+                <a:spcPts val="0"/>
+              </a:spcAft>
+              <a:buSzPts val="440"/>
+              <a:buNone/>
+            </a:pPr>
+            <a:r>
+              <a:rPr b="1" lang="en" sz="1160">
+                <a:solidFill>
+                  <a:schemeClr val="lt1"/>
+                </a:solidFill>
+                <a:latin typeface="Lexend"/>
+                <a:ea typeface="Lexend"/>
+                <a:cs typeface="Lexend"/>
+                <a:sym typeface="Lexend"/>
+              </a:rPr>
+              <a:t>Brendan Smith</a:t>
+            </a:r>
+            <a:endParaRPr b="1" sz="1160">
+              <a:solidFill>
+                <a:schemeClr val="lt1"/>
+              </a:solidFill>
+              <a:latin typeface="Lexend"/>
+              <a:ea typeface="Lexend"/>
+              <a:cs typeface="Lexend"/>
+              <a:sym typeface="Lexend"/>
+            </a:endParaRPr>
+          </a:p>
+          <a:p>
+            <a:pPr indent="0" lvl="0" marL="0" rtl="0" algn="l">
+              <a:lnSpc>
+                <a:spcPct val="50000"/>
+              </a:lnSpc>
+              <a:spcBef>
+                <a:spcPts val="1200"/>
+              </a:spcBef>
+              <a:spcAft>
+                <a:spcPts val="0"/>
+              </a:spcAft>
+              <a:buSzPts val="440"/>
+              <a:buNone/>
+            </a:pPr>
+            <a:r>
+              <a:rPr b="1" lang="en" sz="1160">
+                <a:solidFill>
+                  <a:schemeClr val="lt1"/>
+                </a:solidFill>
+                <a:latin typeface="Lexend"/>
+                <a:ea typeface="Lexend"/>
+                <a:cs typeface="Lexend"/>
+                <a:sym typeface="Lexend"/>
+              </a:rPr>
+              <a:t>Olesya Gaeva</a:t>
+            </a:r>
+            <a:endParaRPr b="1" sz="1160">
+              <a:solidFill>
+                <a:schemeClr val="lt1"/>
+              </a:solidFill>
+              <a:latin typeface="Lexend"/>
+              <a:ea typeface="Lexend"/>
+              <a:cs typeface="Lexend"/>
+              <a:sym typeface="Lexend"/>
+            </a:endParaRPr>
+          </a:p>
+          <a:p>
+            <a:pPr indent="0" lvl="0" marL="0" rtl="0" algn="l">
+              <a:lnSpc>
+                <a:spcPct val="50000"/>
+              </a:lnSpc>
+              <a:spcBef>
+                <a:spcPts val="1200"/>
+              </a:spcBef>
+              <a:spcAft>
+                <a:spcPts val="0"/>
+              </a:spcAft>
+              <a:buSzPts val="440"/>
+              <a:buNone/>
+            </a:pPr>
+            <a:r>
+              <a:rPr b="1" lang="en" sz="1160">
+                <a:solidFill>
+                  <a:schemeClr val="lt1"/>
+                </a:solidFill>
+                <a:latin typeface="Lexend"/>
+                <a:ea typeface="Lexend"/>
+                <a:cs typeface="Lexend"/>
+                <a:sym typeface="Lexend"/>
+              </a:rPr>
+              <a:t>Neha Changela</a:t>
+            </a:r>
+            <a:endParaRPr b="1" sz="1160">
+              <a:solidFill>
+                <a:schemeClr val="lt1"/>
+              </a:solidFill>
+              <a:latin typeface="Lexend"/>
+              <a:ea typeface="Lexend"/>
+              <a:cs typeface="Lexend"/>
+              <a:sym typeface="Lexend"/>
+            </a:endParaRPr>
+          </a:p>
+          <a:p>
+            <a:pPr indent="0" lvl="0" marL="0" rtl="0" algn="l">
+              <a:lnSpc>
+                <a:spcPct val="50000"/>
+              </a:lnSpc>
+              <a:spcBef>
+                <a:spcPts val="1200"/>
+              </a:spcBef>
+              <a:spcAft>
+                <a:spcPts val="1200"/>
+              </a:spcAft>
+              <a:buSzPts val="440"/>
+              <a:buNone/>
+            </a:pPr>
+            <a:r>
+              <a:rPr b="1" lang="en" sz="1160">
+                <a:solidFill>
+                  <a:schemeClr val="lt1"/>
+                </a:solidFill>
+                <a:latin typeface="Lexend"/>
+                <a:ea typeface="Lexend"/>
+                <a:cs typeface="Lexend"/>
+                <a:sym typeface="Lexend"/>
+              </a:rPr>
+              <a:t>Susan Ombwayo</a:t>
+            </a:r>
+            <a:r>
+              <a:rPr b="1" lang="en" sz="900">
+                <a:solidFill>
+                  <a:schemeClr val="lt1"/>
                 </a:solidFill>
                 <a:highlight>
                   <a:srgbClr val="F8F8F8"/>
                 </a:highlight>
-                <a:latin typeface="Lexend SemiBold"/>
-                <a:ea typeface="Lexend SemiBold"/>
-                <a:cs typeface="Lexend SemiBold"/>
-                <a:sym typeface="Lexend SemiBold"/>
+                <a:latin typeface="Lexend"/>
+                <a:ea typeface="Lexend"/>
+                <a:cs typeface="Lexend"/>
+                <a:sym typeface="Lexend"/>
               </a:rPr>
               <a:t> </a:t>
             </a:r>
-            <a:endParaRPr sz="1400">
+            <a:endParaRPr b="1" sz="1160">
               <a:solidFill>
-                <a:srgbClr val="073763"/>
+                <a:schemeClr val="lt1"/>
               </a:solidFill>
-              <a:latin typeface="Lexend SemiBold"/>
-              <a:ea typeface="Lexend SemiBold"/>
-              <a:cs typeface="Lexend SemiBold"/>
-              <a:sym typeface="Lexend SemiBold"/>
+              <a:latin typeface="Lexend"/>
+              <a:ea typeface="Lexend"/>
+              <a:cs typeface="Lexend"/>
+              <a:sym typeface="Lexend"/>
             </a:endParaRPr>
           </a:p>
         </p:txBody>
@@ -7232,7 +7709,7 @@
         </p:nvSpPr>
         <p:spPr>
           <a:xfrm>
-            <a:off x="715100" y="4318200"/>
+            <a:off x="673950" y="4488000"/>
             <a:ext cx="7599000" cy="655500"/>
           </a:xfrm>
           <a:prstGeom prst="rect">
@@ -7259,7 +7736,7 @@
               <a:buNone/>
             </a:pPr>
             <a:r>
-              <a:rPr lang="en" sz="1800">
+              <a:rPr lang="en" sz="1200">
                 <a:solidFill>
                   <a:srgbClr val="0B5394"/>
                 </a:solidFill>
@@ -7270,7 +7747,7 @@
               </a:rPr>
               <a:t>Rutgers University Data Analysis Bootcamp Final Project</a:t>
             </a:r>
-            <a:endParaRPr sz="1800">
+            <a:endParaRPr sz="1200">
               <a:solidFill>
                 <a:srgbClr val="0B5394"/>
               </a:solidFill>
@@ -7291,7 +7768,7 @@
               <a:buNone/>
             </a:pPr>
             <a:r>
-              <a:rPr lang="en" sz="1800">
+              <a:rPr lang="en" sz="1200">
                 <a:solidFill>
                   <a:srgbClr val="0B5394"/>
                 </a:solidFill>
@@ -7302,7 +7779,7 @@
               </a:rPr>
               <a:t>December 14, 2023</a:t>
             </a:r>
-            <a:endParaRPr sz="1800">
+            <a:endParaRPr sz="1200">
               <a:solidFill>
                 <a:srgbClr val="0B5394"/>
               </a:solidFill>
@@ -7325,9 +7802,16 @@
 <file path=ppt/slides/slide10.xml><?xml version="1.0" encoding="utf-8"?>
 <p:sld xmlns:a="http://schemas.openxmlformats.org/drawingml/2006/main" xmlns:r="http://schemas.openxmlformats.org/officeDocument/2006/relationships" xmlns:mc="http://schemas.openxmlformats.org/markup-compatibility/2006" xmlns:mv="urn:schemas-microsoft-com:mac:vml" xmlns:p="http://schemas.openxmlformats.org/presentationml/2006/main" xmlns:c="http://schemas.openxmlformats.org/drawingml/2006/chart" xmlns:dgm="http://schemas.openxmlformats.org/drawingml/2006/diagram" xmlns:o="urn:schemas-microsoft-com:office:office" xmlns:v="urn:schemas-microsoft-com:vml" xmlns:pvml="urn:schemas-microsoft-com:office:powerpoint" xmlns:com="http://schemas.openxmlformats.org/drawingml/2006/compatibility" xmlns:p14="http://schemas.microsoft.com/office/powerpoint/2010/main" xmlns:p15="http://schemas.microsoft.com/office/powerpoint/2012/main" xmlns:ahyp="http://schemas.microsoft.com/office/drawing/2018/hyperlinkcolor">
   <p:cSld>
+    <p:bg>
+      <p:bgPr>
+        <a:solidFill>
+          <a:schemeClr val="accent2"/>
+        </a:solidFill>
+      </p:bgPr>
+    </p:bg>
     <p:spTree>
       <p:nvGrpSpPr>
-        <p:cNvPr id="127" name="Shape 127"/>
+        <p:cNvPr id="140" name="Shape 140"/>
         <p:cNvGrpSpPr/>
         <p:nvPr/>
       </p:nvGrpSpPr>
@@ -7341,7 +7825,7 @@
       </p:grpSpPr>
       <p:sp>
         <p:nvSpPr>
-          <p:cNvPr id="128" name="Google Shape;128;p22"/>
+          <p:cNvPr id="141" name="Google Shape;141;p22"/>
           <p:cNvSpPr txBox="1"/>
           <p:nvPr>
             <p:ph type="title"/>
@@ -7381,33 +7865,7 @@
                 <a:cs typeface="Lexend Medium"/>
                 <a:sym typeface="Lexend Medium"/>
               </a:rPr>
-              <a:t>Analysis</a:t>
-            </a:r>
-            <a:r>
-              <a:rPr lang="en"/>
-              <a:t> </a:t>
-            </a:r>
-            <a:r>
-              <a:rPr lang="en">
-                <a:latin typeface="Lexend Medium"/>
-                <a:ea typeface="Lexend Medium"/>
-                <a:cs typeface="Lexend Medium"/>
-                <a:sym typeface="Lexend Medium"/>
-              </a:rPr>
-              <a:t>and</a:t>
-            </a:r>
-            <a:r>
-              <a:rPr lang="en"/>
-              <a:t> </a:t>
-            </a:r>
-            <a:r>
-              <a:rPr lang="en">
-                <a:latin typeface="Lexend Medium"/>
-                <a:ea typeface="Lexend Medium"/>
-                <a:cs typeface="Lexend Medium"/>
-                <a:sym typeface="Lexend Medium"/>
-              </a:rPr>
-              <a:t>Takeaways</a:t>
+              <a:t>Tableau Visualizations</a:t>
             </a:r>
             <a:endParaRPr/>
           </a:p>
@@ -7415,7 +7873,7 @@
       </p:sp>
       <p:sp>
         <p:nvSpPr>
-          <p:cNvPr id="129" name="Google Shape;129;p22"/>
+          <p:cNvPr id="142" name="Google Shape;142;p22"/>
           <p:cNvSpPr txBox="1"/>
           <p:nvPr>
             <p:ph idx="1" type="body"/>
@@ -7432,7 +7890,7 @@
         </p:spPr>
         <p:txBody>
           <a:bodyPr anchorCtr="0" anchor="t" bIns="91425" lIns="91425" spcFirstLastPara="1" rIns="91425" wrap="square" tIns="91425">
-            <a:normAutofit fontScale="70000"/>
+            <a:normAutofit/>
           </a:bodyPr>
           <a:lstStyle/>
           <a:p>
@@ -7446,140 +7904,53 @@
               <a:buNone/>
             </a:pPr>
             <a:r>
-              <a:rPr lang="en"/>
-              <a:t>Machine Learning Models </a:t>
-            </a:r>
-            <a:endParaRPr/>
-          </a:p>
-          <a:p>
-            <a:pPr indent="457200" lvl="0" marL="0" rtl="0" algn="l">
+              <a:rPr lang="en">
+                <a:solidFill>
+                  <a:schemeClr val="lt1"/>
+                </a:solidFill>
+              </a:rPr>
+              <a:t>Tableau visualizations allowed us to determine lifestyle factors </a:t>
+            </a:r>
+            <a:r>
+              <a:rPr lang="en">
+                <a:solidFill>
+                  <a:schemeClr val="lt1"/>
+                </a:solidFill>
+              </a:rPr>
+              <a:t>contribution affecting</a:t>
+            </a:r>
+            <a:r>
+              <a:rPr lang="en">
+                <a:solidFill>
+                  <a:schemeClr val="lt1"/>
+                </a:solidFill>
+              </a:rPr>
+              <a:t> sleep efficiency </a:t>
+            </a:r>
+            <a:endParaRPr>
+              <a:solidFill>
+                <a:schemeClr val="lt1"/>
+              </a:solidFill>
+            </a:endParaRPr>
+          </a:p>
+          <a:p>
+            <a:pPr indent="0" lvl="0" marL="0" rtl="0" algn="l">
               <a:spcBef>
                 <a:spcPts val="1200"/>
               </a:spcBef>
               <a:spcAft>
-                <a:spcPts val="0"/>
-              </a:spcAft>
-              <a:buNone/>
-            </a:pPr>
-            <a:r>
-              <a:rPr lang="en"/>
-              <a:t>demographic information and habits affect and predict sleep efficiency</a:t>
-            </a:r>
-            <a:endParaRPr/>
-          </a:p>
-          <a:p>
-            <a:pPr indent="0" lvl="0" marL="0" rtl="0" algn="l">
-              <a:spcBef>
                 <a:spcPts val="1200"/>
-              </a:spcBef>
-              <a:spcAft>
-                <a:spcPts val="0"/>
-              </a:spcAft>
-              <a:buNone/>
-            </a:pPr>
-            <a:r>
-              <a:rPr lang="en"/>
-              <a:t>Tableau Visualizations</a:t>
-            </a:r>
-            <a:endParaRPr/>
-          </a:p>
-          <a:p>
-            <a:pPr indent="0" lvl="0" marL="0" rtl="0" algn="l">
-              <a:spcBef>
-                <a:spcPts val="1200"/>
-              </a:spcBef>
-              <a:spcAft>
-                <a:spcPts val="0"/>
-              </a:spcAft>
-              <a:buNone/>
-            </a:pPr>
-            <a:r>
-              <a:rPr lang="en"/>
-              <a:t>	Allows us to see relationship between demographics and habits and sleep quality</a:t>
-            </a:r>
-            <a:endParaRPr/>
-          </a:p>
-          <a:p>
-            <a:pPr indent="0" lvl="0" marL="0" rtl="0" algn="l">
-              <a:spcBef>
-                <a:spcPts val="1200"/>
-              </a:spcBef>
-              <a:spcAft>
-                <a:spcPts val="0"/>
-              </a:spcAft>
-              <a:buNone/>
-            </a:pPr>
-            <a:r>
-              <a:rPr lang="en"/>
-              <a:t>O</a:t>
-            </a:r>
-            <a:r>
-              <a:rPr lang="en"/>
-              <a:t>utliers impacted our data analysis. For visualization purposes, with the exception of the Box Plot, we excluded outliers</a:t>
-            </a:r>
-            <a:endParaRPr/>
-          </a:p>
-          <a:p>
-            <a:pPr indent="0" lvl="0" marL="0" rtl="0" algn="l">
-              <a:spcBef>
-                <a:spcPts val="1200"/>
-              </a:spcBef>
-              <a:spcAft>
-                <a:spcPts val="0"/>
-              </a:spcAft>
-              <a:buNone/>
-            </a:pPr>
-            <a:r>
-              <a:rPr lang="en"/>
-              <a:t>Our model had the best accuracy when run with maximum attributes as available in the data set</a:t>
-            </a:r>
-            <a:endParaRPr/>
-          </a:p>
-          <a:p>
-            <a:pPr indent="0" lvl="0" marL="0" rtl="0" algn="l">
-              <a:spcBef>
-                <a:spcPts val="1200"/>
-              </a:spcBef>
-              <a:spcAft>
-                <a:spcPts val="0"/>
-              </a:spcAft>
-              <a:buNone/>
-            </a:pPr>
-            <a:r>
-              <a:rPr lang="en"/>
-              <a:t>Removing even a few rows containing null values had a high impact on the Model's efficiency.</a:t>
-            </a:r>
-            <a:endParaRPr/>
-          </a:p>
-          <a:p>
-            <a:pPr indent="0" lvl="0" marL="0" rtl="0" algn="l">
-              <a:spcBef>
-                <a:spcPts val="1200"/>
-              </a:spcBef>
-              <a:spcAft>
-                <a:spcPts val="0"/>
-              </a:spcAft>
-              <a:buNone/>
-            </a:pPr>
-            <a:r>
-              <a:rPr lang="en"/>
-              <a:t>We found interesting trends while analyzing and visualizing the impact of habits on sleep efficiency by gender.</a:t>
-            </a:r>
-            <a:endParaRPr/>
-          </a:p>
-          <a:p>
-            <a:pPr indent="0" lvl="0" marL="0" rtl="0" algn="l">
-              <a:spcBef>
-                <a:spcPts val="1200"/>
-              </a:spcBef>
-              <a:spcAft>
-                <a:spcPts val="1200"/>
-              </a:spcAft>
-              <a:buNone/>
-            </a:pPr>
-            <a:r>
-              <a:rPr lang="en"/>
-              <a:t>	</a:t>
+              </a:spcAft>
+              <a:buNone/>
+            </a:pPr>
+            <a:r>
+              <a:rPr lang="en" u="sng">
+                <a:solidFill>
+                  <a:schemeClr val="hlink"/>
+                </a:solidFill>
+                <a:hlinkClick r:id="rId3"/>
+              </a:rPr>
+              <a:t>Tableau Story</a:t>
             </a:r>
             <a:endParaRPr/>
           </a:p>
@@ -7587,7 +7958,7 @@
       </p:sp>
       <p:sp>
         <p:nvSpPr>
-          <p:cNvPr id="130" name="Google Shape;130;p22"/>
+          <p:cNvPr id="143" name="Google Shape;143;p22"/>
           <p:cNvSpPr txBox="1"/>
           <p:nvPr/>
         </p:nvSpPr>
@@ -7628,7 +7999,513 @@
                 <a:ea typeface="Lexend ExtraLight"/>
                 <a:cs typeface="Lexend ExtraLight"/>
                 <a:sym typeface="Lexend ExtraLight"/>
-                <a:hlinkClick r:id="rId3"/>
+                <a:hlinkClick r:id="rId4"/>
+              </a:rPr>
+              <a:t>Github Repository</a:t>
+            </a:r>
+            <a:endParaRPr sz="1200">
+              <a:solidFill>
+                <a:schemeClr val="accent3"/>
+              </a:solidFill>
+              <a:latin typeface="Lexend ExtraLight"/>
+              <a:ea typeface="Lexend ExtraLight"/>
+              <a:cs typeface="Lexend ExtraLight"/>
+              <a:sym typeface="Lexend ExtraLight"/>
+            </a:endParaRPr>
+          </a:p>
+        </p:txBody>
+      </p:sp>
+      <p:pic>
+        <p:nvPicPr>
+          <p:cNvPr id="144" name="Google Shape;144;p22"/>
+          <p:cNvPicPr preferRelativeResize="0"/>
+          <p:nvPr/>
+        </p:nvPicPr>
+        <p:blipFill>
+          <a:blip r:embed="rId5">
+            <a:alphaModFix/>
+          </a:blip>
+          <a:stretch>
+            <a:fillRect/>
+          </a:stretch>
+        </p:blipFill>
+        <p:spPr>
+          <a:xfrm>
+            <a:off x="311700" y="2720850"/>
+            <a:ext cx="4250602" cy="2252950"/>
+          </a:xfrm>
+          <a:prstGeom prst="rect">
+            <a:avLst/>
+          </a:prstGeom>
+          <a:noFill/>
+          <a:ln>
+            <a:noFill/>
+          </a:ln>
+        </p:spPr>
+      </p:pic>
+      <p:pic>
+        <p:nvPicPr>
+          <p:cNvPr id="145" name="Google Shape;145;p22"/>
+          <p:cNvPicPr preferRelativeResize="0"/>
+          <p:nvPr/>
+        </p:nvPicPr>
+        <p:blipFill>
+          <a:blip r:embed="rId6">
+            <a:alphaModFix/>
+          </a:blip>
+          <a:stretch>
+            <a:fillRect/>
+          </a:stretch>
+        </p:blipFill>
+        <p:spPr>
+          <a:xfrm>
+            <a:off x="4664550" y="1846200"/>
+            <a:ext cx="4250600" cy="2206465"/>
+          </a:xfrm>
+          <a:prstGeom prst="rect">
+            <a:avLst/>
+          </a:prstGeom>
+          <a:noFill/>
+          <a:ln>
+            <a:noFill/>
+          </a:ln>
+        </p:spPr>
+      </p:pic>
+    </p:spTree>
+  </p:cSld>
+  <p:clrMapOvr>
+    <a:masterClrMapping/>
+  </p:clrMapOvr>
+</p:sld>
+</file>
+
+<file path=ppt/slides/slide11.xml><?xml version="1.0" encoding="utf-8"?>
+<p:sld xmlns:a="http://schemas.openxmlformats.org/drawingml/2006/main" xmlns:r="http://schemas.openxmlformats.org/officeDocument/2006/relationships" xmlns:mc="http://schemas.openxmlformats.org/markup-compatibility/2006" xmlns:mv="urn:schemas-microsoft-com:mac:vml" xmlns:p="http://schemas.openxmlformats.org/presentationml/2006/main" xmlns:c="http://schemas.openxmlformats.org/drawingml/2006/chart" xmlns:dgm="http://schemas.openxmlformats.org/drawingml/2006/diagram" xmlns:o="urn:schemas-microsoft-com:office:office" xmlns:v="urn:schemas-microsoft-com:vml" xmlns:pvml="urn:schemas-microsoft-com:office:powerpoint" xmlns:com="http://schemas.openxmlformats.org/drawingml/2006/compatibility" xmlns:p14="http://schemas.microsoft.com/office/powerpoint/2010/main" xmlns:p15="http://schemas.microsoft.com/office/powerpoint/2012/main" xmlns:ahyp="http://schemas.microsoft.com/office/drawing/2018/hyperlinkcolor">
+  <p:cSld>
+    <p:bg>
+      <p:bgPr>
+        <a:solidFill>
+          <a:schemeClr val="accent2"/>
+        </a:solidFill>
+      </p:bgPr>
+    </p:bg>
+    <p:spTree>
+      <p:nvGrpSpPr>
+        <p:cNvPr id="149" name="Shape 149"/>
+        <p:cNvGrpSpPr/>
+        <p:nvPr/>
+      </p:nvGrpSpPr>
+      <p:grpSpPr>
+        <a:xfrm>
+          <a:off x="0" y="0"/>
+          <a:ext cx="0" cy="0"/>
+          <a:chOff x="0" y="0"/>
+          <a:chExt cx="0" cy="0"/>
+        </a:xfrm>
+      </p:grpSpPr>
+      <p:sp>
+        <p:nvSpPr>
+          <p:cNvPr id="150" name="Google Shape;150;p23"/>
+          <p:cNvSpPr txBox="1"/>
+          <p:nvPr>
+            <p:ph type="title"/>
+          </p:nvPr>
+        </p:nvSpPr>
+        <p:spPr>
+          <a:xfrm>
+            <a:off x="311700" y="445025"/>
+            <a:ext cx="8520600" cy="572700"/>
+          </a:xfrm>
+          <a:prstGeom prst="rect">
+            <a:avLst/>
+          </a:prstGeom>
+        </p:spPr>
+        <p:txBody>
+          <a:bodyPr anchorCtr="0" anchor="t" bIns="91425" lIns="91425" spcFirstLastPara="1" rIns="91425" wrap="square" tIns="91425">
+            <a:normAutofit fontScale="90000"/>
+          </a:bodyPr>
+          <a:lstStyle/>
+          <a:p>
+            <a:pPr indent="0" lvl="0" marL="0" marR="0" rtl="0" algn="l">
+              <a:lnSpc>
+                <a:spcPct val="100000"/>
+              </a:lnSpc>
+              <a:spcBef>
+                <a:spcPts val="0"/>
+              </a:spcBef>
+              <a:spcAft>
+                <a:spcPts val="0"/>
+              </a:spcAft>
+              <a:buNone/>
+            </a:pPr>
+            <a:r>
+              <a:rPr lang="en">
+                <a:latin typeface="Lexend Medium"/>
+                <a:ea typeface="Lexend Medium"/>
+                <a:cs typeface="Lexend Medium"/>
+                <a:sym typeface="Lexend Medium"/>
+              </a:rPr>
+              <a:t>Processes</a:t>
+            </a:r>
+            <a:r>
+              <a:rPr lang="en"/>
+              <a:t> </a:t>
+            </a:r>
+            <a:r>
+              <a:rPr lang="en">
+                <a:latin typeface="Lexend Medium"/>
+                <a:ea typeface="Lexend Medium"/>
+                <a:cs typeface="Lexend Medium"/>
+                <a:sym typeface="Lexend Medium"/>
+              </a:rPr>
+              <a:t>and</a:t>
+            </a:r>
+            <a:r>
+              <a:rPr lang="en"/>
+              <a:t> </a:t>
+            </a:r>
+            <a:r>
+              <a:rPr lang="en">
+                <a:latin typeface="Lexend Medium"/>
+                <a:ea typeface="Lexend Medium"/>
+                <a:cs typeface="Lexend Medium"/>
+                <a:sym typeface="Lexend Medium"/>
+              </a:rPr>
+              <a:t>Problems</a:t>
+            </a:r>
+            <a:endParaRPr/>
+          </a:p>
+        </p:txBody>
+      </p:sp>
+      <p:sp>
+        <p:nvSpPr>
+          <p:cNvPr id="151" name="Google Shape;151;p23"/>
+          <p:cNvSpPr txBox="1"/>
+          <p:nvPr>
+            <p:ph idx="1" type="body"/>
+          </p:nvPr>
+        </p:nvSpPr>
+        <p:spPr>
+          <a:xfrm>
+            <a:off x="311700" y="1152475"/>
+            <a:ext cx="6572700" cy="3416400"/>
+          </a:xfrm>
+          <a:prstGeom prst="rect">
+            <a:avLst/>
+          </a:prstGeom>
+        </p:spPr>
+        <p:txBody>
+          <a:bodyPr anchorCtr="0" anchor="t" bIns="91425" lIns="91425" spcFirstLastPara="1" rIns="91425" wrap="square" tIns="91425">
+            <a:normAutofit lnSpcReduction="10000"/>
+          </a:bodyPr>
+          <a:lstStyle/>
+          <a:p>
+            <a:pPr indent="-342900" lvl="0" marL="457200" rtl="0" algn="l">
+              <a:spcBef>
+                <a:spcPts val="0"/>
+              </a:spcBef>
+              <a:spcAft>
+                <a:spcPts val="0"/>
+              </a:spcAft>
+              <a:buClr>
+                <a:schemeClr val="lt1"/>
+              </a:buClr>
+              <a:buSzPts val="1800"/>
+              <a:buChar char="●"/>
+            </a:pPr>
+            <a:r>
+              <a:rPr lang="en">
+                <a:solidFill>
+                  <a:schemeClr val="lt1"/>
+                </a:solidFill>
+              </a:rPr>
+              <a:t>Testing on multiple datasets</a:t>
+            </a:r>
+            <a:endParaRPr>
+              <a:solidFill>
+                <a:schemeClr val="lt1"/>
+              </a:solidFill>
+            </a:endParaRPr>
+          </a:p>
+          <a:p>
+            <a:pPr indent="-317500" lvl="1" marL="914400" rtl="0" algn="l">
+              <a:spcBef>
+                <a:spcPts val="0"/>
+              </a:spcBef>
+              <a:spcAft>
+                <a:spcPts val="0"/>
+              </a:spcAft>
+              <a:buClr>
+                <a:schemeClr val="lt1"/>
+              </a:buClr>
+              <a:buSzPts val="1400"/>
+              <a:buChar char="○"/>
+            </a:pPr>
+            <a:r>
+              <a:rPr lang="en">
+                <a:solidFill>
+                  <a:schemeClr val="lt1"/>
+                </a:solidFill>
+              </a:rPr>
+              <a:t>400 rows vs 619 rows - increased accuracy in larger dataset</a:t>
+            </a:r>
+            <a:endParaRPr>
+              <a:solidFill>
+                <a:schemeClr val="lt1"/>
+              </a:solidFill>
+            </a:endParaRPr>
+          </a:p>
+          <a:p>
+            <a:pPr indent="0" lvl="0" marL="0" rtl="0" algn="l">
+              <a:spcBef>
+                <a:spcPts val="1200"/>
+              </a:spcBef>
+              <a:spcAft>
+                <a:spcPts val="0"/>
+              </a:spcAft>
+              <a:buNone/>
+            </a:pPr>
+            <a:r>
+              <a:t/>
+            </a:r>
+            <a:endParaRPr>
+              <a:solidFill>
+                <a:schemeClr val="lt1"/>
+              </a:solidFill>
+            </a:endParaRPr>
+          </a:p>
+          <a:p>
+            <a:pPr indent="-342900" lvl="0" marL="457200" rtl="0" algn="l">
+              <a:spcBef>
+                <a:spcPts val="1200"/>
+              </a:spcBef>
+              <a:spcAft>
+                <a:spcPts val="0"/>
+              </a:spcAft>
+              <a:buClr>
+                <a:schemeClr val="lt1"/>
+              </a:buClr>
+              <a:buSzPts val="1800"/>
+              <a:buChar char="●"/>
+            </a:pPr>
+            <a:r>
+              <a:rPr lang="en">
+                <a:solidFill>
+                  <a:schemeClr val="lt1"/>
+                </a:solidFill>
+              </a:rPr>
+              <a:t>Removing null values to </a:t>
+            </a:r>
+            <a:r>
+              <a:rPr lang="en">
+                <a:solidFill>
+                  <a:schemeClr val="lt1"/>
+                </a:solidFill>
+              </a:rPr>
+              <a:t>improve model accuracy </a:t>
+            </a:r>
+            <a:endParaRPr>
+              <a:solidFill>
+                <a:schemeClr val="lt1"/>
+              </a:solidFill>
+            </a:endParaRPr>
+          </a:p>
+          <a:p>
+            <a:pPr indent="0" lvl="0" marL="0" rtl="0" algn="l">
+              <a:spcBef>
+                <a:spcPts val="1200"/>
+              </a:spcBef>
+              <a:spcAft>
+                <a:spcPts val="0"/>
+              </a:spcAft>
+              <a:buNone/>
+            </a:pPr>
+            <a:r>
+              <a:t/>
+            </a:r>
+            <a:endParaRPr>
+              <a:solidFill>
+                <a:schemeClr val="lt1"/>
+              </a:solidFill>
+            </a:endParaRPr>
+          </a:p>
+          <a:p>
+            <a:pPr indent="-342900" lvl="0" marL="457200" rtl="0" algn="l">
+              <a:spcBef>
+                <a:spcPts val="1200"/>
+              </a:spcBef>
+              <a:spcAft>
+                <a:spcPts val="0"/>
+              </a:spcAft>
+              <a:buClr>
+                <a:schemeClr val="lt1"/>
+              </a:buClr>
+              <a:buSzPts val="1800"/>
+              <a:buChar char="●"/>
+            </a:pPr>
+            <a:r>
+              <a:rPr lang="en">
+                <a:solidFill>
+                  <a:schemeClr val="lt1"/>
+                </a:solidFill>
+              </a:rPr>
+              <a:t>Model Optimization:</a:t>
+            </a:r>
+            <a:endParaRPr>
+              <a:solidFill>
+                <a:schemeClr val="lt1"/>
+              </a:solidFill>
+            </a:endParaRPr>
+          </a:p>
+          <a:p>
+            <a:pPr indent="-317500" lvl="1" marL="914400" rtl="0" algn="l">
+              <a:spcBef>
+                <a:spcPts val="0"/>
+              </a:spcBef>
+              <a:spcAft>
+                <a:spcPts val="0"/>
+              </a:spcAft>
+              <a:buClr>
+                <a:schemeClr val="lt1"/>
+              </a:buClr>
+              <a:buSzPts val="1400"/>
+              <a:buChar char="○"/>
+            </a:pPr>
+            <a:r>
+              <a:rPr lang="en">
+                <a:solidFill>
+                  <a:schemeClr val="lt1"/>
+                </a:solidFill>
+              </a:rPr>
+              <a:t>Deciding which models are best</a:t>
+            </a:r>
+            <a:endParaRPr>
+              <a:solidFill>
+                <a:schemeClr val="lt1"/>
+              </a:solidFill>
+            </a:endParaRPr>
+          </a:p>
+          <a:p>
+            <a:pPr indent="-317500" lvl="1" marL="914400" rtl="0" algn="l">
+              <a:spcBef>
+                <a:spcPts val="0"/>
+              </a:spcBef>
+              <a:spcAft>
+                <a:spcPts val="0"/>
+              </a:spcAft>
+              <a:buClr>
+                <a:schemeClr val="lt1"/>
+              </a:buClr>
+              <a:buSzPts val="1400"/>
+              <a:buChar char="○"/>
+            </a:pPr>
+            <a:r>
+              <a:rPr lang="en">
+                <a:solidFill>
+                  <a:schemeClr val="lt1"/>
+                </a:solidFill>
+              </a:rPr>
+              <a:t>50 epochs - determined this was best for efficiency and accuracy</a:t>
+            </a:r>
+            <a:endParaRPr>
+              <a:solidFill>
+                <a:schemeClr val="lt1"/>
+              </a:solidFill>
+            </a:endParaRPr>
+          </a:p>
+          <a:p>
+            <a:pPr indent="0" lvl="0" marL="0" rtl="0" algn="l">
+              <a:spcBef>
+                <a:spcPts val="1200"/>
+              </a:spcBef>
+              <a:spcAft>
+                <a:spcPts val="1200"/>
+              </a:spcAft>
+              <a:buNone/>
+            </a:pPr>
+            <a:r>
+              <a:t/>
+            </a:r>
+            <a:endParaRPr>
+              <a:solidFill>
+                <a:schemeClr val="lt1"/>
+              </a:solidFill>
+            </a:endParaRPr>
+          </a:p>
+        </p:txBody>
+      </p:sp>
+      <p:pic>
+        <p:nvPicPr>
+          <p:cNvPr id="152" name="Google Shape;152;p23"/>
+          <p:cNvPicPr preferRelativeResize="0"/>
+          <p:nvPr/>
+        </p:nvPicPr>
+        <p:blipFill>
+          <a:blip r:embed="rId3">
+            <a:alphaModFix/>
+          </a:blip>
+          <a:stretch>
+            <a:fillRect/>
+          </a:stretch>
+        </p:blipFill>
+        <p:spPr>
+          <a:xfrm>
+            <a:off x="6884320" y="258700"/>
+            <a:ext cx="2130729" cy="4361099"/>
+          </a:xfrm>
+          <a:prstGeom prst="rect">
+            <a:avLst/>
+          </a:prstGeom>
+          <a:noFill/>
+          <a:ln>
+            <a:noFill/>
+          </a:ln>
+        </p:spPr>
+      </p:pic>
+      <p:sp>
+        <p:nvSpPr>
+          <p:cNvPr id="153" name="Google Shape;153;p23"/>
+          <p:cNvSpPr txBox="1"/>
+          <p:nvPr/>
+        </p:nvSpPr>
+        <p:spPr>
+          <a:xfrm>
+            <a:off x="7015850" y="4619800"/>
+            <a:ext cx="2051700" cy="354000"/>
+          </a:xfrm>
+          <a:prstGeom prst="rect">
+            <a:avLst/>
+          </a:prstGeom>
+          <a:noFill/>
+          <a:ln>
+            <a:noFill/>
+          </a:ln>
+        </p:spPr>
+        <p:txBody>
+          <a:bodyPr anchorCtr="0" anchor="t" bIns="91425" lIns="91425" spcFirstLastPara="1" rIns="91425" wrap="square" tIns="91425">
+            <a:noAutofit/>
+          </a:bodyPr>
+          <a:lstStyle/>
+          <a:p>
+            <a:pPr indent="0" lvl="0" marL="0" rtl="0" algn="r">
+              <a:spcBef>
+                <a:spcPts val="0"/>
+              </a:spcBef>
+              <a:spcAft>
+                <a:spcPts val="0"/>
+              </a:spcAft>
+              <a:buNone/>
+            </a:pPr>
+            <a:r>
+              <a:rPr lang="en" sz="1200" u="sng">
+                <a:solidFill>
+                  <a:schemeClr val="hlink"/>
+                </a:solidFill>
+                <a:latin typeface="Lexend ExtraLight"/>
+                <a:ea typeface="Lexend ExtraLight"/>
+                <a:cs typeface="Lexend ExtraLight"/>
+                <a:sym typeface="Lexend ExtraLight"/>
+                <a:hlinkClick r:id="rId4"/>
               </a:rPr>
               <a:t>Github Repository</a:t>
             </a:r>
@@ -7652,7 +8529,404 @@
 </p:sld>
 </file>
 
-<file path=ppt/slides/slide11.xml><?xml version="1.0" encoding="utf-8"?>
+<file path=ppt/slides/slide12.xml><?xml version="1.0" encoding="utf-8"?>
+<p:sld xmlns:a="http://schemas.openxmlformats.org/drawingml/2006/main" xmlns:r="http://schemas.openxmlformats.org/officeDocument/2006/relationships" xmlns:mc="http://schemas.openxmlformats.org/markup-compatibility/2006" xmlns:mv="urn:schemas-microsoft-com:mac:vml" xmlns:p="http://schemas.openxmlformats.org/presentationml/2006/main" xmlns:c="http://schemas.openxmlformats.org/drawingml/2006/chart" xmlns:dgm="http://schemas.openxmlformats.org/drawingml/2006/diagram" xmlns:o="urn:schemas-microsoft-com:office:office" xmlns:v="urn:schemas-microsoft-com:vml" xmlns:pvml="urn:schemas-microsoft-com:office:powerpoint" xmlns:com="http://schemas.openxmlformats.org/drawingml/2006/compatibility" xmlns:p14="http://schemas.microsoft.com/office/powerpoint/2010/main" xmlns:p15="http://schemas.microsoft.com/office/powerpoint/2012/main" xmlns:ahyp="http://schemas.microsoft.com/office/drawing/2018/hyperlinkcolor">
+  <p:cSld>
+    <p:bg>
+      <p:bgPr>
+        <a:solidFill>
+          <a:schemeClr val="accent2"/>
+        </a:solidFill>
+      </p:bgPr>
+    </p:bg>
+    <p:spTree>
+      <p:nvGrpSpPr>
+        <p:cNvPr id="157" name="Shape 157"/>
+        <p:cNvGrpSpPr/>
+        <p:nvPr/>
+      </p:nvGrpSpPr>
+      <p:grpSpPr>
+        <a:xfrm>
+          <a:off x="0" y="0"/>
+          <a:ext cx="0" cy="0"/>
+          <a:chOff x="0" y="0"/>
+          <a:chExt cx="0" cy="0"/>
+        </a:xfrm>
+      </p:grpSpPr>
+      <p:sp>
+        <p:nvSpPr>
+          <p:cNvPr id="158" name="Google Shape;158;p24"/>
+          <p:cNvSpPr txBox="1"/>
+          <p:nvPr>
+            <p:ph type="title"/>
+          </p:nvPr>
+        </p:nvSpPr>
+        <p:spPr>
+          <a:xfrm>
+            <a:off x="311700" y="445025"/>
+            <a:ext cx="8520600" cy="572700"/>
+          </a:xfrm>
+          <a:prstGeom prst="rect">
+            <a:avLst/>
+          </a:prstGeom>
+        </p:spPr>
+        <p:txBody>
+          <a:bodyPr anchorCtr="0" anchor="t" bIns="91425" lIns="91425" spcFirstLastPara="1" rIns="91425" wrap="square" tIns="91425">
+            <a:normAutofit fontScale="90000"/>
+          </a:bodyPr>
+          <a:lstStyle/>
+          <a:p>
+            <a:pPr indent="0" lvl="0" marL="0" marR="0" rtl="0" algn="l">
+              <a:lnSpc>
+                <a:spcPct val="100000"/>
+              </a:lnSpc>
+              <a:spcBef>
+                <a:spcPts val="0"/>
+              </a:spcBef>
+              <a:spcAft>
+                <a:spcPts val="0"/>
+              </a:spcAft>
+              <a:buNone/>
+            </a:pPr>
+            <a:r>
+              <a:rPr lang="en">
+                <a:latin typeface="Lexend Medium"/>
+                <a:ea typeface="Lexend Medium"/>
+                <a:cs typeface="Lexend Medium"/>
+                <a:sym typeface="Lexend Medium"/>
+              </a:rPr>
+              <a:t>Analysis</a:t>
+            </a:r>
+            <a:r>
+              <a:rPr lang="en"/>
+              <a:t> </a:t>
+            </a:r>
+            <a:r>
+              <a:rPr lang="en">
+                <a:latin typeface="Lexend Medium"/>
+                <a:ea typeface="Lexend Medium"/>
+                <a:cs typeface="Lexend Medium"/>
+                <a:sym typeface="Lexend Medium"/>
+              </a:rPr>
+              <a:t>and</a:t>
+            </a:r>
+            <a:r>
+              <a:rPr lang="en"/>
+              <a:t> </a:t>
+            </a:r>
+            <a:r>
+              <a:rPr lang="en">
+                <a:latin typeface="Lexend Medium"/>
+                <a:ea typeface="Lexend Medium"/>
+                <a:cs typeface="Lexend Medium"/>
+                <a:sym typeface="Lexend Medium"/>
+              </a:rPr>
+              <a:t>Takeaways</a:t>
+            </a:r>
+            <a:endParaRPr/>
+          </a:p>
+        </p:txBody>
+      </p:sp>
+      <p:sp>
+        <p:nvSpPr>
+          <p:cNvPr id="159" name="Google Shape;159;p24"/>
+          <p:cNvSpPr txBox="1"/>
+          <p:nvPr>
+            <p:ph idx="1" type="body"/>
+          </p:nvPr>
+        </p:nvSpPr>
+        <p:spPr>
+          <a:xfrm>
+            <a:off x="311700" y="1152475"/>
+            <a:ext cx="8520600" cy="3587700"/>
+          </a:xfrm>
+          <a:prstGeom prst="rect">
+            <a:avLst/>
+          </a:prstGeom>
+        </p:spPr>
+        <p:txBody>
+          <a:bodyPr anchorCtr="0" anchor="t" bIns="91425" lIns="91425" spcFirstLastPara="1" rIns="91425" wrap="square" tIns="91425">
+            <a:normAutofit lnSpcReduction="20000"/>
+          </a:bodyPr>
+          <a:lstStyle/>
+          <a:p>
+            <a:pPr indent="-342900" lvl="0" marL="457200" rtl="0" algn="l">
+              <a:spcBef>
+                <a:spcPts val="0"/>
+              </a:spcBef>
+              <a:spcAft>
+                <a:spcPts val="0"/>
+              </a:spcAft>
+              <a:buClr>
+                <a:schemeClr val="lt1"/>
+              </a:buClr>
+              <a:buSzPts val="1800"/>
+              <a:buChar char="●"/>
+            </a:pPr>
+            <a:r>
+              <a:rPr b="1" lang="en">
+                <a:solidFill>
+                  <a:schemeClr val="lt1"/>
+                </a:solidFill>
+              </a:rPr>
+              <a:t>Machine Learning Models</a:t>
+            </a:r>
+            <a:r>
+              <a:rPr lang="en">
+                <a:solidFill>
+                  <a:schemeClr val="lt1"/>
+                </a:solidFill>
+              </a:rPr>
+              <a:t> : demographic information and habits affect and predict sleep efficiency</a:t>
+            </a:r>
+            <a:endParaRPr>
+              <a:solidFill>
+                <a:schemeClr val="lt1"/>
+              </a:solidFill>
+            </a:endParaRPr>
+          </a:p>
+          <a:p>
+            <a:pPr indent="-342900" lvl="0" marL="457200" rtl="0" algn="l">
+              <a:spcBef>
+                <a:spcPts val="0"/>
+              </a:spcBef>
+              <a:spcAft>
+                <a:spcPts val="0"/>
+              </a:spcAft>
+              <a:buClr>
+                <a:schemeClr val="lt1"/>
+              </a:buClr>
+              <a:buSzPts val="1800"/>
+              <a:buChar char="●"/>
+            </a:pPr>
+            <a:r>
+              <a:rPr b="1" lang="en">
+                <a:solidFill>
+                  <a:schemeClr val="lt1"/>
+                </a:solidFill>
+              </a:rPr>
+              <a:t>Tableau Visualizations </a:t>
+            </a:r>
+            <a:r>
+              <a:rPr lang="en">
+                <a:solidFill>
+                  <a:schemeClr val="lt1"/>
+                </a:solidFill>
+              </a:rPr>
+              <a:t>: </a:t>
+            </a:r>
+            <a:r>
+              <a:rPr lang="en">
+                <a:solidFill>
+                  <a:schemeClr val="lt1"/>
+                </a:solidFill>
+              </a:rPr>
+              <a:t>Allows us to see relationship between demographics and habits and sleep quality</a:t>
+            </a:r>
+            <a:endParaRPr>
+              <a:solidFill>
+                <a:schemeClr val="lt1"/>
+              </a:solidFill>
+            </a:endParaRPr>
+          </a:p>
+          <a:p>
+            <a:pPr indent="-342900" lvl="0" marL="457200" rtl="0" algn="l">
+              <a:spcBef>
+                <a:spcPts val="0"/>
+              </a:spcBef>
+              <a:spcAft>
+                <a:spcPts val="0"/>
+              </a:spcAft>
+              <a:buClr>
+                <a:schemeClr val="lt1"/>
+              </a:buClr>
+              <a:buSzPts val="1800"/>
+              <a:buChar char="●"/>
+            </a:pPr>
+            <a:r>
+              <a:rPr b="1" lang="en">
+                <a:solidFill>
+                  <a:schemeClr val="lt1"/>
+                </a:solidFill>
+              </a:rPr>
+              <a:t>O</a:t>
+            </a:r>
+            <a:r>
+              <a:rPr b="1" lang="en">
+                <a:solidFill>
+                  <a:schemeClr val="lt1"/>
+                </a:solidFill>
+              </a:rPr>
+              <a:t>utliers :</a:t>
+            </a:r>
+            <a:r>
+              <a:rPr lang="en">
+                <a:solidFill>
+                  <a:schemeClr val="lt1"/>
+                </a:solidFill>
+              </a:rPr>
+              <a:t> impacted our data analysis. For visualization purposes, with the exception of the Box Plot, we excluded outliers</a:t>
+            </a:r>
+            <a:endParaRPr>
+              <a:solidFill>
+                <a:schemeClr val="lt1"/>
+              </a:solidFill>
+            </a:endParaRPr>
+          </a:p>
+          <a:p>
+            <a:pPr indent="-342900" lvl="0" marL="457200" rtl="0" algn="l">
+              <a:spcBef>
+                <a:spcPts val="0"/>
+              </a:spcBef>
+              <a:spcAft>
+                <a:spcPts val="0"/>
+              </a:spcAft>
+              <a:buClr>
+                <a:schemeClr val="lt1"/>
+              </a:buClr>
+              <a:buSzPts val="1800"/>
+              <a:buChar char="●"/>
+            </a:pPr>
+            <a:r>
+              <a:rPr lang="en">
+                <a:solidFill>
+                  <a:schemeClr val="lt1"/>
+                </a:solidFill>
+              </a:rPr>
+              <a:t>Our model had the best accuracy when run with maximum attributes as available in the data set</a:t>
+            </a:r>
+            <a:endParaRPr>
+              <a:solidFill>
+                <a:schemeClr val="lt1"/>
+              </a:solidFill>
+            </a:endParaRPr>
+          </a:p>
+          <a:p>
+            <a:pPr indent="-342900" lvl="0" marL="457200" rtl="0" algn="l">
+              <a:spcBef>
+                <a:spcPts val="0"/>
+              </a:spcBef>
+              <a:spcAft>
+                <a:spcPts val="0"/>
+              </a:spcAft>
+              <a:buClr>
+                <a:schemeClr val="lt1"/>
+              </a:buClr>
+              <a:buSzPts val="1800"/>
+              <a:buChar char="●"/>
+            </a:pPr>
+            <a:r>
+              <a:rPr lang="en">
+                <a:solidFill>
+                  <a:schemeClr val="lt1"/>
+                </a:solidFill>
+              </a:rPr>
+              <a:t>Removing even a few rows containing null values had a high impact on the Model's efficiency</a:t>
+            </a:r>
+            <a:endParaRPr>
+              <a:solidFill>
+                <a:schemeClr val="lt1"/>
+              </a:solidFill>
+            </a:endParaRPr>
+          </a:p>
+          <a:p>
+            <a:pPr indent="-342900" lvl="0" marL="457200" rtl="0" algn="l">
+              <a:spcBef>
+                <a:spcPts val="0"/>
+              </a:spcBef>
+              <a:spcAft>
+                <a:spcPts val="0"/>
+              </a:spcAft>
+              <a:buClr>
+                <a:schemeClr val="lt1"/>
+              </a:buClr>
+              <a:buSzPts val="1800"/>
+              <a:buChar char="●"/>
+            </a:pPr>
+            <a:r>
+              <a:rPr lang="en">
+                <a:solidFill>
+                  <a:schemeClr val="lt1"/>
+                </a:solidFill>
+              </a:rPr>
+              <a:t>We found interesting trends while analyzing and visualizing the impact of habits on sleep efficiency by gender</a:t>
+            </a:r>
+            <a:r>
+              <a:rPr lang="en"/>
+              <a:t>	</a:t>
+            </a:r>
+            <a:endParaRPr/>
+          </a:p>
+        </p:txBody>
+      </p:sp>
+      <p:sp>
+        <p:nvSpPr>
+          <p:cNvPr id="160" name="Google Shape;160;p24"/>
+          <p:cNvSpPr txBox="1"/>
+          <p:nvPr/>
+        </p:nvSpPr>
+        <p:spPr>
+          <a:xfrm>
+            <a:off x="7015850" y="4619800"/>
+            <a:ext cx="2051700" cy="354000"/>
+          </a:xfrm>
+          <a:prstGeom prst="rect">
+            <a:avLst/>
+          </a:prstGeom>
+          <a:noFill/>
+          <a:ln>
+            <a:noFill/>
+          </a:ln>
+        </p:spPr>
+        <p:txBody>
+          <a:bodyPr anchorCtr="0" anchor="t" bIns="91425" lIns="91425" spcFirstLastPara="1" rIns="91425" wrap="square" tIns="91425">
+            <a:noAutofit/>
+          </a:bodyPr>
+          <a:lstStyle/>
+          <a:p>
+            <a:pPr indent="0" lvl="0" marL="0" rtl="0" algn="r">
+              <a:spcBef>
+                <a:spcPts val="0"/>
+              </a:spcBef>
+              <a:spcAft>
+                <a:spcPts val="0"/>
+              </a:spcAft>
+              <a:buNone/>
+            </a:pPr>
+            <a:r>
+              <a:rPr lang="en" sz="1200" u="sng">
+                <a:solidFill>
+                  <a:schemeClr val="hlink"/>
+                </a:solidFill>
+                <a:latin typeface="Lexend ExtraLight"/>
+                <a:ea typeface="Lexend ExtraLight"/>
+                <a:cs typeface="Lexend ExtraLight"/>
+                <a:sym typeface="Lexend ExtraLight"/>
+                <a:hlinkClick r:id="rId3"/>
+              </a:rPr>
+              <a:t>Github Repository</a:t>
+            </a:r>
+            <a:endParaRPr sz="1200">
+              <a:solidFill>
+                <a:schemeClr val="accent3"/>
+              </a:solidFill>
+              <a:latin typeface="Lexend ExtraLight"/>
+              <a:ea typeface="Lexend ExtraLight"/>
+              <a:cs typeface="Lexend ExtraLight"/>
+              <a:sym typeface="Lexend ExtraLight"/>
+            </a:endParaRPr>
+          </a:p>
+        </p:txBody>
+      </p:sp>
+    </p:spTree>
+  </p:cSld>
+  <p:clrMapOvr>
+    <a:masterClrMapping/>
+  </p:clrMapOvr>
+</p:sld>
+</file>
+
+<file path=ppt/slides/slide13.xml><?xml version="1.0" encoding="utf-8"?>
 <p:sld xmlns:a="http://schemas.openxmlformats.org/drawingml/2006/main" xmlns:r="http://schemas.openxmlformats.org/officeDocument/2006/relationships" xmlns:mc="http://schemas.openxmlformats.org/markup-compatibility/2006" xmlns:mv="urn:schemas-microsoft-com:mac:vml" xmlns:p="http://schemas.openxmlformats.org/presentationml/2006/main" xmlns:c="http://schemas.openxmlformats.org/drawingml/2006/chart" xmlns:dgm="http://schemas.openxmlformats.org/drawingml/2006/diagram" xmlns:o="urn:schemas-microsoft-com:office:office" xmlns:v="urn:schemas-microsoft-com:vml" xmlns:pvml="urn:schemas-microsoft-com:office:powerpoint" xmlns:com="http://schemas.openxmlformats.org/drawingml/2006/compatibility" xmlns:p14="http://schemas.microsoft.com/office/powerpoint/2010/main" xmlns:p15="http://schemas.microsoft.com/office/powerpoint/2012/main" xmlns:ahyp="http://schemas.microsoft.com/office/drawing/2018/hyperlinkcolor">
   <p:cSld>
     <p:bg>
@@ -7669,7 +8943,7 @@
     </p:bg>
     <p:spTree>
       <p:nvGrpSpPr>
-        <p:cNvPr id="134" name="Shape 134"/>
+        <p:cNvPr id="164" name="Shape 164"/>
         <p:cNvGrpSpPr/>
         <p:nvPr/>
       </p:nvGrpSpPr>
@@ -7683,7 +8957,7 @@
       </p:grpSpPr>
       <p:sp>
         <p:nvSpPr>
-          <p:cNvPr id="135" name="Google Shape;135;p23"/>
+          <p:cNvPr id="165" name="Google Shape;165;p25"/>
           <p:cNvSpPr txBox="1"/>
           <p:nvPr>
             <p:ph type="title"/>
@@ -7691,7 +8965,7 @@
         </p:nvSpPr>
         <p:spPr>
           <a:xfrm>
-            <a:off x="340400" y="456675"/>
+            <a:off x="311700" y="464900"/>
             <a:ext cx="8520600" cy="572700"/>
           </a:xfrm>
           <a:prstGeom prst="rect">
@@ -7716,7 +8990,7 @@
             <a:r>
               <a:rPr lang="en">
                 <a:solidFill>
-                  <a:srgbClr val="434343"/>
+                  <a:schemeClr val="lt1"/>
                 </a:solidFill>
                 <a:latin typeface="Lexend Medium"/>
                 <a:ea typeface="Lexend Medium"/>
@@ -7727,7 +9001,7 @@
             </a:r>
             <a:endParaRPr>
               <a:solidFill>
-                <a:srgbClr val="434343"/>
+                <a:schemeClr val="lt1"/>
               </a:solidFill>
               <a:latin typeface="Lexend Medium"/>
               <a:ea typeface="Lexend Medium"/>
@@ -7739,7 +9013,7 @@
       </p:sp>
       <p:sp>
         <p:nvSpPr>
-          <p:cNvPr id="136" name="Google Shape;136;p23"/>
+          <p:cNvPr id="166" name="Google Shape;166;p25"/>
           <p:cNvSpPr txBox="1"/>
           <p:nvPr>
             <p:ph idx="1" type="body"/>
@@ -7756,7 +9030,7 @@
         </p:spPr>
         <p:txBody>
           <a:bodyPr anchorCtr="0" anchor="t" bIns="91425" lIns="91425" spcFirstLastPara="1" rIns="91425" wrap="square" tIns="91425">
-            <a:normAutofit/>
+            <a:normAutofit fontScale="77500" lnSpcReduction="20000"/>
           </a:bodyPr>
           <a:lstStyle/>
           <a:p>
@@ -7765,22 +9039,22 @@
                 <a:spcPts val="0"/>
               </a:spcBef>
               <a:spcAft>
-                <a:spcPts val="1200"/>
-              </a:spcAft>
-              <a:buNone/>
-            </a:pPr>
-            <a:r>
-              <a:rPr lang="en">
-                <a:solidFill>
-                  <a:srgbClr val="20124D"/>
+                <a:spcPts val="0"/>
+              </a:spcAft>
+              <a:buNone/>
+            </a:pPr>
+            <a:r>
+              <a:rPr b="1" lang="en" sz="2175">
+                <a:solidFill>
+                  <a:schemeClr val="lt1"/>
                 </a:solidFill>
               </a:rPr>
               <a:t>Thank you for </a:t>
             </a:r>
             <a:r>
-              <a:rPr lang="en">
-                <a:solidFill>
-                  <a:srgbClr val="20124D"/>
+              <a:rPr b="1" lang="en" sz="2175">
+                <a:solidFill>
+                  <a:schemeClr val="lt1"/>
                 </a:solidFill>
                 <a:highlight>
                   <a:srgbClr val="DBD4C4"/>
@@ -7789,16 +9063,362 @@
               <a:t>listening to our presentation</a:t>
             </a:r>
             <a:r>
-              <a:rPr lang="en">
-                <a:solidFill>
-                  <a:srgbClr val="20124D"/>
+              <a:rPr b="1" lang="en" sz="2175">
+                <a:solidFill>
+                  <a:schemeClr val="lt1"/>
                 </a:solidFill>
               </a:rPr>
               <a:t>! Any questions?</a:t>
+            </a:r>
+            <a:endParaRPr b="1" sz="2175">
+              <a:solidFill>
+                <a:schemeClr val="lt1"/>
+              </a:solidFill>
+            </a:endParaRPr>
+          </a:p>
+          <a:p>
+            <a:pPr indent="0" lvl="0" marL="0" rtl="0" algn="l">
+              <a:spcBef>
+                <a:spcPts val="1200"/>
+              </a:spcBef>
+              <a:spcAft>
+                <a:spcPts val="0"/>
+              </a:spcAft>
+              <a:buNone/>
+            </a:pPr>
+            <a:r>
+              <a:t/>
             </a:r>
             <a:endParaRPr>
               <a:solidFill>
-                <a:srgbClr val="20124D"/>
+                <a:schemeClr val="lt1"/>
+              </a:solidFill>
+            </a:endParaRPr>
+          </a:p>
+          <a:p>
+            <a:pPr indent="0" lvl="0" marL="0" rtl="0" algn="l">
+              <a:spcBef>
+                <a:spcPts val="1200"/>
+              </a:spcBef>
+              <a:spcAft>
+                <a:spcPts val="0"/>
+              </a:spcAft>
+              <a:buNone/>
+            </a:pPr>
+            <a:r>
+              <a:t/>
+            </a:r>
+            <a:endParaRPr>
+              <a:solidFill>
+                <a:schemeClr val="lt1"/>
+              </a:solidFill>
+            </a:endParaRPr>
+          </a:p>
+          <a:p>
+            <a:pPr indent="0" lvl="0" marL="0" rtl="0" algn="l">
+              <a:spcBef>
+                <a:spcPts val="1200"/>
+              </a:spcBef>
+              <a:spcAft>
+                <a:spcPts val="0"/>
+              </a:spcAft>
+              <a:buNone/>
+            </a:pPr>
+            <a:r>
+              <a:t/>
+            </a:r>
+            <a:endParaRPr b="1" sz="1991">
+              <a:solidFill>
+                <a:schemeClr val="lt1"/>
+              </a:solidFill>
+            </a:endParaRPr>
+          </a:p>
+          <a:p>
+            <a:pPr indent="0" lvl="0" marL="0" rtl="0" algn="l">
+              <a:lnSpc>
+                <a:spcPct val="50000"/>
+              </a:lnSpc>
+              <a:spcBef>
+                <a:spcPts val="1200"/>
+              </a:spcBef>
+              <a:spcAft>
+                <a:spcPts val="0"/>
+              </a:spcAft>
+              <a:buNone/>
+            </a:pPr>
+            <a:r>
+              <a:rPr b="1" lang="en" sz="1551">
+                <a:solidFill>
+                  <a:schemeClr val="lt1"/>
+                </a:solidFill>
+              </a:rPr>
+              <a:t>Presented By:</a:t>
+            </a:r>
+            <a:endParaRPr b="1" sz="1551">
+              <a:solidFill>
+                <a:schemeClr val="lt1"/>
+              </a:solidFill>
+            </a:endParaRPr>
+          </a:p>
+          <a:p>
+            <a:pPr indent="0" lvl="0" marL="0" rtl="0" algn="l">
+              <a:lnSpc>
+                <a:spcPct val="50000"/>
+              </a:lnSpc>
+              <a:spcBef>
+                <a:spcPts val="1200"/>
+              </a:spcBef>
+              <a:spcAft>
+                <a:spcPts val="0"/>
+              </a:spcAft>
+              <a:buClr>
+                <a:srgbClr val="000000"/>
+              </a:buClr>
+              <a:buSzPct val="28352"/>
+              <a:buFont typeface="Arial"/>
+              <a:buNone/>
+            </a:pPr>
+            <a:r>
+              <a:t/>
+            </a:r>
+            <a:endParaRPr b="1" sz="1551">
+              <a:solidFill>
+                <a:schemeClr val="lt1"/>
+              </a:solidFill>
+            </a:endParaRPr>
+          </a:p>
+          <a:p>
+            <a:pPr indent="0" lvl="0" marL="0" rtl="0" algn="l">
+              <a:lnSpc>
+                <a:spcPct val="50000"/>
+              </a:lnSpc>
+              <a:spcBef>
+                <a:spcPts val="1200"/>
+              </a:spcBef>
+              <a:spcAft>
+                <a:spcPts val="0"/>
+              </a:spcAft>
+              <a:buClr>
+                <a:srgbClr val="000000"/>
+              </a:buClr>
+              <a:buSzPct val="32547"/>
+              <a:buFont typeface="Arial"/>
+              <a:buNone/>
+            </a:pPr>
+            <a:r>
+              <a:rPr b="1" lang="en" sz="1351">
+                <a:solidFill>
+                  <a:schemeClr val="lt1"/>
+                </a:solidFill>
+              </a:rPr>
+              <a:t>Aditi Garg</a:t>
+            </a:r>
+            <a:endParaRPr b="1" sz="1351">
+              <a:solidFill>
+                <a:schemeClr val="lt1"/>
+              </a:solidFill>
+            </a:endParaRPr>
+          </a:p>
+          <a:p>
+            <a:pPr indent="0" lvl="0" marL="0" rtl="0" algn="l">
+              <a:lnSpc>
+                <a:spcPct val="50000"/>
+              </a:lnSpc>
+              <a:spcBef>
+                <a:spcPts val="1200"/>
+              </a:spcBef>
+              <a:spcAft>
+                <a:spcPts val="0"/>
+              </a:spcAft>
+              <a:buClr>
+                <a:srgbClr val="000000"/>
+              </a:buClr>
+              <a:buSzPct val="32547"/>
+              <a:buFont typeface="Arial"/>
+              <a:buNone/>
+            </a:pPr>
+            <a:r>
+              <a:rPr b="1" lang="en" sz="1351">
+                <a:solidFill>
+                  <a:schemeClr val="lt1"/>
+                </a:solidFill>
+              </a:rPr>
+              <a:t>Allison Potestio</a:t>
+            </a:r>
+            <a:endParaRPr b="1" sz="1351">
+              <a:solidFill>
+                <a:schemeClr val="lt1"/>
+              </a:solidFill>
+            </a:endParaRPr>
+          </a:p>
+          <a:p>
+            <a:pPr indent="0" lvl="0" marL="0" rtl="0" algn="l">
+              <a:lnSpc>
+                <a:spcPct val="50000"/>
+              </a:lnSpc>
+              <a:spcBef>
+                <a:spcPts val="1200"/>
+              </a:spcBef>
+              <a:spcAft>
+                <a:spcPts val="0"/>
+              </a:spcAft>
+              <a:buClr>
+                <a:srgbClr val="000000"/>
+              </a:buClr>
+              <a:buSzPct val="32547"/>
+              <a:buFont typeface="Arial"/>
+              <a:buNone/>
+            </a:pPr>
+            <a:r>
+              <a:rPr b="1" lang="en" sz="1351">
+                <a:solidFill>
+                  <a:schemeClr val="lt1"/>
+                </a:solidFill>
+              </a:rPr>
+              <a:t>Anusha Sekhar</a:t>
+            </a:r>
+            <a:endParaRPr b="1" sz="1351">
+              <a:solidFill>
+                <a:schemeClr val="lt1"/>
+              </a:solidFill>
+            </a:endParaRPr>
+          </a:p>
+          <a:p>
+            <a:pPr indent="0" lvl="0" marL="0" rtl="0" algn="l">
+              <a:lnSpc>
+                <a:spcPct val="50000"/>
+              </a:lnSpc>
+              <a:spcBef>
+                <a:spcPts val="1200"/>
+              </a:spcBef>
+              <a:spcAft>
+                <a:spcPts val="0"/>
+              </a:spcAft>
+              <a:buClr>
+                <a:srgbClr val="000000"/>
+              </a:buClr>
+              <a:buSzPct val="32547"/>
+              <a:buFont typeface="Arial"/>
+              <a:buNone/>
+            </a:pPr>
+            <a:r>
+              <a:rPr b="1" lang="en" sz="1351">
+                <a:solidFill>
+                  <a:schemeClr val="lt1"/>
+                </a:solidFill>
+              </a:rPr>
+              <a:t>Brendan Smith</a:t>
+            </a:r>
+            <a:endParaRPr b="1" sz="1351">
+              <a:solidFill>
+                <a:schemeClr val="lt1"/>
+              </a:solidFill>
+            </a:endParaRPr>
+          </a:p>
+          <a:p>
+            <a:pPr indent="0" lvl="0" marL="0" rtl="0" algn="l">
+              <a:lnSpc>
+                <a:spcPct val="50000"/>
+              </a:lnSpc>
+              <a:spcBef>
+                <a:spcPts val="1200"/>
+              </a:spcBef>
+              <a:spcAft>
+                <a:spcPts val="0"/>
+              </a:spcAft>
+              <a:buClr>
+                <a:srgbClr val="000000"/>
+              </a:buClr>
+              <a:buSzPct val="32547"/>
+              <a:buFont typeface="Arial"/>
+              <a:buNone/>
+            </a:pPr>
+            <a:r>
+              <a:rPr b="1" lang="en" sz="1351">
+                <a:solidFill>
+                  <a:schemeClr val="lt1"/>
+                </a:solidFill>
+              </a:rPr>
+              <a:t>Olesya Gaeva</a:t>
+            </a:r>
+            <a:endParaRPr b="1" sz="1351">
+              <a:solidFill>
+                <a:schemeClr val="lt1"/>
+              </a:solidFill>
+            </a:endParaRPr>
+          </a:p>
+          <a:p>
+            <a:pPr indent="0" lvl="0" marL="0" rtl="0" algn="l">
+              <a:lnSpc>
+                <a:spcPct val="50000"/>
+              </a:lnSpc>
+              <a:spcBef>
+                <a:spcPts val="1200"/>
+              </a:spcBef>
+              <a:spcAft>
+                <a:spcPts val="0"/>
+              </a:spcAft>
+              <a:buClr>
+                <a:srgbClr val="000000"/>
+              </a:buClr>
+              <a:buSzPct val="32547"/>
+              <a:buFont typeface="Arial"/>
+              <a:buNone/>
+            </a:pPr>
+            <a:r>
+              <a:rPr b="1" lang="en" sz="1351">
+                <a:solidFill>
+                  <a:schemeClr val="lt1"/>
+                </a:solidFill>
+              </a:rPr>
+              <a:t>Neha Changela</a:t>
+            </a:r>
+            <a:endParaRPr b="1" sz="1351">
+              <a:solidFill>
+                <a:schemeClr val="lt1"/>
+              </a:solidFill>
+            </a:endParaRPr>
+          </a:p>
+          <a:p>
+            <a:pPr indent="0" lvl="0" marL="0" rtl="0" algn="l">
+              <a:lnSpc>
+                <a:spcPct val="50000"/>
+              </a:lnSpc>
+              <a:spcBef>
+                <a:spcPts val="1200"/>
+              </a:spcBef>
+              <a:spcAft>
+                <a:spcPts val="1200"/>
+              </a:spcAft>
+              <a:buClr>
+                <a:srgbClr val="000000"/>
+              </a:buClr>
+              <a:buSzPct val="32547"/>
+              <a:buFont typeface="Arial"/>
+              <a:buNone/>
+            </a:pPr>
+            <a:r>
+              <a:rPr b="1" lang="en" sz="1351">
+                <a:solidFill>
+                  <a:schemeClr val="lt1"/>
+                </a:solidFill>
+              </a:rPr>
+              <a:t>Susan Ombwayo</a:t>
+            </a:r>
+            <a:r>
+              <a:rPr b="1" lang="en" sz="1091">
+                <a:solidFill>
+                  <a:schemeClr val="lt1"/>
+                </a:solidFill>
+                <a:highlight>
+                  <a:srgbClr val="F8F8F8"/>
+                </a:highlight>
+              </a:rPr>
+              <a:t> </a:t>
+            </a:r>
+            <a:endParaRPr b="1" sz="1991">
+              <a:solidFill>
+                <a:schemeClr val="lt1"/>
               </a:solidFill>
             </a:endParaRPr>
           </a:p>
@@ -7806,7 +9426,7 @@
       </p:sp>
       <p:sp>
         <p:nvSpPr>
-          <p:cNvPr id="137" name="Google Shape;137;p23"/>
+          <p:cNvPr id="167" name="Google Shape;167;p25"/>
           <p:cNvSpPr txBox="1"/>
           <p:nvPr/>
         </p:nvSpPr>
@@ -7918,10 +9538,7 @@
           </a:bodyPr>
           <a:lstStyle/>
           <a:p>
-            <a:pPr indent="0" lvl="0" marL="0" marR="0" rtl="0" algn="l">
-              <a:lnSpc>
-                <a:spcPct val="100000"/>
-              </a:lnSpc>
+            <a:pPr indent="0" lvl="0" marL="0" rtl="0" algn="l">
               <a:spcBef>
                 <a:spcPts val="0"/>
               </a:spcBef>
@@ -7937,9 +9554,14 @@
                 <a:cs typeface="Lexend Medium"/>
                 <a:sym typeface="Lexend Medium"/>
               </a:rPr>
-              <a:t>Project Overview</a:t>
-            </a:r>
-            <a:endParaRPr/>
+              <a:t>Our Data and Questions </a:t>
+            </a:r>
+            <a:endParaRPr>
+              <a:latin typeface="Lexend Medium"/>
+              <a:ea typeface="Lexend Medium"/>
+              <a:cs typeface="Lexend Medium"/>
+              <a:sym typeface="Lexend Medium"/>
+            </a:endParaRPr>
           </a:p>
         </p:txBody>
       </p:sp>
@@ -7953,7 +9575,406 @@
         </p:nvSpPr>
         <p:spPr>
           <a:xfrm>
-            <a:off x="311700" y="1152475"/>
+            <a:off x="311700" y="1174150"/>
+            <a:ext cx="6648900" cy="3416400"/>
+          </a:xfrm>
+          <a:prstGeom prst="rect">
+            <a:avLst/>
+          </a:prstGeom>
+        </p:spPr>
+        <p:txBody>
+          <a:bodyPr anchorCtr="0" anchor="t" bIns="91425" lIns="91425" spcFirstLastPara="1" rIns="91425" wrap="square" tIns="91425">
+            <a:normAutofit lnSpcReduction="10000"/>
+          </a:bodyPr>
+          <a:lstStyle/>
+          <a:p>
+            <a:pPr indent="-342900" lvl="0" marL="457200" rtl="0" algn="l">
+              <a:spcBef>
+                <a:spcPts val="0"/>
+              </a:spcBef>
+              <a:spcAft>
+                <a:spcPts val="0"/>
+              </a:spcAft>
+              <a:buClr>
+                <a:schemeClr val="lt1"/>
+              </a:buClr>
+              <a:buSzPts val="1800"/>
+              <a:buChar char="➢"/>
+            </a:pPr>
+            <a:r>
+              <a:rPr b="1" lang="en">
+                <a:solidFill>
+                  <a:schemeClr val="lt1"/>
+                </a:solidFill>
+              </a:rPr>
+              <a:t>Sleep Efficiency Dataset</a:t>
+            </a:r>
+            <a:endParaRPr b="1">
+              <a:solidFill>
+                <a:schemeClr val="lt1"/>
+              </a:solidFill>
+            </a:endParaRPr>
+          </a:p>
+          <a:p>
+            <a:pPr indent="-317500" lvl="1" marL="914400" rtl="0" algn="l">
+              <a:spcBef>
+                <a:spcPts val="0"/>
+              </a:spcBef>
+              <a:spcAft>
+                <a:spcPts val="0"/>
+              </a:spcAft>
+              <a:buClr>
+                <a:schemeClr val="lt1"/>
+              </a:buClr>
+              <a:buSzPts val="1400"/>
+              <a:buChar char="○"/>
+            </a:pPr>
+            <a:r>
+              <a:rPr lang="en">
+                <a:solidFill>
+                  <a:schemeClr val="lt1"/>
+                </a:solidFill>
+              </a:rPr>
+              <a:t>Sleep efficiency dataset with 619 data rows based on research survey data</a:t>
+            </a:r>
+            <a:endParaRPr>
+              <a:solidFill>
+                <a:schemeClr val="lt1"/>
+              </a:solidFill>
+            </a:endParaRPr>
+          </a:p>
+          <a:p>
+            <a:pPr indent="-317500" lvl="1" marL="914400" rtl="0" algn="l">
+              <a:spcBef>
+                <a:spcPts val="0"/>
+              </a:spcBef>
+              <a:spcAft>
+                <a:spcPts val="0"/>
+              </a:spcAft>
+              <a:buClr>
+                <a:schemeClr val="lt1"/>
+              </a:buClr>
+              <a:buSzPts val="1400"/>
+              <a:buChar char="○"/>
+            </a:pPr>
+            <a:r>
+              <a:rPr lang="en">
+                <a:solidFill>
+                  <a:schemeClr val="lt1"/>
+                </a:solidFill>
+              </a:rPr>
+              <a:t>Columns include demographic information and sleep analysis information</a:t>
+            </a:r>
+            <a:endParaRPr>
+              <a:solidFill>
+                <a:schemeClr val="lt1"/>
+              </a:solidFill>
+            </a:endParaRPr>
+          </a:p>
+          <a:p>
+            <a:pPr indent="0" lvl="0" marL="0" rtl="0" algn="l">
+              <a:spcBef>
+                <a:spcPts val="1200"/>
+              </a:spcBef>
+              <a:spcAft>
+                <a:spcPts val="0"/>
+              </a:spcAft>
+              <a:buNone/>
+            </a:pPr>
+            <a:r>
+              <a:rPr lang="en">
+                <a:solidFill>
+                  <a:srgbClr val="434343"/>
+                </a:solidFill>
+              </a:rPr>
+              <a:t> </a:t>
+            </a:r>
+            <a:endParaRPr>
+              <a:solidFill>
+                <a:srgbClr val="434343"/>
+              </a:solidFill>
+            </a:endParaRPr>
+          </a:p>
+          <a:p>
+            <a:pPr indent="-342900" lvl="0" marL="457200" rtl="0" algn="l">
+              <a:spcBef>
+                <a:spcPts val="1200"/>
+              </a:spcBef>
+              <a:spcAft>
+                <a:spcPts val="0"/>
+              </a:spcAft>
+              <a:buClr>
+                <a:schemeClr val="lt1"/>
+              </a:buClr>
+              <a:buSzPts val="1800"/>
+              <a:buChar char="➢"/>
+            </a:pPr>
+            <a:r>
+              <a:rPr b="1" lang="en">
+                <a:solidFill>
+                  <a:schemeClr val="lt1"/>
+                </a:solidFill>
+              </a:rPr>
+              <a:t>Question to Address with ML Model</a:t>
+            </a:r>
+            <a:endParaRPr b="1">
+              <a:solidFill>
+                <a:schemeClr val="lt1"/>
+              </a:solidFill>
+            </a:endParaRPr>
+          </a:p>
+          <a:p>
+            <a:pPr indent="-317500" lvl="1" marL="914400" rtl="0" algn="l">
+              <a:spcBef>
+                <a:spcPts val="0"/>
+              </a:spcBef>
+              <a:spcAft>
+                <a:spcPts val="0"/>
+              </a:spcAft>
+              <a:buClr>
+                <a:schemeClr val="lt1"/>
+              </a:buClr>
+              <a:buSzPts val="1400"/>
+              <a:buChar char="○"/>
+            </a:pPr>
+            <a:r>
+              <a:rPr lang="en">
+                <a:solidFill>
+                  <a:schemeClr val="lt1"/>
+                </a:solidFill>
+              </a:rPr>
+              <a:t>Can we use Machine Learning to predict what effect factors have on sleep quality?</a:t>
+            </a:r>
+            <a:endParaRPr>
+              <a:solidFill>
+                <a:schemeClr val="lt1"/>
+              </a:solidFill>
+            </a:endParaRPr>
+          </a:p>
+          <a:p>
+            <a:pPr indent="-317500" lvl="2" marL="1371600" rtl="0" algn="l">
+              <a:spcBef>
+                <a:spcPts val="0"/>
+              </a:spcBef>
+              <a:spcAft>
+                <a:spcPts val="0"/>
+              </a:spcAft>
+              <a:buClr>
+                <a:schemeClr val="lt1"/>
+              </a:buClr>
+              <a:buSzPts val="1400"/>
+              <a:buChar char="■"/>
+            </a:pPr>
+            <a:r>
+              <a:rPr lang="en">
+                <a:solidFill>
+                  <a:schemeClr val="lt1"/>
+                </a:solidFill>
+              </a:rPr>
+              <a:t>Qualities to consider include gender, caffeine consumption, alcohol use, smoking status, exercise frequency</a:t>
+            </a:r>
+            <a:endParaRPr>
+              <a:solidFill>
+                <a:schemeClr val="lt1"/>
+              </a:solidFill>
+            </a:endParaRPr>
+          </a:p>
+          <a:p>
+            <a:pPr indent="-317500" lvl="2" marL="1371600" rtl="0" algn="l">
+              <a:spcBef>
+                <a:spcPts val="0"/>
+              </a:spcBef>
+              <a:spcAft>
+                <a:spcPts val="0"/>
+              </a:spcAft>
+              <a:buClr>
+                <a:schemeClr val="lt1"/>
+              </a:buClr>
+              <a:buSzPts val="1400"/>
+              <a:buChar char="■"/>
+            </a:pPr>
+            <a:r>
+              <a:rPr lang="en">
+                <a:solidFill>
+                  <a:schemeClr val="lt1"/>
+                </a:solidFill>
+              </a:rPr>
+              <a:t>By </a:t>
+            </a:r>
+            <a:r>
+              <a:rPr lang="en">
+                <a:solidFill>
+                  <a:schemeClr val="lt1"/>
+                </a:solidFill>
+              </a:rPr>
+              <a:t>identifying</a:t>
+            </a:r>
+            <a:r>
+              <a:rPr lang="en">
+                <a:solidFill>
+                  <a:schemeClr val="lt1"/>
+                </a:solidFill>
+              </a:rPr>
+              <a:t> areas that directly impact sleep efficiency, we can help those looking to improve their quality of sleep</a:t>
+            </a:r>
+            <a:endParaRPr>
+              <a:solidFill>
+                <a:schemeClr val="lt1"/>
+              </a:solidFill>
+            </a:endParaRPr>
+          </a:p>
+        </p:txBody>
+      </p:sp>
+      <p:sp>
+        <p:nvSpPr>
+          <p:cNvPr id="68" name="Google Shape;68;p14"/>
+          <p:cNvSpPr txBox="1"/>
+          <p:nvPr/>
+        </p:nvSpPr>
+        <p:spPr>
+          <a:xfrm>
+            <a:off x="7015850" y="4619800"/>
+            <a:ext cx="2051700" cy="354000"/>
+          </a:xfrm>
+          <a:prstGeom prst="rect">
+            <a:avLst/>
+          </a:prstGeom>
+          <a:noFill/>
+          <a:ln>
+            <a:noFill/>
+          </a:ln>
+        </p:spPr>
+        <p:txBody>
+          <a:bodyPr anchorCtr="0" anchor="t" bIns="91425" lIns="91425" spcFirstLastPara="1" rIns="91425" wrap="square" tIns="91425">
+            <a:noAutofit/>
+          </a:bodyPr>
+          <a:lstStyle/>
+          <a:p>
+            <a:pPr indent="0" lvl="0" marL="0" rtl="0" algn="r">
+              <a:spcBef>
+                <a:spcPts val="0"/>
+              </a:spcBef>
+              <a:spcAft>
+                <a:spcPts val="0"/>
+              </a:spcAft>
+              <a:buNone/>
+            </a:pPr>
+            <a:r>
+              <a:rPr lang="en" sz="1200" u="sng">
+                <a:solidFill>
+                  <a:schemeClr val="hlink"/>
+                </a:solidFill>
+                <a:latin typeface="Lexend ExtraLight"/>
+                <a:ea typeface="Lexend ExtraLight"/>
+                <a:cs typeface="Lexend ExtraLight"/>
+                <a:sym typeface="Lexend ExtraLight"/>
+                <a:hlinkClick r:id="rId3"/>
+              </a:rPr>
+              <a:t>Github Repository</a:t>
+            </a:r>
+            <a:endParaRPr sz="1200">
+              <a:solidFill>
+                <a:schemeClr val="accent3"/>
+              </a:solidFill>
+              <a:latin typeface="Lexend ExtraLight"/>
+              <a:ea typeface="Lexend ExtraLight"/>
+              <a:cs typeface="Lexend ExtraLight"/>
+              <a:sym typeface="Lexend ExtraLight"/>
+            </a:endParaRPr>
+          </a:p>
+        </p:txBody>
+      </p:sp>
+    </p:spTree>
+  </p:cSld>
+  <p:clrMapOvr>
+    <a:masterClrMapping/>
+  </p:clrMapOvr>
+</p:sld>
+</file>
+
+<file path=ppt/slides/slide3.xml><?xml version="1.0" encoding="utf-8"?>
+<p:sld xmlns:a="http://schemas.openxmlformats.org/drawingml/2006/main" xmlns:r="http://schemas.openxmlformats.org/officeDocument/2006/relationships" xmlns:mc="http://schemas.openxmlformats.org/markup-compatibility/2006" xmlns:mv="urn:schemas-microsoft-com:mac:vml" xmlns:p="http://schemas.openxmlformats.org/presentationml/2006/main" xmlns:c="http://schemas.openxmlformats.org/drawingml/2006/chart" xmlns:dgm="http://schemas.openxmlformats.org/drawingml/2006/diagram" xmlns:o="urn:schemas-microsoft-com:office:office" xmlns:v="urn:schemas-microsoft-com:vml" xmlns:pvml="urn:schemas-microsoft-com:office:powerpoint" xmlns:com="http://schemas.openxmlformats.org/drawingml/2006/compatibility" xmlns:p14="http://schemas.microsoft.com/office/powerpoint/2010/main" xmlns:p15="http://schemas.microsoft.com/office/powerpoint/2012/main" xmlns:ahyp="http://schemas.microsoft.com/office/drawing/2018/hyperlinkcolor">
+  <p:cSld>
+    <p:bg>
+      <p:bgPr>
+        <a:solidFill>
+          <a:schemeClr val="accent2"/>
+        </a:solidFill>
+      </p:bgPr>
+    </p:bg>
+    <p:spTree>
+      <p:nvGrpSpPr>
+        <p:cNvPr id="72" name="Shape 72"/>
+        <p:cNvGrpSpPr/>
+        <p:nvPr/>
+      </p:nvGrpSpPr>
+      <p:grpSpPr>
+        <a:xfrm>
+          <a:off x="0" y="0"/>
+          <a:ext cx="0" cy="0"/>
+          <a:chOff x="0" y="0"/>
+          <a:chExt cx="0" cy="0"/>
+        </a:xfrm>
+      </p:grpSpPr>
+      <p:sp>
+        <p:nvSpPr>
+          <p:cNvPr id="73" name="Google Shape;73;p15"/>
+          <p:cNvSpPr txBox="1"/>
+          <p:nvPr>
+            <p:ph type="title"/>
+          </p:nvPr>
+        </p:nvSpPr>
+        <p:spPr>
+          <a:xfrm>
+            <a:off x="311700" y="445025"/>
+            <a:ext cx="8520600" cy="572700"/>
+          </a:xfrm>
+          <a:prstGeom prst="rect">
+            <a:avLst/>
+          </a:prstGeom>
+        </p:spPr>
+        <p:txBody>
+          <a:bodyPr anchorCtr="0" anchor="t" bIns="91425" lIns="91425" spcFirstLastPara="1" rIns="91425" wrap="square" tIns="91425">
+            <a:normAutofit fontScale="90000"/>
+          </a:bodyPr>
+          <a:lstStyle/>
+          <a:p>
+            <a:pPr indent="0" lvl="0" marL="0" marR="0" rtl="0" algn="l">
+              <a:lnSpc>
+                <a:spcPct val="100000"/>
+              </a:lnSpc>
+              <a:spcBef>
+                <a:spcPts val="0"/>
+              </a:spcBef>
+              <a:spcAft>
+                <a:spcPts val="0"/>
+              </a:spcAft>
+              <a:buNone/>
+            </a:pPr>
+            <a:r>
+              <a:rPr lang="en">
+                <a:latin typeface="Lexend Medium"/>
+                <a:ea typeface="Lexend Medium"/>
+                <a:cs typeface="Lexend Medium"/>
+                <a:sym typeface="Lexend Medium"/>
+              </a:rPr>
+              <a:t>Project Overview</a:t>
+            </a:r>
+            <a:endParaRPr/>
+          </a:p>
+        </p:txBody>
+      </p:sp>
+      <p:sp>
+        <p:nvSpPr>
+          <p:cNvPr id="74" name="Google Shape;74;p15"/>
+          <p:cNvSpPr txBox="1"/>
+          <p:nvPr>
+            <p:ph idx="1" type="body"/>
+          </p:nvPr>
+        </p:nvSpPr>
+        <p:spPr>
+          <a:xfrm>
+            <a:off x="311700" y="1341750"/>
             <a:ext cx="8520600" cy="3416400"/>
           </a:xfrm>
           <a:prstGeom prst="rect">
@@ -7974,7 +9995,7 @@
                 <a:spcPts val="0"/>
               </a:spcAft>
               <a:buClr>
-                <a:srgbClr val="434343"/>
+                <a:schemeClr val="lt1"/>
               </a:buClr>
               <a:buSzPts val="1800"/>
               <a:buChar char="●"/>
@@ -7982,14 +10003,14 @@
             <a:r>
               <a:rPr b="1" lang="en">
                 <a:solidFill>
-                  <a:srgbClr val="434343"/>
-                </a:solidFill>
-              </a:rPr>
-              <a:t>Data Analysis and Exploration</a:t>
+                  <a:schemeClr val="lt1"/>
+                </a:solidFill>
+              </a:rPr>
+              <a:t>Machine Learning Models</a:t>
             </a:r>
             <a:endParaRPr b="1">
               <a:solidFill>
-                <a:srgbClr val="434343"/>
+                <a:schemeClr val="lt1"/>
               </a:solidFill>
             </a:endParaRPr>
           </a:p>
@@ -8002,7 +10023,7 @@
                 <a:spcPts val="0"/>
               </a:spcAft>
               <a:buClr>
-                <a:srgbClr val="434343"/>
+                <a:schemeClr val="lt1"/>
               </a:buClr>
               <a:buSzPts val="1400"/>
               <a:buChar char="○"/>
@@ -8010,46 +10031,86 @@
             <a:r>
               <a:rPr lang="en">
                 <a:solidFill>
-                  <a:srgbClr val="434343"/>
-                </a:solidFill>
-              </a:rPr>
-              <a:t>Pandas, Spark SQL</a:t>
+                  <a:schemeClr val="lt1"/>
+                </a:solidFill>
+              </a:rPr>
+              <a:t>TensorFlow</a:t>
             </a:r>
             <a:endParaRPr>
               <a:solidFill>
-                <a:srgbClr val="434343"/>
+                <a:schemeClr val="lt1"/>
               </a:solidFill>
             </a:endParaRPr>
           </a:p>
           <a:p>
-            <a:pPr indent="0" lvl="0" marL="0" rtl="0" algn="l">
-              <a:spcBef>
-                <a:spcPts val="1200"/>
-              </a:spcBef>
-              <a:spcAft>
-                <a:spcPts val="0"/>
-              </a:spcAft>
-              <a:buNone/>
-            </a:pPr>
-            <a:r>
-              <a:t/>
+            <a:pPr indent="-317500" lvl="1" marL="914400" rtl="0" algn="l">
+              <a:spcBef>
+                <a:spcPts val="0"/>
+              </a:spcBef>
+              <a:spcAft>
+                <a:spcPts val="0"/>
+              </a:spcAft>
+              <a:buClr>
+                <a:schemeClr val="lt1"/>
+              </a:buClr>
+              <a:buSzPts val="1400"/>
+              <a:buChar char="○"/>
+            </a:pPr>
+            <a:r>
+              <a:rPr lang="en">
+                <a:solidFill>
+                  <a:schemeClr val="lt1"/>
+                </a:solidFill>
+              </a:rPr>
+              <a:t>Logistic</a:t>
+            </a:r>
+            <a:r>
+              <a:rPr lang="en">
+                <a:solidFill>
+                  <a:schemeClr val="lt1"/>
+                </a:solidFill>
+              </a:rPr>
+              <a:t> Regression</a:t>
             </a:r>
             <a:endParaRPr>
               <a:solidFill>
-                <a:srgbClr val="434343"/>
+                <a:schemeClr val="lt1"/>
               </a:solidFill>
             </a:endParaRPr>
           </a:p>
           <a:p>
+            <a:pPr indent="-317500" lvl="1" marL="914400" rtl="0" algn="l">
+              <a:spcBef>
+                <a:spcPts val="0"/>
+              </a:spcBef>
+              <a:spcAft>
+                <a:spcPts val="0"/>
+              </a:spcAft>
+              <a:buClr>
+                <a:schemeClr val="lt1"/>
+              </a:buClr>
+              <a:buSzPts val="1400"/>
+              <a:buChar char="○"/>
+            </a:pPr>
+            <a:r>
+              <a:t/>
+            </a:r>
+            <a:endParaRPr>
+              <a:solidFill>
+                <a:schemeClr val="lt1"/>
+              </a:solidFill>
+            </a:endParaRPr>
+          </a:p>
+          <a:p>
             <a:pPr indent="-342900" lvl="0" marL="457200" rtl="0" algn="l">
               <a:spcBef>
-                <a:spcPts val="1200"/>
+                <a:spcPts val="0"/>
               </a:spcBef>
               <a:spcAft>
                 <a:spcPts val="0"/>
               </a:spcAft>
               <a:buClr>
-                <a:srgbClr val="434343"/>
+                <a:schemeClr val="lt1"/>
               </a:buClr>
               <a:buSzPts val="1800"/>
               <a:buChar char="●"/>
@@ -8057,14 +10118,14 @@
             <a:r>
               <a:rPr b="1" lang="en">
                 <a:solidFill>
-                  <a:srgbClr val="434343"/>
-                </a:solidFill>
-              </a:rPr>
-              <a:t>Machine Learning Models</a:t>
+                  <a:schemeClr val="lt1"/>
+                </a:solidFill>
+              </a:rPr>
+              <a:t>Data Analysis and Exploration</a:t>
             </a:r>
             <a:endParaRPr b="1">
               <a:solidFill>
-                <a:srgbClr val="434343"/>
+                <a:schemeClr val="lt1"/>
               </a:solidFill>
             </a:endParaRPr>
           </a:p>
@@ -8077,7 +10138,7 @@
                 <a:spcPts val="0"/>
               </a:spcAft>
               <a:buClr>
-                <a:srgbClr val="434343"/>
+                <a:schemeClr val="lt1"/>
               </a:buClr>
               <a:buSzPts val="1400"/>
               <a:buChar char="○"/>
@@ -8085,46 +10146,50 @@
             <a:r>
               <a:rPr lang="en">
                 <a:solidFill>
-                  <a:srgbClr val="434343"/>
-                </a:solidFill>
-              </a:rPr>
-              <a:t>Linear Regression and TensorFlow</a:t>
+                  <a:schemeClr val="lt1"/>
+                </a:solidFill>
+              </a:rPr>
+              <a:t>Pandas, Spark SQL</a:t>
             </a:r>
             <a:endParaRPr>
               <a:solidFill>
-                <a:srgbClr val="434343"/>
+                <a:schemeClr val="lt1"/>
               </a:solidFill>
             </a:endParaRPr>
           </a:p>
           <a:p>
-            <a:pPr indent="0" lvl="0" marL="0" rtl="0" algn="l">
-              <a:spcBef>
-                <a:spcPts val="1200"/>
-              </a:spcBef>
-              <a:spcAft>
-                <a:spcPts val="0"/>
-              </a:spcAft>
-              <a:buNone/>
+            <a:pPr indent="-317500" lvl="1" marL="914400" rtl="0" algn="l">
+              <a:spcBef>
+                <a:spcPts val="0"/>
+              </a:spcBef>
+              <a:spcAft>
+                <a:spcPts val="0"/>
+              </a:spcAft>
+              <a:buClr>
+                <a:schemeClr val="lt1"/>
+              </a:buClr>
+              <a:buSzPts val="1400"/>
+              <a:buChar char="○"/>
             </a:pPr>
             <a:r>
               <a:t/>
             </a:r>
             <a:endParaRPr>
               <a:solidFill>
-                <a:srgbClr val="999999"/>
+                <a:schemeClr val="lt1"/>
               </a:solidFill>
             </a:endParaRPr>
           </a:p>
           <a:p>
             <a:pPr indent="-342900" lvl="0" marL="457200" rtl="0" algn="l">
               <a:spcBef>
-                <a:spcPts val="1200"/>
+                <a:spcPts val="0"/>
               </a:spcBef>
               <a:spcAft>
                 <a:spcPts val="0"/>
               </a:spcAft>
               <a:buClr>
-                <a:srgbClr val="434343"/>
+                <a:schemeClr val="lt1"/>
               </a:buClr>
               <a:buSzPts val="1800"/>
               <a:buChar char="●"/>
@@ -8132,14 +10197,14 @@
             <a:r>
               <a:rPr b="1" lang="en">
                 <a:solidFill>
-                  <a:srgbClr val="434343"/>
+                  <a:schemeClr val="lt1"/>
                 </a:solidFill>
               </a:rPr>
               <a:t>Visualizations</a:t>
             </a:r>
             <a:endParaRPr b="1">
               <a:solidFill>
-                <a:srgbClr val="434343"/>
+                <a:schemeClr val="lt1"/>
               </a:solidFill>
             </a:endParaRPr>
           </a:p>
@@ -8152,7 +10217,7 @@
                 <a:spcPts val="0"/>
               </a:spcAft>
               <a:buClr>
-                <a:srgbClr val="434343"/>
+                <a:schemeClr val="lt1"/>
               </a:buClr>
               <a:buSzPts val="1400"/>
               <a:buChar char="○"/>
@@ -8160,14 +10225,14 @@
             <a:r>
               <a:rPr lang="en">
                 <a:solidFill>
-                  <a:srgbClr val="434343"/>
+                  <a:schemeClr val="lt1"/>
                 </a:solidFill>
               </a:rPr>
               <a:t>Tableau</a:t>
             </a:r>
             <a:endParaRPr>
               <a:solidFill>
-                <a:srgbClr val="434343"/>
+                <a:schemeClr val="lt1"/>
               </a:solidFill>
             </a:endParaRPr>
           </a:p>
@@ -8175,7 +10240,7 @@
       </p:sp>
       <p:pic>
         <p:nvPicPr>
-          <p:cNvPr id="68" name="Google Shape;68;p14"/>
+          <p:cNvPr id="75" name="Google Shape;75;p15"/>
           <p:cNvPicPr preferRelativeResize="0"/>
           <p:nvPr/>
         </p:nvPicPr>
@@ -8203,407 +10268,6 @@
       </p:pic>
       <p:sp>
         <p:nvSpPr>
-          <p:cNvPr id="69" name="Google Shape;69;p14"/>
-          <p:cNvSpPr txBox="1"/>
-          <p:nvPr/>
-        </p:nvSpPr>
-        <p:spPr>
-          <a:xfrm>
-            <a:off x="7015850" y="4619800"/>
-            <a:ext cx="2051700" cy="354000"/>
-          </a:xfrm>
-          <a:prstGeom prst="rect">
-            <a:avLst/>
-          </a:prstGeom>
-          <a:noFill/>
-          <a:ln>
-            <a:noFill/>
-          </a:ln>
-        </p:spPr>
-        <p:txBody>
-          <a:bodyPr anchorCtr="0" anchor="t" bIns="91425" lIns="91425" spcFirstLastPara="1" rIns="91425" wrap="square" tIns="91425">
-            <a:noAutofit/>
-          </a:bodyPr>
-          <a:lstStyle/>
-          <a:p>
-            <a:pPr indent="0" lvl="0" marL="0" rtl="0" algn="r">
-              <a:spcBef>
-                <a:spcPts val="0"/>
-              </a:spcBef>
-              <a:spcAft>
-                <a:spcPts val="0"/>
-              </a:spcAft>
-              <a:buNone/>
-            </a:pPr>
-            <a:r>
-              <a:rPr lang="en" sz="1200" u="sng">
-                <a:solidFill>
-                  <a:schemeClr val="hlink"/>
-                </a:solidFill>
-                <a:latin typeface="Lexend ExtraLight"/>
-                <a:ea typeface="Lexend ExtraLight"/>
-                <a:cs typeface="Lexend ExtraLight"/>
-                <a:sym typeface="Lexend ExtraLight"/>
-                <a:hlinkClick r:id="rId4"/>
-              </a:rPr>
-              <a:t>Github Repository</a:t>
-            </a:r>
-            <a:endParaRPr sz="1200">
-              <a:solidFill>
-                <a:schemeClr val="accent3"/>
-              </a:solidFill>
-              <a:latin typeface="Lexend ExtraLight"/>
-              <a:ea typeface="Lexend ExtraLight"/>
-              <a:cs typeface="Lexend ExtraLight"/>
-              <a:sym typeface="Lexend ExtraLight"/>
-            </a:endParaRPr>
-          </a:p>
-        </p:txBody>
-      </p:sp>
-    </p:spTree>
-  </p:cSld>
-  <p:clrMapOvr>
-    <a:masterClrMapping/>
-  </p:clrMapOvr>
-</p:sld>
-</file>
-
-<file path=ppt/slides/slide3.xml><?xml version="1.0" encoding="utf-8"?>
-<p:sld xmlns:a="http://schemas.openxmlformats.org/drawingml/2006/main" xmlns:r="http://schemas.openxmlformats.org/officeDocument/2006/relationships" xmlns:mc="http://schemas.openxmlformats.org/markup-compatibility/2006" xmlns:mv="urn:schemas-microsoft-com:mac:vml" xmlns:p="http://schemas.openxmlformats.org/presentationml/2006/main" xmlns:c="http://schemas.openxmlformats.org/drawingml/2006/chart" xmlns:dgm="http://schemas.openxmlformats.org/drawingml/2006/diagram" xmlns:o="urn:schemas-microsoft-com:office:office" xmlns:v="urn:schemas-microsoft-com:vml" xmlns:pvml="urn:schemas-microsoft-com:office:powerpoint" xmlns:com="http://schemas.openxmlformats.org/drawingml/2006/compatibility" xmlns:p14="http://schemas.microsoft.com/office/powerpoint/2010/main" xmlns:p15="http://schemas.microsoft.com/office/powerpoint/2012/main" xmlns:ahyp="http://schemas.microsoft.com/office/drawing/2018/hyperlinkcolor">
-  <p:cSld>
-    <p:bg>
-      <p:bgPr>
-        <a:solidFill>
-          <a:schemeClr val="accent2"/>
-        </a:solidFill>
-      </p:bgPr>
-    </p:bg>
-    <p:spTree>
-      <p:nvGrpSpPr>
-        <p:cNvPr id="73" name="Shape 73"/>
-        <p:cNvGrpSpPr/>
-        <p:nvPr/>
-      </p:nvGrpSpPr>
-      <p:grpSpPr>
-        <a:xfrm>
-          <a:off x="0" y="0"/>
-          <a:ext cx="0" cy="0"/>
-          <a:chOff x="0" y="0"/>
-          <a:chExt cx="0" cy="0"/>
-        </a:xfrm>
-      </p:grpSpPr>
-      <p:sp>
-        <p:nvSpPr>
-          <p:cNvPr id="74" name="Google Shape;74;p15"/>
-          <p:cNvSpPr txBox="1"/>
-          <p:nvPr>
-            <p:ph type="title"/>
-          </p:nvPr>
-        </p:nvSpPr>
-        <p:spPr>
-          <a:xfrm>
-            <a:off x="311700" y="445025"/>
-            <a:ext cx="8520600" cy="572700"/>
-          </a:xfrm>
-          <a:prstGeom prst="rect">
-            <a:avLst/>
-          </a:prstGeom>
-        </p:spPr>
-        <p:txBody>
-          <a:bodyPr anchorCtr="0" anchor="t" bIns="91425" lIns="91425" spcFirstLastPara="1" rIns="91425" wrap="square" tIns="91425">
-            <a:normAutofit fontScale="90000"/>
-          </a:bodyPr>
-          <a:lstStyle/>
-          <a:p>
-            <a:pPr indent="0" lvl="0" marL="0" rtl="0" algn="l">
-              <a:spcBef>
-                <a:spcPts val="0"/>
-              </a:spcBef>
-              <a:spcAft>
-                <a:spcPts val="0"/>
-              </a:spcAft>
-              <a:buNone/>
-            </a:pPr>
-            <a:r>
-              <a:rPr lang="en">
-                <a:latin typeface="Lexend Medium"/>
-                <a:ea typeface="Lexend Medium"/>
-                <a:cs typeface="Lexend Medium"/>
-                <a:sym typeface="Lexend Medium"/>
-              </a:rPr>
-              <a:t>Our Data and Questions </a:t>
-            </a:r>
-            <a:endParaRPr>
-              <a:latin typeface="Lexend Medium"/>
-              <a:ea typeface="Lexend Medium"/>
-              <a:cs typeface="Lexend Medium"/>
-              <a:sym typeface="Lexend Medium"/>
-            </a:endParaRPr>
-          </a:p>
-        </p:txBody>
-      </p:sp>
-      <p:sp>
-        <p:nvSpPr>
-          <p:cNvPr id="75" name="Google Shape;75;p15"/>
-          <p:cNvSpPr txBox="1"/>
-          <p:nvPr>
-            <p:ph idx="1" type="body"/>
-          </p:nvPr>
-        </p:nvSpPr>
-        <p:spPr>
-          <a:xfrm>
-            <a:off x="311700" y="1174150"/>
-            <a:ext cx="6648900" cy="3416400"/>
-          </a:xfrm>
-          <a:prstGeom prst="rect">
-            <a:avLst/>
-          </a:prstGeom>
-        </p:spPr>
-        <p:txBody>
-          <a:bodyPr anchorCtr="0" anchor="t" bIns="91425" lIns="91425" spcFirstLastPara="1" rIns="91425" wrap="square" tIns="91425">
-            <a:normAutofit/>
-          </a:bodyPr>
-          <a:lstStyle/>
-          <a:p>
-            <a:pPr indent="-342900" lvl="0" marL="457200" rtl="0" algn="l">
-              <a:spcBef>
-                <a:spcPts val="0"/>
-              </a:spcBef>
-              <a:spcAft>
-                <a:spcPts val="0"/>
-              </a:spcAft>
-              <a:buClr>
-                <a:srgbClr val="434343"/>
-              </a:buClr>
-              <a:buSzPts val="1800"/>
-              <a:buChar char="➢"/>
-            </a:pPr>
-            <a:r>
-              <a:rPr lang="en">
-                <a:solidFill>
-                  <a:srgbClr val="434343"/>
-                </a:solidFill>
-              </a:rPr>
-              <a:t>Sleep Efficiency Dataset</a:t>
-            </a:r>
-            <a:endParaRPr>
-              <a:solidFill>
-                <a:srgbClr val="434343"/>
-              </a:solidFill>
-            </a:endParaRPr>
-          </a:p>
-          <a:p>
-            <a:pPr indent="-317500" lvl="1" marL="914400" rtl="0" algn="l">
-              <a:spcBef>
-                <a:spcPts val="0"/>
-              </a:spcBef>
-              <a:spcAft>
-                <a:spcPts val="0"/>
-              </a:spcAft>
-              <a:buClr>
-                <a:srgbClr val="434343"/>
-              </a:buClr>
-              <a:buSzPts val="1400"/>
-              <a:buChar char="○"/>
-            </a:pPr>
-            <a:r>
-              <a:rPr lang="en">
-                <a:solidFill>
-                  <a:srgbClr val="434343"/>
-                </a:solidFill>
-              </a:rPr>
-              <a:t>Sleep efficiency dataset with 619 data rows based on research survey data</a:t>
-            </a:r>
-            <a:endParaRPr>
-              <a:solidFill>
-                <a:srgbClr val="434343"/>
-              </a:solidFill>
-            </a:endParaRPr>
-          </a:p>
-          <a:p>
-            <a:pPr indent="-317500" lvl="1" marL="914400" rtl="0" algn="l">
-              <a:spcBef>
-                <a:spcPts val="0"/>
-              </a:spcBef>
-              <a:spcAft>
-                <a:spcPts val="0"/>
-              </a:spcAft>
-              <a:buClr>
-                <a:srgbClr val="434343"/>
-              </a:buClr>
-              <a:buSzPts val="1400"/>
-              <a:buChar char="○"/>
-            </a:pPr>
-            <a:r>
-              <a:rPr lang="en">
-                <a:solidFill>
-                  <a:srgbClr val="434343"/>
-                </a:solidFill>
-              </a:rPr>
-              <a:t>Columns include demographic information and sleep analysis information</a:t>
-            </a:r>
-            <a:endParaRPr>
-              <a:solidFill>
-                <a:srgbClr val="434343"/>
-              </a:solidFill>
-            </a:endParaRPr>
-          </a:p>
-          <a:p>
-            <a:pPr indent="0" lvl="0" marL="0" rtl="0" algn="l">
-              <a:spcBef>
-                <a:spcPts val="1200"/>
-              </a:spcBef>
-              <a:spcAft>
-                <a:spcPts val="0"/>
-              </a:spcAft>
-              <a:buNone/>
-            </a:pPr>
-            <a:r>
-              <a:rPr lang="en">
-                <a:solidFill>
-                  <a:srgbClr val="434343"/>
-                </a:solidFill>
-              </a:rPr>
-              <a:t> </a:t>
-            </a:r>
-            <a:endParaRPr>
-              <a:solidFill>
-                <a:srgbClr val="434343"/>
-              </a:solidFill>
-            </a:endParaRPr>
-          </a:p>
-          <a:p>
-            <a:pPr indent="-342900" lvl="0" marL="457200" rtl="0" algn="l">
-              <a:spcBef>
-                <a:spcPts val="1200"/>
-              </a:spcBef>
-              <a:spcAft>
-                <a:spcPts val="0"/>
-              </a:spcAft>
-              <a:buClr>
-                <a:srgbClr val="434343"/>
-              </a:buClr>
-              <a:buSzPts val="1800"/>
-              <a:buChar char="➢"/>
-            </a:pPr>
-            <a:r>
-              <a:rPr lang="en">
-                <a:solidFill>
-                  <a:srgbClr val="434343"/>
-                </a:solidFill>
-              </a:rPr>
-              <a:t>Question to Address with ML Model</a:t>
-            </a:r>
-            <a:endParaRPr>
-              <a:solidFill>
-                <a:srgbClr val="434343"/>
-              </a:solidFill>
-            </a:endParaRPr>
-          </a:p>
-          <a:p>
-            <a:pPr indent="-317500" lvl="1" marL="914400" rtl="0" algn="l">
-              <a:spcBef>
-                <a:spcPts val="0"/>
-              </a:spcBef>
-              <a:spcAft>
-                <a:spcPts val="0"/>
-              </a:spcAft>
-              <a:buClr>
-                <a:srgbClr val="434343"/>
-              </a:buClr>
-              <a:buSzPts val="1400"/>
-              <a:buChar char="○"/>
-            </a:pPr>
-            <a:r>
-              <a:rPr lang="en">
-                <a:solidFill>
-                  <a:srgbClr val="434343"/>
-                </a:solidFill>
-              </a:rPr>
-              <a:t>Can we use Machine Learning to predict what effect factors have on sleep quality?</a:t>
-            </a:r>
-            <a:endParaRPr>
-              <a:solidFill>
-                <a:srgbClr val="434343"/>
-              </a:solidFill>
-            </a:endParaRPr>
-          </a:p>
-          <a:p>
-            <a:pPr indent="-317500" lvl="2" marL="1371600" rtl="0" algn="l">
-              <a:spcBef>
-                <a:spcPts val="0"/>
-              </a:spcBef>
-              <a:spcAft>
-                <a:spcPts val="0"/>
-              </a:spcAft>
-              <a:buClr>
-                <a:srgbClr val="434343"/>
-              </a:buClr>
-              <a:buSzPts val="1400"/>
-              <a:buChar char="■"/>
-            </a:pPr>
-            <a:r>
-              <a:rPr lang="en">
-                <a:solidFill>
-                  <a:srgbClr val="434343"/>
-                </a:solidFill>
-              </a:rPr>
-              <a:t>Qualities to consider include gender, caffeine consumption, alcohol use, smoking status, exercise frequency</a:t>
-            </a:r>
-            <a:endParaRPr>
-              <a:solidFill>
-                <a:srgbClr val="434343"/>
-              </a:solidFill>
-            </a:endParaRPr>
-          </a:p>
-          <a:p>
-            <a:pPr indent="-317500" lvl="2" marL="1371600" rtl="0" algn="l">
-              <a:spcBef>
-                <a:spcPts val="0"/>
-              </a:spcBef>
-              <a:spcAft>
-                <a:spcPts val="0"/>
-              </a:spcAft>
-              <a:buClr>
-                <a:srgbClr val="434343"/>
-              </a:buClr>
-              <a:buSzPts val="1400"/>
-              <a:buChar char="■"/>
-            </a:pPr>
-            <a:r>
-              <a:rPr lang="en">
-                <a:solidFill>
-                  <a:srgbClr val="434343"/>
-                </a:solidFill>
-              </a:rPr>
-              <a:t>By </a:t>
-            </a:r>
-            <a:r>
-              <a:rPr lang="en">
-                <a:solidFill>
-                  <a:srgbClr val="434343"/>
-                </a:solidFill>
-              </a:rPr>
-              <a:t>identifying</a:t>
-            </a:r>
-            <a:r>
-              <a:rPr lang="en">
-                <a:solidFill>
-                  <a:srgbClr val="434343"/>
-                </a:solidFill>
-              </a:rPr>
-              <a:t> areas that directly impact sleep efficiency, we can help those looking to improve their quality of sleep</a:t>
-            </a:r>
-            <a:endParaRPr>
-              <a:solidFill>
-                <a:srgbClr val="434343"/>
-              </a:solidFill>
-            </a:endParaRPr>
-          </a:p>
-        </p:txBody>
-      </p:sp>
-      <p:sp>
-        <p:nvSpPr>
           <p:cNvPr id="76" name="Google Shape;76;p15"/>
           <p:cNvSpPr txBox="1"/>
           <p:nvPr/>
@@ -8645,7 +10309,7 @@
                 <a:ea typeface="Lexend ExtraLight"/>
                 <a:cs typeface="Lexend ExtraLight"/>
                 <a:sym typeface="Lexend ExtraLight"/>
-                <a:hlinkClick r:id="rId3"/>
+                <a:hlinkClick r:id="rId4"/>
               </a:rPr>
               <a:t>Github Repository</a:t>
             </a:r>
@@ -8756,7 +10420,7 @@
         </p:nvSpPr>
         <p:spPr>
           <a:xfrm>
-            <a:off x="311700" y="1152475"/>
+            <a:off x="311700" y="1448750"/>
             <a:ext cx="8520600" cy="3416400"/>
           </a:xfrm>
           <a:prstGeom prst="rect">
@@ -8777,7 +10441,7 @@
                 <a:spcPts val="0"/>
               </a:spcAft>
               <a:buClr>
-                <a:srgbClr val="434343"/>
+                <a:schemeClr val="lt1"/>
               </a:buClr>
               <a:buSzPts val="1800"/>
               <a:buChar char="●"/>
@@ -8785,7 +10449,7 @@
             <a:r>
               <a:rPr lang="en">
                 <a:solidFill>
-                  <a:srgbClr val="434343"/>
+                  <a:schemeClr val="lt1"/>
                 </a:solidFill>
               </a:rPr>
               <a:t>Refined model to increase accuracy by dropping null </a:t>
@@ -8793,7 +10457,7 @@
             <a:r>
               <a:rPr lang="en">
                 <a:solidFill>
-                  <a:srgbClr val="434343"/>
+                  <a:schemeClr val="lt1"/>
                 </a:solidFill>
               </a:rPr>
               <a:t>values</a:t>
@@ -8801,14 +10465,14 @@
             <a:r>
               <a:rPr lang="en">
                 <a:solidFill>
-                  <a:srgbClr val="434343"/>
+                  <a:schemeClr val="lt1"/>
                 </a:solidFill>
               </a:rPr>
               <a:t> </a:t>
             </a:r>
             <a:endParaRPr>
               <a:solidFill>
-                <a:srgbClr val="434343"/>
+                <a:schemeClr val="lt1"/>
               </a:solidFill>
             </a:endParaRPr>
           </a:p>
@@ -8821,7 +10485,7 @@
                 <a:spcPts val="0"/>
               </a:spcAft>
               <a:buClr>
-                <a:srgbClr val="434343"/>
+                <a:schemeClr val="lt1"/>
               </a:buClr>
               <a:buSzPts val="1400"/>
               <a:buChar char="○"/>
@@ -8829,14 +10493,14 @@
             <a:r>
               <a:rPr lang="en">
                 <a:solidFill>
-                  <a:srgbClr val="434343"/>
+                  <a:schemeClr val="lt1"/>
                 </a:solidFill>
               </a:rPr>
               <a:t>Accuracy is lower when null values are included</a:t>
             </a:r>
             <a:endParaRPr>
               <a:solidFill>
-                <a:srgbClr val="434343"/>
+                <a:schemeClr val="lt1"/>
               </a:solidFill>
             </a:endParaRPr>
           </a:p>
@@ -8849,7 +10513,7 @@
                 <a:spcPts val="0"/>
               </a:spcAft>
               <a:buClr>
-                <a:srgbClr val="434343"/>
+                <a:schemeClr val="lt1"/>
               </a:buClr>
               <a:buSzPts val="1400"/>
               <a:buChar char="○"/>
@@ -8857,14 +10521,14 @@
             <a:r>
               <a:rPr lang="en">
                 <a:solidFill>
-                  <a:srgbClr val="434343"/>
+                  <a:schemeClr val="lt1"/>
                 </a:solidFill>
               </a:rPr>
               <a:t>Attributes used to train model should be as accurate as possible</a:t>
             </a:r>
             <a:endParaRPr>
               <a:solidFill>
-                <a:srgbClr val="434343"/>
+                <a:schemeClr val="lt1"/>
               </a:solidFill>
             </a:endParaRPr>
           </a:p>
@@ -8877,7 +10541,7 @@
                 <a:spcPts val="0"/>
               </a:spcAft>
               <a:buClr>
-                <a:srgbClr val="434343"/>
+                <a:schemeClr val="lt1"/>
               </a:buClr>
               <a:buSzPts val="1800"/>
               <a:buChar char="●"/>
@@ -8885,14 +10549,14 @@
             <a:r>
               <a:rPr lang="en">
                 <a:solidFill>
-                  <a:srgbClr val="434343"/>
+                  <a:schemeClr val="lt1"/>
                 </a:solidFill>
               </a:rPr>
               <a:t>Classifying “good sleep”</a:t>
             </a:r>
             <a:endParaRPr>
               <a:solidFill>
-                <a:srgbClr val="434343"/>
+                <a:schemeClr val="lt1"/>
               </a:solidFill>
             </a:endParaRPr>
           </a:p>
@@ -8905,7 +10569,7 @@
                 <a:spcPts val="0"/>
               </a:spcAft>
               <a:buClr>
-                <a:srgbClr val="434343"/>
+                <a:schemeClr val="lt1"/>
               </a:buClr>
               <a:buSzPts val="1400"/>
               <a:buChar char="○"/>
@@ -8913,7 +10577,7 @@
             <a:r>
               <a:rPr lang="en">
                 <a:solidFill>
-                  <a:srgbClr val="434343"/>
+                  <a:schemeClr val="lt1"/>
                 </a:solidFill>
               </a:rPr>
               <a:t>85% or above sleep efficiency- best for model </a:t>
@@ -8921,7 +10585,7 @@
             <a:r>
               <a:rPr lang="en">
                 <a:solidFill>
-                  <a:srgbClr val="434343"/>
+                  <a:schemeClr val="lt1"/>
                 </a:solidFill>
               </a:rPr>
               <a:t>optimization</a:t>
@@ -8929,14 +10593,14 @@
             <a:r>
               <a:rPr lang="en">
                 <a:solidFill>
-                  <a:srgbClr val="434343"/>
+                  <a:schemeClr val="lt1"/>
                 </a:solidFill>
               </a:rPr>
               <a:t> </a:t>
             </a:r>
             <a:endParaRPr>
               <a:solidFill>
-                <a:srgbClr val="434343"/>
+                <a:schemeClr val="lt1"/>
               </a:solidFill>
             </a:endParaRPr>
           </a:p>
@@ -8949,7 +10613,7 @@
                 <a:spcPts val="0"/>
               </a:spcAft>
               <a:buClr>
-                <a:srgbClr val="434343"/>
+                <a:schemeClr val="lt1"/>
               </a:buClr>
               <a:buSzPts val="1800"/>
               <a:buChar char="●"/>
@@ -8957,14 +10621,14 @@
             <a:r>
               <a:rPr lang="en">
                 <a:solidFill>
-                  <a:srgbClr val="434343"/>
+                  <a:schemeClr val="lt1"/>
                 </a:solidFill>
               </a:rPr>
               <a:t>Data optimization to simplify analysis,improve visualizations, and allow us to create ML models</a:t>
             </a:r>
             <a:endParaRPr>
               <a:solidFill>
-                <a:srgbClr val="434343"/>
+                <a:schemeClr val="lt1"/>
               </a:solidFill>
             </a:endParaRPr>
           </a:p>
@@ -8977,7 +10641,7 @@
                 <a:spcPts val="0"/>
               </a:spcAft>
               <a:buClr>
-                <a:srgbClr val="434343"/>
+                <a:schemeClr val="lt1"/>
               </a:buClr>
               <a:buSzPts val="1400"/>
               <a:buChar char="○"/>
@@ -8985,14 +10649,14 @@
             <a:r>
               <a:rPr lang="en">
                 <a:solidFill>
-                  <a:srgbClr val="434343"/>
+                  <a:schemeClr val="lt1"/>
                 </a:solidFill>
               </a:rPr>
               <a:t>Get Dummies</a:t>
             </a:r>
             <a:endParaRPr>
               <a:solidFill>
-                <a:srgbClr val="434343"/>
+                <a:schemeClr val="lt1"/>
               </a:solidFill>
             </a:endParaRPr>
           </a:p>
@@ -9131,7 +10795,11 @@
                 <a:cs typeface="Lexend Medium"/>
                 <a:sym typeface="Lexend Medium"/>
               </a:rPr>
-              <a:t>Spark SQL </a:t>
+              <a:t>Machine</a:t>
+            </a:r>
+            <a:r>
+              <a:rPr lang="en"/>
+              <a:t> </a:t>
             </a:r>
             <a:r>
               <a:rPr lang="en">
@@ -9140,14 +10808,22 @@
                 <a:cs typeface="Lexend Medium"/>
                 <a:sym typeface="Lexend Medium"/>
               </a:rPr>
-              <a:t>Analysis</a:t>
-            </a:r>
-            <a:endParaRPr>
-              <a:latin typeface="Lexend Medium"/>
-              <a:ea typeface="Lexend Medium"/>
-              <a:cs typeface="Lexend Medium"/>
-              <a:sym typeface="Lexend Medium"/>
-            </a:endParaRPr>
+              <a:t>Learning</a:t>
+            </a:r>
+            <a:r>
+              <a:rPr lang="en"/>
+              <a:t> </a:t>
+            </a:r>
+            <a:r>
+              <a:rPr lang="en">
+                <a:latin typeface="Lexend Medium"/>
+                <a:ea typeface="Lexend Medium"/>
+                <a:cs typeface="Lexend Medium"/>
+                <a:sym typeface="Lexend Medium"/>
+              </a:rPr>
+              <a:t>Models</a:t>
+            </a:r>
+            <a:endParaRPr/>
           </a:p>
         </p:txBody>
       </p:sp>
@@ -9161,7 +10837,7 @@
         </p:nvSpPr>
         <p:spPr>
           <a:xfrm>
-            <a:off x="311700" y="1152475"/>
+            <a:off x="466900" y="930500"/>
             <a:ext cx="8520600" cy="3416400"/>
           </a:xfrm>
           <a:prstGeom prst="rect">
@@ -9184,197 +10860,53 @@
               <a:buNone/>
             </a:pPr>
             <a:r>
-              <a:rPr lang="en">
-                <a:solidFill>
-                  <a:srgbClr val="434343"/>
-                </a:solidFill>
-              </a:rPr>
-              <a:t>Use </a:t>
-            </a:r>
-            <a:r>
-              <a:rPr lang="en" sz="1500" u="sng">
-                <a:solidFill>
-                  <a:schemeClr val="accent5"/>
-                </a:solidFill>
-                <a:latin typeface="Lexend ExtraLight"/>
-                <a:ea typeface="Lexend ExtraLight"/>
-                <a:cs typeface="Lexend ExtraLight"/>
-                <a:sym typeface="Lexend ExtraLight"/>
-                <a:hlinkClick r:id="rId3">
-                  <a:extLst>
-                    <a:ext uri="{A12FA001-AC4F-418D-AE19-62706E023703}">
-                      <ahyp:hlinkClr val="tx"/>
-                    </a:ext>
-                  </a:extLst>
-                </a:hlinkClick>
-              </a:rPr>
-              <a:t>analysis</a:t>
-            </a:r>
-            <a:r>
-              <a:rPr lang="en" sz="2100">
-                <a:solidFill>
-                  <a:srgbClr val="434343"/>
-                </a:solidFill>
-              </a:rPr>
-              <a:t> </a:t>
-            </a:r>
-            <a:r>
-              <a:rPr lang="en">
-                <a:solidFill>
-                  <a:srgbClr val="434343"/>
-                </a:solidFill>
-              </a:rPr>
-              <a:t>to help us understand data</a:t>
-            </a:r>
-            <a:endParaRPr>
+              <a:rPr lang="en" u="sng">
+                <a:solidFill>
+                  <a:schemeClr val="hlink"/>
+                </a:solidFill>
+                <a:hlinkClick r:id="rId3"/>
+              </a:rPr>
+              <a:t>Tensor Flow</a:t>
+            </a:r>
+            <a:endParaRPr/>
+          </a:p>
+          <a:p>
+            <a:pPr indent="-317500" lvl="0" marL="457200" rtl="0" algn="l">
+              <a:spcBef>
+                <a:spcPts val="1200"/>
+              </a:spcBef>
+              <a:spcAft>
+                <a:spcPts val="0"/>
+              </a:spcAft>
+              <a:buSzPts val="1400"/>
+              <a:buChar char="●"/>
+            </a:pPr>
+            <a:r>
+              <a:rPr lang="en" sz="1400">
+                <a:solidFill>
+                  <a:schemeClr val="lt1"/>
+                </a:solidFill>
+              </a:rPr>
+              <a:t>Created model by running the dataset as is resulting in only 58% accuracy</a:t>
+            </a:r>
+            <a:endParaRPr sz="1400">
               <a:solidFill>
-                <a:srgbClr val="434343"/>
+                <a:schemeClr val="lt1"/>
               </a:solidFill>
             </a:endParaRPr>
           </a:p>
-          <a:p>
-            <a:pPr indent="0" lvl="0" marL="0" rtl="0" algn="l">
-              <a:spcBef>
-                <a:spcPts val="1200"/>
-              </a:spcBef>
-              <a:spcAft>
-                <a:spcPts val="0"/>
-              </a:spcAft>
-              <a:buNone/>
-            </a:pPr>
-            <a:r>
-              <a:rPr lang="en">
-                <a:solidFill>
-                  <a:srgbClr val="434343"/>
-                </a:solidFill>
-              </a:rPr>
-              <a:t>Answer questions to help us learn about the data</a:t>
-            </a:r>
-            <a:endParaRPr>
-              <a:solidFill>
-                <a:srgbClr val="434343"/>
-              </a:solidFill>
-            </a:endParaRPr>
-          </a:p>
-          <a:p>
-            <a:pPr indent="0" lvl="0" marL="0" rtl="0" algn="l">
-              <a:spcBef>
-                <a:spcPts val="1200"/>
-              </a:spcBef>
-              <a:spcAft>
-                <a:spcPts val="0"/>
-              </a:spcAft>
-              <a:buNone/>
-            </a:pPr>
-            <a:r>
-              <a:rPr lang="en">
-                <a:solidFill>
-                  <a:srgbClr val="434343"/>
-                </a:solidFill>
-              </a:rPr>
-              <a:t>		Example: compare average sleep efficiency for males and females</a:t>
-            </a:r>
-            <a:endParaRPr>
-              <a:solidFill>
-                <a:srgbClr val="434343"/>
-              </a:solidFill>
-            </a:endParaRPr>
-          </a:p>
-          <a:p>
-            <a:pPr indent="0" lvl="0" marL="0" rtl="0" algn="l">
-              <a:spcBef>
-                <a:spcPts val="1200"/>
-              </a:spcBef>
-              <a:spcAft>
-                <a:spcPts val="0"/>
-              </a:spcAft>
-              <a:buNone/>
-            </a:pPr>
-            <a:r>
-              <a:rPr lang="en">
-                <a:solidFill>
-                  <a:srgbClr val="434343"/>
-                </a:solidFill>
-              </a:rPr>
-              <a:t>				79.2% for males, 78.7% for females</a:t>
-            </a:r>
-            <a:endParaRPr>
-              <a:solidFill>
-                <a:srgbClr val="434343"/>
-              </a:solidFill>
-            </a:endParaRPr>
-          </a:p>
-          <a:p>
-            <a:pPr indent="0" lvl="0" marL="0" rtl="0" algn="l">
-              <a:spcBef>
-                <a:spcPts val="1200"/>
-              </a:spcBef>
-              <a:spcAft>
-                <a:spcPts val="0"/>
-              </a:spcAft>
-              <a:buNone/>
-            </a:pPr>
-            <a:r>
-              <a:t/>
-            </a:r>
-            <a:endParaRPr/>
-          </a:p>
-          <a:p>
-            <a:pPr indent="0" lvl="0" marL="0" rtl="0" algn="l">
-              <a:spcBef>
-                <a:spcPts val="1200"/>
-              </a:spcBef>
-              <a:spcAft>
-                <a:spcPts val="1200"/>
-              </a:spcAft>
-              <a:buNone/>
-            </a:pPr>
-            <a:r>
-              <a:rPr lang="en"/>
-              <a:t>	</a:t>
-            </a:r>
-            <a:endParaRPr/>
-          </a:p>
         </p:txBody>
       </p:sp>
-      <p:pic>
-        <p:nvPicPr>
-          <p:cNvPr id="90" name="Google Shape;90;p17"/>
-          <p:cNvPicPr preferRelativeResize="0"/>
-          <p:nvPr/>
-        </p:nvPicPr>
-        <p:blipFill>
-          <a:blip r:embed="rId4">
-            <a:alphaModFix/>
-          </a:blip>
-          <a:stretch>
-            <a:fillRect/>
-          </a:stretch>
-        </p:blipFill>
-        <p:spPr>
-          <a:xfrm>
-            <a:off x="4299300" y="3295552"/>
-            <a:ext cx="4532999" cy="1528598"/>
-          </a:xfrm>
-          <a:prstGeom prst="rect">
-            <a:avLst/>
-          </a:prstGeom>
-          <a:noFill/>
-          <a:ln>
-            <a:noFill/>
-          </a:ln>
-        </p:spPr>
-      </p:pic>
       <p:sp>
         <p:nvSpPr>
-          <p:cNvPr id="91" name="Google Shape;91;p17"/>
+          <p:cNvPr id="90" name="Google Shape;90;p17"/>
           <p:cNvSpPr txBox="1"/>
           <p:nvPr/>
         </p:nvSpPr>
         <p:spPr>
           <a:xfrm>
-            <a:off x="6805400" y="4703625"/>
-            <a:ext cx="2338500" cy="354000"/>
+            <a:off x="7015850" y="4619800"/>
+            <a:ext cx="2051700" cy="354000"/>
           </a:xfrm>
           <a:prstGeom prst="rect">
             <a:avLst/>
@@ -9400,7 +10932,17 @@
               <a:buNone/>
             </a:pPr>
             <a:r>
-              <a:t/>
+              <a:rPr lang="en" sz="1200" u="sng">
+                <a:solidFill>
+                  <a:schemeClr val="hlink"/>
+                </a:solidFill>
+                <a:latin typeface="Lexend ExtraLight"/>
+                <a:ea typeface="Lexend ExtraLight"/>
+                <a:cs typeface="Lexend ExtraLight"/>
+                <a:sym typeface="Lexend ExtraLight"/>
+                <a:hlinkClick r:id="rId4"/>
+              </a:rPr>
+              <a:t>Github Repository</a:t>
             </a:r>
             <a:endParaRPr sz="1200">
               <a:solidFill>
@@ -9410,6 +10952,249 @@
               <a:ea typeface="Lexend ExtraLight"/>
               <a:cs typeface="Lexend ExtraLight"/>
               <a:sym typeface="Lexend ExtraLight"/>
+            </a:endParaRPr>
+          </a:p>
+        </p:txBody>
+      </p:sp>
+      <p:pic>
+        <p:nvPicPr>
+          <p:cNvPr id="91" name="Google Shape;91;p17"/>
+          <p:cNvPicPr preferRelativeResize="0"/>
+          <p:nvPr/>
+        </p:nvPicPr>
+        <p:blipFill rotWithShape="1">
+          <a:blip r:embed="rId5">
+            <a:alphaModFix/>
+          </a:blip>
+          <a:srcRect b="0" l="0" r="9428" t="0"/>
+          <a:stretch/>
+        </p:blipFill>
+        <p:spPr>
+          <a:xfrm>
+            <a:off x="1969500" y="1855625"/>
+            <a:ext cx="3993605" cy="461700"/>
+          </a:xfrm>
+          <a:prstGeom prst="rect">
+            <a:avLst/>
+          </a:prstGeom>
+          <a:noFill/>
+          <a:ln>
+            <a:noFill/>
+          </a:ln>
+        </p:spPr>
+      </p:pic>
+      <p:sp>
+        <p:nvSpPr>
+          <p:cNvPr id="92" name="Google Shape;92;p17"/>
+          <p:cNvSpPr txBox="1"/>
+          <p:nvPr/>
+        </p:nvSpPr>
+        <p:spPr>
+          <a:xfrm>
+            <a:off x="384600" y="2348075"/>
+            <a:ext cx="8025600" cy="400200"/>
+          </a:xfrm>
+          <a:prstGeom prst="rect">
+            <a:avLst/>
+          </a:prstGeom>
+          <a:noFill/>
+          <a:ln>
+            <a:noFill/>
+          </a:ln>
+        </p:spPr>
+        <p:txBody>
+          <a:bodyPr anchorCtr="0" anchor="t" bIns="91425" lIns="91425" spcFirstLastPara="1" rIns="91425" wrap="square" tIns="91425">
+            <a:spAutoFit/>
+          </a:bodyPr>
+          <a:lstStyle/>
+          <a:p>
+            <a:pPr indent="-317500" lvl="0" marL="457200" rtl="0" algn="l">
+              <a:lnSpc>
+                <a:spcPct val="115000"/>
+              </a:lnSpc>
+              <a:spcBef>
+                <a:spcPts val="0"/>
+              </a:spcBef>
+              <a:spcAft>
+                <a:spcPts val="0"/>
+              </a:spcAft>
+              <a:buClr>
+                <a:schemeClr val="lt1"/>
+              </a:buClr>
+              <a:buSzPts val="1400"/>
+              <a:buFont typeface="Average"/>
+              <a:buChar char="●"/>
+            </a:pPr>
+            <a:r>
+              <a:rPr lang="en">
+                <a:solidFill>
+                  <a:schemeClr val="lt1"/>
+                </a:solidFill>
+                <a:latin typeface="Average"/>
+                <a:ea typeface="Average"/>
+                <a:cs typeface="Average"/>
+                <a:sym typeface="Average"/>
+              </a:rPr>
+              <a:t>Ran the </a:t>
+            </a:r>
+            <a:r>
+              <a:rPr lang="en">
+                <a:solidFill>
+                  <a:schemeClr val="lt1"/>
+                </a:solidFill>
+                <a:latin typeface="Average"/>
+                <a:ea typeface="Average"/>
+                <a:cs typeface="Average"/>
+                <a:sym typeface="Average"/>
+              </a:rPr>
+              <a:t>model by dropping “Null” values, the result increased to a 85%</a:t>
+            </a:r>
+            <a:endParaRPr>
+              <a:solidFill>
+                <a:schemeClr val="lt1"/>
+              </a:solidFill>
+            </a:endParaRPr>
+          </a:p>
+        </p:txBody>
+      </p:sp>
+      <p:pic>
+        <p:nvPicPr>
+          <p:cNvPr id="93" name="Google Shape;93;p17"/>
+          <p:cNvPicPr preferRelativeResize="0"/>
+          <p:nvPr/>
+        </p:nvPicPr>
+        <p:blipFill>
+          <a:blip r:embed="rId6">
+            <a:alphaModFix/>
+          </a:blip>
+          <a:stretch>
+            <a:fillRect/>
+          </a:stretch>
+        </p:blipFill>
+        <p:spPr>
+          <a:xfrm>
+            <a:off x="1971475" y="2779025"/>
+            <a:ext cx="3989654" cy="914400"/>
+          </a:xfrm>
+          <a:prstGeom prst="rect">
+            <a:avLst/>
+          </a:prstGeom>
+          <a:noFill/>
+          <a:ln>
+            <a:noFill/>
+          </a:ln>
+        </p:spPr>
+      </p:pic>
+      <p:pic>
+        <p:nvPicPr>
+          <p:cNvPr id="94" name="Google Shape;94;p17"/>
+          <p:cNvPicPr preferRelativeResize="0"/>
+          <p:nvPr/>
+        </p:nvPicPr>
+        <p:blipFill>
+          <a:blip r:embed="rId7">
+            <a:alphaModFix/>
+          </a:blip>
+          <a:stretch>
+            <a:fillRect/>
+          </a:stretch>
+        </p:blipFill>
+        <p:spPr>
+          <a:xfrm>
+            <a:off x="2074925" y="4078625"/>
+            <a:ext cx="3886200" cy="914400"/>
+          </a:xfrm>
+          <a:prstGeom prst="rect">
+            <a:avLst/>
+          </a:prstGeom>
+          <a:noFill/>
+          <a:ln>
+            <a:noFill/>
+          </a:ln>
+        </p:spPr>
+      </p:pic>
+      <p:sp>
+        <p:nvSpPr>
+          <p:cNvPr id="95" name="Google Shape;95;p17"/>
+          <p:cNvSpPr txBox="1"/>
+          <p:nvPr/>
+        </p:nvSpPr>
+        <p:spPr>
+          <a:xfrm>
+            <a:off x="466900" y="3724175"/>
+            <a:ext cx="7202100" cy="400200"/>
+          </a:xfrm>
+          <a:prstGeom prst="rect">
+            <a:avLst/>
+          </a:prstGeom>
+          <a:noFill/>
+          <a:ln>
+            <a:noFill/>
+          </a:ln>
+        </p:spPr>
+        <p:txBody>
+          <a:bodyPr anchorCtr="0" anchor="t" bIns="91425" lIns="91425" spcFirstLastPara="1" rIns="91425" wrap="square" tIns="91425">
+            <a:spAutoFit/>
+          </a:bodyPr>
+          <a:lstStyle/>
+          <a:p>
+            <a:pPr indent="-317500" lvl="0" marL="457200" rtl="0" algn="l">
+              <a:lnSpc>
+                <a:spcPct val="115000"/>
+              </a:lnSpc>
+              <a:spcBef>
+                <a:spcPts val="0"/>
+              </a:spcBef>
+              <a:spcAft>
+                <a:spcPts val="0"/>
+              </a:spcAft>
+              <a:buClr>
+                <a:schemeClr val="lt1"/>
+              </a:buClr>
+              <a:buSzPts val="1400"/>
+              <a:buFont typeface="Average"/>
+              <a:buChar char="●"/>
+            </a:pPr>
+            <a:r>
+              <a:rPr lang="en">
+                <a:solidFill>
+                  <a:schemeClr val="lt1"/>
+                </a:solidFill>
+                <a:latin typeface="Average"/>
+                <a:ea typeface="Average"/>
+                <a:cs typeface="Average"/>
+                <a:sym typeface="Average"/>
+              </a:rPr>
+              <a:t>Optimized</a:t>
+            </a:r>
+            <a:r>
+              <a:rPr lang="en">
+                <a:solidFill>
+                  <a:schemeClr val="lt1"/>
+                </a:solidFill>
+                <a:latin typeface="Average"/>
+                <a:ea typeface="Average"/>
+                <a:cs typeface="Average"/>
+                <a:sym typeface="Average"/>
+              </a:rPr>
+              <a:t> the</a:t>
+            </a:r>
+            <a:r>
+              <a:rPr lang="en">
+                <a:solidFill>
+                  <a:schemeClr val="lt1"/>
+                </a:solidFill>
+                <a:latin typeface="Average"/>
+                <a:ea typeface="Average"/>
+                <a:cs typeface="Average"/>
+                <a:sym typeface="Average"/>
+              </a:rPr>
+              <a:t> model further by adding more neurons, the result increased to a 90%</a:t>
+            </a:r>
+            <a:endParaRPr>
+              <a:solidFill>
+                <a:schemeClr val="lt1"/>
+              </a:solidFill>
             </a:endParaRPr>
           </a:p>
         </p:txBody>
@@ -9434,7 +11219,7 @@
     </p:bg>
     <p:spTree>
       <p:nvGrpSpPr>
-        <p:cNvPr id="95" name="Shape 95"/>
+        <p:cNvPr id="99" name="Shape 99"/>
         <p:cNvGrpSpPr/>
         <p:nvPr/>
       </p:nvGrpSpPr>
@@ -9448,7 +11233,7 @@
       </p:grpSpPr>
       <p:sp>
         <p:nvSpPr>
-          <p:cNvPr id="96" name="Google Shape;96;p18"/>
+          <p:cNvPr id="100" name="Google Shape;100;p18"/>
           <p:cNvSpPr txBox="1"/>
           <p:nvPr>
             <p:ph type="title"/>
@@ -9456,7 +11241,7 @@
         </p:nvSpPr>
         <p:spPr>
           <a:xfrm>
-            <a:off x="311700" y="445025"/>
+            <a:off x="311700" y="313350"/>
             <a:ext cx="8520600" cy="572700"/>
           </a:xfrm>
           <a:prstGeom prst="rect">
@@ -9522,7 +11307,7 @@
       </p:sp>
       <p:sp>
         <p:nvSpPr>
-          <p:cNvPr id="97" name="Google Shape;97;p18"/>
+          <p:cNvPr id="101" name="Google Shape;101;p18"/>
           <p:cNvSpPr txBox="1"/>
           <p:nvPr>
             <p:ph idx="1" type="body"/>
@@ -9530,8 +11315,8 @@
         </p:nvSpPr>
         <p:spPr>
           <a:xfrm>
-            <a:off x="311700" y="1152475"/>
-            <a:ext cx="8520600" cy="3416400"/>
+            <a:off x="402225" y="886050"/>
+            <a:ext cx="8230500" cy="1022400"/>
           </a:xfrm>
           <a:prstGeom prst="rect">
             <a:avLst/>
@@ -9539,7 +11324,7 @@
         </p:spPr>
         <p:txBody>
           <a:bodyPr anchorCtr="0" anchor="t" bIns="91425" lIns="91425" spcFirstLastPara="1" rIns="91425" wrap="square" tIns="91425">
-            <a:normAutofit/>
+            <a:normAutofit fontScale="85000" lnSpcReduction="20000"/>
           </a:bodyPr>
           <a:lstStyle/>
           <a:p>
@@ -9561,76 +11346,437 @@
               </a:rPr>
               <a:t>Tensor Flow</a:t>
             </a:r>
+            <a:r>
+              <a:rPr lang="en"/>
+              <a:t> </a:t>
+            </a:r>
+            <a:r>
+              <a:rPr lang="en">
+                <a:solidFill>
+                  <a:schemeClr val="lt1"/>
+                </a:solidFill>
+              </a:rPr>
+              <a:t>with various columns </a:t>
+            </a:r>
+            <a:r>
+              <a:rPr lang="en">
+                <a:solidFill>
+                  <a:schemeClr val="lt1"/>
+                </a:solidFill>
+              </a:rPr>
+              <a:t>affecting</a:t>
+            </a:r>
+            <a:r>
+              <a:rPr lang="en">
+                <a:solidFill>
+                  <a:schemeClr val="lt1"/>
+                </a:solidFill>
+              </a:rPr>
+              <a:t> Sleep Efficie</a:t>
+            </a:r>
+            <a:r>
+              <a:rPr lang="en">
+                <a:solidFill>
+                  <a:schemeClr val="lt1"/>
+                </a:solidFill>
+              </a:rPr>
+              <a:t>n</a:t>
+            </a:r>
+            <a:r>
+              <a:rPr lang="en">
+                <a:solidFill>
+                  <a:schemeClr val="lt1"/>
+                </a:solidFill>
+              </a:rPr>
+              <a:t>cy like Alcohol consumption, </a:t>
+            </a:r>
+            <a:r>
+              <a:rPr lang="en">
+                <a:solidFill>
+                  <a:schemeClr val="lt1"/>
+                </a:solidFill>
+              </a:rPr>
+              <a:t>caffeine</a:t>
+            </a:r>
+            <a:r>
+              <a:rPr lang="en">
+                <a:solidFill>
+                  <a:schemeClr val="lt1"/>
+                </a:solidFill>
+              </a:rPr>
+              <a:t> intake, Smoking status, Exercise frequency, with all the results being higher than 86%</a:t>
+            </a:r>
+            <a:endParaRPr>
+              <a:solidFill>
+                <a:schemeClr val="lt1"/>
+              </a:solidFill>
+            </a:endParaRPr>
+          </a:p>
+          <a:p>
+            <a:pPr indent="0" lvl="0" marL="0" rtl="0" algn="l">
+              <a:spcBef>
+                <a:spcPts val="1200"/>
+              </a:spcBef>
+              <a:spcAft>
+                <a:spcPts val="1200"/>
+              </a:spcAft>
+              <a:buNone/>
+            </a:pPr>
+            <a:r>
+              <a:rPr lang="en"/>
+              <a:t>	</a:t>
+            </a:r>
             <a:endParaRPr/>
           </a:p>
+        </p:txBody>
+      </p:sp>
+      <p:pic>
+        <p:nvPicPr>
+          <p:cNvPr id="102" name="Google Shape;102;p18"/>
+          <p:cNvPicPr preferRelativeResize="0"/>
+          <p:nvPr/>
+        </p:nvPicPr>
+        <p:blipFill>
+          <a:blip r:embed="rId4">
+            <a:alphaModFix/>
+          </a:blip>
+          <a:stretch>
+            <a:fillRect/>
+          </a:stretch>
+        </p:blipFill>
+        <p:spPr>
+          <a:xfrm>
+            <a:off x="4666183" y="2155200"/>
+            <a:ext cx="4022430" cy="833100"/>
+          </a:xfrm>
+          <a:prstGeom prst="rect">
+            <a:avLst/>
+          </a:prstGeom>
+          <a:noFill/>
+          <a:ln>
+            <a:noFill/>
+          </a:ln>
+        </p:spPr>
+      </p:pic>
+      <p:pic>
+        <p:nvPicPr>
+          <p:cNvPr id="103" name="Google Shape;103;p18"/>
+          <p:cNvPicPr preferRelativeResize="0"/>
+          <p:nvPr/>
+        </p:nvPicPr>
+        <p:blipFill>
+          <a:blip r:embed="rId5">
+            <a:alphaModFix/>
+          </a:blip>
+          <a:stretch>
+            <a:fillRect/>
+          </a:stretch>
+        </p:blipFill>
+        <p:spPr>
+          <a:xfrm>
+            <a:off x="4666225" y="3708200"/>
+            <a:ext cx="3882511" cy="833100"/>
+          </a:xfrm>
+          <a:prstGeom prst="rect">
+            <a:avLst/>
+          </a:prstGeom>
+          <a:noFill/>
+          <a:ln>
+            <a:noFill/>
+          </a:ln>
+        </p:spPr>
+      </p:pic>
+      <p:pic>
+        <p:nvPicPr>
+          <p:cNvPr id="104" name="Google Shape;104;p18"/>
+          <p:cNvPicPr preferRelativeResize="0"/>
+          <p:nvPr/>
+        </p:nvPicPr>
+        <p:blipFill>
+          <a:blip r:embed="rId6">
+            <a:alphaModFix/>
+          </a:blip>
+          <a:stretch>
+            <a:fillRect/>
+          </a:stretch>
+        </p:blipFill>
+        <p:spPr>
+          <a:xfrm>
+            <a:off x="510225" y="2155200"/>
+            <a:ext cx="3954274" cy="833100"/>
+          </a:xfrm>
+          <a:prstGeom prst="rect">
+            <a:avLst/>
+          </a:prstGeom>
+          <a:noFill/>
+          <a:ln>
+            <a:noFill/>
+          </a:ln>
+        </p:spPr>
+      </p:pic>
+      <p:pic>
+        <p:nvPicPr>
+          <p:cNvPr id="105" name="Google Shape;105;p18"/>
+          <p:cNvPicPr preferRelativeResize="0"/>
+          <p:nvPr/>
+        </p:nvPicPr>
+        <p:blipFill>
+          <a:blip r:embed="rId7">
+            <a:alphaModFix/>
+          </a:blip>
+          <a:stretch>
+            <a:fillRect/>
+          </a:stretch>
+        </p:blipFill>
+        <p:spPr>
+          <a:xfrm>
+            <a:off x="477775" y="3708200"/>
+            <a:ext cx="4019187" cy="833100"/>
+          </a:xfrm>
+          <a:prstGeom prst="rect">
+            <a:avLst/>
+          </a:prstGeom>
+          <a:noFill/>
+          <a:ln>
+            <a:noFill/>
+          </a:ln>
+        </p:spPr>
+      </p:pic>
+      <p:sp>
+        <p:nvSpPr>
+          <p:cNvPr id="106" name="Google Shape;106;p18"/>
+          <p:cNvSpPr txBox="1"/>
+          <p:nvPr/>
+        </p:nvSpPr>
+        <p:spPr>
+          <a:xfrm>
+            <a:off x="435150" y="1708799"/>
+            <a:ext cx="5325600" cy="446400"/>
+          </a:xfrm>
+          <a:prstGeom prst="rect">
+            <a:avLst/>
+          </a:prstGeom>
+          <a:noFill/>
+          <a:ln>
+            <a:noFill/>
+          </a:ln>
+        </p:spPr>
+        <p:txBody>
+          <a:bodyPr anchorCtr="0" anchor="t" bIns="91425" lIns="91425" spcFirstLastPara="1" rIns="91425" wrap="square" tIns="91425">
+            <a:noAutofit/>
+          </a:bodyPr>
+          <a:lstStyle/>
           <a:p>
             <a:pPr indent="0" lvl="0" marL="0" rtl="0" algn="l">
               <a:spcBef>
-                <a:spcPts val="1200"/>
-              </a:spcBef>
-              <a:spcAft>
-                <a:spcPts val="0"/>
-              </a:spcAft>
-              <a:buNone/>
-            </a:pPr>
-            <a:r>
-              <a:rPr lang="en"/>
-              <a:t>	Created models using different habits to predict sleep efficiency</a:t>
-            </a:r>
-            <a:endParaRPr/>
-          </a:p>
-          <a:p>
-            <a:pPr indent="457200" lvl="0" marL="457200" rtl="0" algn="l">
-              <a:spcBef>
-                <a:spcPts val="1200"/>
-              </a:spcBef>
-              <a:spcAft>
-                <a:spcPts val="0"/>
-              </a:spcAft>
-              <a:buNone/>
-            </a:pPr>
-            <a:r>
-              <a:rPr lang="en"/>
-              <a:t>caffeine consumption, smoking status, exercise frequency </a:t>
-            </a:r>
-            <a:endParaRPr/>
-          </a:p>
-          <a:p>
-            <a:pPr indent="457200" lvl="0" marL="457200" rtl="0" algn="l">
-              <a:spcBef>
-                <a:spcPts val="1200"/>
-              </a:spcBef>
-              <a:spcAft>
-                <a:spcPts val="0"/>
-              </a:spcAft>
-              <a:buNone/>
-            </a:pPr>
-            <a:r>
-              <a:rPr lang="en"/>
-              <a:t>Each model had accuracy of 86% or higher</a:t>
-            </a:r>
-            <a:endParaRPr/>
-          </a:p>
-          <a:p>
-            <a:pPr indent="0" lvl="0" marL="0" rtl="0" algn="l">
-              <a:spcBef>
-                <a:spcPts val="1200"/>
-              </a:spcBef>
-              <a:spcAft>
-                <a:spcPts val="1200"/>
-              </a:spcAft>
-              <a:buNone/>
-            </a:pPr>
-            <a:r>
-              <a:t/>
-            </a:r>
-            <a:endParaRPr/>
+                <a:spcPts val="0"/>
+              </a:spcBef>
+              <a:spcAft>
+                <a:spcPts val="0"/>
+              </a:spcAft>
+              <a:buNone/>
+            </a:pPr>
+            <a:r>
+              <a:rPr lang="en" sz="1200">
+                <a:solidFill>
+                  <a:schemeClr val="lt1"/>
+                </a:solidFill>
+                <a:latin typeface="Average"/>
+                <a:ea typeface="Average"/>
+                <a:cs typeface="Average"/>
+                <a:sym typeface="Average"/>
+              </a:rPr>
+              <a:t>Results by dropping “Alcohol consumption” column :</a:t>
+            </a:r>
+            <a:endParaRPr sz="1200">
+              <a:solidFill>
+                <a:schemeClr val="lt1"/>
+              </a:solidFill>
+              <a:latin typeface="Average"/>
+              <a:ea typeface="Average"/>
+              <a:cs typeface="Average"/>
+              <a:sym typeface="Average"/>
+            </a:endParaRPr>
           </a:p>
         </p:txBody>
       </p:sp>
       <p:sp>
         <p:nvSpPr>
-          <p:cNvPr id="98" name="Google Shape;98;p18"/>
+          <p:cNvPr id="107" name="Google Shape;107;p18"/>
+          <p:cNvSpPr txBox="1"/>
+          <p:nvPr/>
+        </p:nvSpPr>
+        <p:spPr>
+          <a:xfrm>
+            <a:off x="435150" y="3300249"/>
+            <a:ext cx="5325600" cy="446400"/>
+          </a:xfrm>
+          <a:prstGeom prst="rect">
+            <a:avLst/>
+          </a:prstGeom>
+          <a:noFill/>
+          <a:ln>
+            <a:noFill/>
+          </a:ln>
+        </p:spPr>
+        <p:txBody>
+          <a:bodyPr anchorCtr="0" anchor="t" bIns="91425" lIns="91425" spcFirstLastPara="1" rIns="91425" wrap="square" tIns="91425">
+            <a:noAutofit/>
+          </a:bodyPr>
+          <a:lstStyle/>
+          <a:p>
+            <a:pPr indent="0" lvl="0" marL="0" rtl="0" algn="l">
+              <a:spcBef>
+                <a:spcPts val="0"/>
+              </a:spcBef>
+              <a:spcAft>
+                <a:spcPts val="0"/>
+              </a:spcAft>
+              <a:buNone/>
+            </a:pPr>
+            <a:r>
+              <a:rPr lang="en" sz="1200">
+                <a:solidFill>
+                  <a:schemeClr val="lt1"/>
+                </a:solidFill>
+                <a:latin typeface="Average"/>
+                <a:ea typeface="Average"/>
+                <a:cs typeface="Average"/>
+                <a:sym typeface="Average"/>
+              </a:rPr>
+              <a:t>Results by dropping “Caffeine consumption” column :</a:t>
+            </a:r>
+            <a:endParaRPr sz="1200">
+              <a:solidFill>
+                <a:schemeClr val="lt1"/>
+              </a:solidFill>
+              <a:latin typeface="Average"/>
+              <a:ea typeface="Average"/>
+              <a:cs typeface="Average"/>
+              <a:sym typeface="Average"/>
+            </a:endParaRPr>
+          </a:p>
+        </p:txBody>
+      </p:sp>
+      <p:sp>
+        <p:nvSpPr>
+          <p:cNvPr id="108" name="Google Shape;108;p18"/>
+          <p:cNvSpPr txBox="1"/>
+          <p:nvPr/>
+        </p:nvSpPr>
+        <p:spPr>
+          <a:xfrm>
+            <a:off x="4666175" y="3261788"/>
+            <a:ext cx="3882600" cy="446400"/>
+          </a:xfrm>
+          <a:prstGeom prst="rect">
+            <a:avLst/>
+          </a:prstGeom>
+          <a:noFill/>
+          <a:ln>
+            <a:noFill/>
+          </a:ln>
+        </p:spPr>
+        <p:txBody>
+          <a:bodyPr anchorCtr="0" anchor="t" bIns="91425" lIns="91425" spcFirstLastPara="1" rIns="91425" wrap="square" tIns="91425">
+            <a:noAutofit/>
+          </a:bodyPr>
+          <a:lstStyle/>
+          <a:p>
+            <a:pPr indent="0" lvl="0" marL="0" rtl="0" algn="l">
+              <a:spcBef>
+                <a:spcPts val="0"/>
+              </a:spcBef>
+              <a:spcAft>
+                <a:spcPts val="0"/>
+              </a:spcAft>
+              <a:buNone/>
+            </a:pPr>
+            <a:r>
+              <a:rPr lang="en" sz="1200">
+                <a:solidFill>
+                  <a:schemeClr val="lt1"/>
+                </a:solidFill>
+                <a:latin typeface="Average"/>
+                <a:ea typeface="Average"/>
+                <a:cs typeface="Average"/>
+                <a:sym typeface="Average"/>
+              </a:rPr>
+              <a:t>Results by dropping “Smoking Status” column :</a:t>
+            </a:r>
+            <a:endParaRPr sz="1200">
+              <a:solidFill>
+                <a:schemeClr val="lt1"/>
+              </a:solidFill>
+              <a:latin typeface="Average"/>
+              <a:ea typeface="Average"/>
+              <a:cs typeface="Average"/>
+              <a:sym typeface="Average"/>
+            </a:endParaRPr>
+          </a:p>
+        </p:txBody>
+      </p:sp>
+      <p:sp>
+        <p:nvSpPr>
+          <p:cNvPr id="109" name="Google Shape;109;p18"/>
+          <p:cNvSpPr txBox="1"/>
+          <p:nvPr/>
+        </p:nvSpPr>
+        <p:spPr>
+          <a:xfrm>
+            <a:off x="4666175" y="1708800"/>
+            <a:ext cx="3882600" cy="446400"/>
+          </a:xfrm>
+          <a:prstGeom prst="rect">
+            <a:avLst/>
+          </a:prstGeom>
+          <a:noFill/>
+          <a:ln>
+            <a:noFill/>
+          </a:ln>
+        </p:spPr>
+        <p:txBody>
+          <a:bodyPr anchorCtr="0" anchor="t" bIns="91425" lIns="91425" spcFirstLastPara="1" rIns="91425" wrap="square" tIns="91425">
+            <a:noAutofit/>
+          </a:bodyPr>
+          <a:lstStyle/>
+          <a:p>
+            <a:pPr indent="0" lvl="0" marL="0" rtl="0" algn="l">
+              <a:spcBef>
+                <a:spcPts val="0"/>
+              </a:spcBef>
+              <a:spcAft>
+                <a:spcPts val="0"/>
+              </a:spcAft>
+              <a:buNone/>
+            </a:pPr>
+            <a:r>
+              <a:rPr lang="en" sz="1200">
+                <a:solidFill>
+                  <a:schemeClr val="lt1"/>
+                </a:solidFill>
+                <a:latin typeface="Average"/>
+                <a:ea typeface="Average"/>
+                <a:cs typeface="Average"/>
+                <a:sym typeface="Average"/>
+              </a:rPr>
+              <a:t>Results by dropping “Exercise frequency” column :</a:t>
+            </a:r>
+            <a:endParaRPr sz="1200">
+              <a:solidFill>
+                <a:schemeClr val="lt1"/>
+              </a:solidFill>
+              <a:latin typeface="Average"/>
+              <a:ea typeface="Average"/>
+              <a:cs typeface="Average"/>
+              <a:sym typeface="Average"/>
+            </a:endParaRPr>
+          </a:p>
+        </p:txBody>
+      </p:sp>
+      <p:sp>
+        <p:nvSpPr>
+          <p:cNvPr id="110" name="Google Shape;110;p18"/>
           <p:cNvSpPr txBox="1"/>
           <p:nvPr/>
         </p:nvSpPr>
@@ -9671,7 +11817,7 @@
                 <a:ea typeface="Lexend ExtraLight"/>
                 <a:cs typeface="Lexend ExtraLight"/>
                 <a:sym typeface="Lexend ExtraLight"/>
-                <a:hlinkClick r:id="rId4"/>
+                <a:hlinkClick r:id="rId8"/>
               </a:rPr>
               <a:t>Github Repository</a:t>
             </a:r>
@@ -9687,34 +11833,6 @@
           </a:p>
         </p:txBody>
       </p:sp>
-      <p:pic>
-        <p:nvPicPr>
-          <p:cNvPr id="99" name="Google Shape;99;p18"/>
-          <p:cNvPicPr preferRelativeResize="0"/>
-          <p:nvPr/>
-        </p:nvPicPr>
-        <p:blipFill>
-          <a:blip r:embed="rId5">
-            <a:alphaModFix/>
-          </a:blip>
-          <a:stretch>
-            <a:fillRect/>
-          </a:stretch>
-        </p:blipFill>
-        <p:spPr>
-          <a:xfrm>
-            <a:off x="2141712" y="3488750"/>
-            <a:ext cx="4860576" cy="1131050"/>
-          </a:xfrm>
-          <a:prstGeom prst="rect">
-            <a:avLst/>
-          </a:prstGeom>
-          <a:noFill/>
-          <a:ln>
-            <a:noFill/>
-          </a:ln>
-        </p:spPr>
-      </p:pic>
     </p:spTree>
   </p:cSld>
   <p:clrMapOvr>
@@ -9735,7 +11853,7 @@
     </p:bg>
     <p:spTree>
       <p:nvGrpSpPr>
-        <p:cNvPr id="103" name="Shape 103"/>
+        <p:cNvPr id="114" name="Shape 114"/>
         <p:cNvGrpSpPr/>
         <p:nvPr/>
       </p:nvGrpSpPr>
@@ -9749,7 +11867,7 @@
       </p:grpSpPr>
       <p:sp>
         <p:nvSpPr>
-          <p:cNvPr id="104" name="Google Shape;104;p19"/>
+          <p:cNvPr id="115" name="Google Shape;115;p19"/>
           <p:cNvSpPr txBox="1"/>
           <p:nvPr>
             <p:ph idx="1" type="body"/>
@@ -9934,7 +12052,7 @@
       </p:sp>
       <p:sp>
         <p:nvSpPr>
-          <p:cNvPr id="105" name="Google Shape;105;p19"/>
+          <p:cNvPr id="116" name="Google Shape;116;p19"/>
           <p:cNvSpPr txBox="1"/>
           <p:nvPr>
             <p:ph type="title"/>
@@ -10008,7 +12126,7 @@
       </p:sp>
       <p:pic>
         <p:nvPicPr>
-          <p:cNvPr id="106" name="Google Shape;106;p19"/>
+          <p:cNvPr id="117" name="Google Shape;117;p19"/>
           <p:cNvPicPr preferRelativeResize="0"/>
           <p:nvPr/>
         </p:nvPicPr>
@@ -10022,7 +12140,7 @@
         </p:blipFill>
         <p:spPr>
           <a:xfrm>
-            <a:off x="1866337" y="3020847"/>
+            <a:off x="1866337" y="2913872"/>
             <a:ext cx="5411326" cy="1871450"/>
           </a:xfrm>
           <a:prstGeom prst="rect">
@@ -10034,6 +12152,65 @@
           </a:ln>
         </p:spPr>
       </p:pic>
+      <p:sp>
+        <p:nvSpPr>
+          <p:cNvPr id="118" name="Google Shape;118;p19"/>
+          <p:cNvSpPr txBox="1"/>
+          <p:nvPr/>
+        </p:nvSpPr>
+        <p:spPr>
+          <a:xfrm>
+            <a:off x="6991175" y="4636275"/>
+            <a:ext cx="2051700" cy="354000"/>
+          </a:xfrm>
+          <a:prstGeom prst="rect">
+            <a:avLst/>
+          </a:prstGeom>
+          <a:noFill/>
+          <a:ln>
+            <a:noFill/>
+          </a:ln>
+        </p:spPr>
+        <p:txBody>
+          <a:bodyPr anchorCtr="0" anchor="t" bIns="91425" lIns="91425" spcFirstLastPara="1" rIns="91425" wrap="square" tIns="91425">
+            <a:noAutofit/>
+          </a:bodyPr>
+          <a:lstStyle/>
+          <a:p>
+            <a:pPr indent="0" lvl="0" marL="0" rtl="0" algn="r">
+              <a:spcBef>
+                <a:spcPts val="0"/>
+              </a:spcBef>
+              <a:spcAft>
+                <a:spcPts val="0"/>
+              </a:spcAft>
+              <a:buNone/>
+            </a:pPr>
+            <a:r>
+              <a:rPr lang="en" sz="1200" u="sng">
+                <a:solidFill>
+                  <a:schemeClr val="hlink"/>
+                </a:solidFill>
+                <a:latin typeface="Lexend ExtraLight"/>
+                <a:ea typeface="Lexend ExtraLight"/>
+                <a:cs typeface="Lexend ExtraLight"/>
+                <a:sym typeface="Lexend ExtraLight"/>
+                <a:hlinkClick r:id="rId5"/>
+              </a:rPr>
+              <a:t>Github Repository</a:t>
+            </a:r>
+            <a:endParaRPr sz="1200">
+              <a:solidFill>
+                <a:schemeClr val="accent3"/>
+              </a:solidFill>
+              <a:latin typeface="Lexend ExtraLight"/>
+              <a:ea typeface="Lexend ExtraLight"/>
+              <a:cs typeface="Lexend ExtraLight"/>
+              <a:sym typeface="Lexend ExtraLight"/>
+            </a:endParaRPr>
+          </a:p>
+        </p:txBody>
+      </p:sp>
     </p:spTree>
   </p:cSld>
   <p:clrMapOvr>
@@ -10054,7 +12231,7 @@
     </p:bg>
     <p:spTree>
       <p:nvGrpSpPr>
-        <p:cNvPr id="110" name="Shape 110"/>
+        <p:cNvPr id="122" name="Shape 122"/>
         <p:cNvGrpSpPr/>
         <p:nvPr/>
       </p:nvGrpSpPr>
@@ -10068,7 +12245,7 @@
       </p:grpSpPr>
       <p:sp>
         <p:nvSpPr>
-          <p:cNvPr id="111" name="Google Shape;111;p20"/>
+          <p:cNvPr id="123" name="Google Shape;123;p20"/>
           <p:cNvSpPr txBox="1"/>
           <p:nvPr>
             <p:ph type="title"/>
@@ -10108,7 +12285,7 @@
                 <a:cs typeface="Lexend Medium"/>
                 <a:sym typeface="Lexend Medium"/>
               </a:rPr>
-              <a:t>Tableau </a:t>
+              <a:t>Spark SQL </a:t>
             </a:r>
             <a:r>
               <a:rPr lang="en">
@@ -10117,15 +12294,20 @@
                 <a:cs typeface="Lexend Medium"/>
                 <a:sym typeface="Lexend Medium"/>
               </a:rPr>
-              <a:t>Visualizations</a:t>
-            </a:r>
-            <a:endParaRPr/>
+              <a:t>Analysis</a:t>
+            </a:r>
+            <a:endParaRPr>
+              <a:latin typeface="Lexend Medium"/>
+              <a:ea typeface="Lexend Medium"/>
+              <a:cs typeface="Lexend Medium"/>
+              <a:sym typeface="Lexend Medium"/>
+            </a:endParaRPr>
           </a:p>
         </p:txBody>
       </p:sp>
       <p:sp>
         <p:nvSpPr>
-          <p:cNvPr id="112" name="Google Shape;112;p20"/>
+          <p:cNvPr id="124" name="Google Shape;124;p20"/>
           <p:cNvSpPr txBox="1"/>
           <p:nvPr>
             <p:ph idx="1" type="body"/>
@@ -10156,53 +12338,488 @@
               <a:buNone/>
             </a:pPr>
             <a:r>
+              <a:rPr lang="en">
+                <a:solidFill>
+                  <a:srgbClr val="434343"/>
+                </a:solidFill>
+              </a:rPr>
+              <a:t>Use </a:t>
+            </a:r>
+            <a:r>
+              <a:rPr lang="en" sz="1500" u="sng">
+                <a:solidFill>
+                  <a:schemeClr val="accent5"/>
+                </a:solidFill>
+                <a:latin typeface="Lexend ExtraLight"/>
+                <a:ea typeface="Lexend ExtraLight"/>
+                <a:cs typeface="Lexend ExtraLight"/>
+                <a:sym typeface="Lexend ExtraLight"/>
+                <a:hlinkClick r:id="rId3">
+                  <a:extLst>
+                    <a:ext uri="{A12FA001-AC4F-418D-AE19-62706E023703}">
+                      <ahyp:hlinkClr val="tx"/>
+                    </a:ext>
+                  </a:extLst>
+                </a:hlinkClick>
+              </a:rPr>
+              <a:t>analysis</a:t>
+            </a:r>
+            <a:r>
+              <a:rPr lang="en" sz="2100">
+                <a:solidFill>
+                  <a:srgbClr val="434343"/>
+                </a:solidFill>
+              </a:rPr>
+              <a:t> </a:t>
+            </a:r>
+            <a:r>
+              <a:rPr lang="en">
+                <a:solidFill>
+                  <a:srgbClr val="434343"/>
+                </a:solidFill>
+              </a:rPr>
+              <a:t>to help us understand data</a:t>
+            </a:r>
+            <a:endParaRPr>
+              <a:solidFill>
+                <a:srgbClr val="434343"/>
+              </a:solidFill>
+            </a:endParaRPr>
+          </a:p>
+          <a:p>
+            <a:pPr indent="0" lvl="0" marL="0" rtl="0" algn="l">
+              <a:spcBef>
+                <a:spcPts val="1200"/>
+              </a:spcBef>
+              <a:spcAft>
+                <a:spcPts val="0"/>
+              </a:spcAft>
+              <a:buNone/>
+            </a:pPr>
+            <a:r>
+              <a:rPr lang="en">
+                <a:solidFill>
+                  <a:srgbClr val="434343"/>
+                </a:solidFill>
+              </a:rPr>
+              <a:t>Answer questions to help us learn about the data</a:t>
+            </a:r>
+            <a:endParaRPr>
+              <a:solidFill>
+                <a:srgbClr val="434343"/>
+              </a:solidFill>
+            </a:endParaRPr>
+          </a:p>
+          <a:p>
+            <a:pPr indent="0" lvl="0" marL="0" rtl="0" algn="l">
+              <a:spcBef>
+                <a:spcPts val="1200"/>
+              </a:spcBef>
+              <a:spcAft>
+                <a:spcPts val="0"/>
+              </a:spcAft>
+              <a:buNone/>
+            </a:pPr>
+            <a:r>
+              <a:rPr lang="en">
+                <a:solidFill>
+                  <a:srgbClr val="434343"/>
+                </a:solidFill>
+              </a:rPr>
+              <a:t>		Example: compare average sleep efficiency for males and females</a:t>
+            </a:r>
+            <a:endParaRPr>
+              <a:solidFill>
+                <a:srgbClr val="434343"/>
+              </a:solidFill>
+            </a:endParaRPr>
+          </a:p>
+          <a:p>
+            <a:pPr indent="0" lvl="0" marL="0" rtl="0" algn="l">
+              <a:spcBef>
+                <a:spcPts val="1200"/>
+              </a:spcBef>
+              <a:spcAft>
+                <a:spcPts val="0"/>
+              </a:spcAft>
+              <a:buNone/>
+            </a:pPr>
+            <a:r>
+              <a:rPr lang="en">
+                <a:solidFill>
+                  <a:srgbClr val="434343"/>
+                </a:solidFill>
+              </a:rPr>
+              <a:t>				79.2% for males, 78.7% for females</a:t>
+            </a:r>
+            <a:endParaRPr>
+              <a:solidFill>
+                <a:srgbClr val="434343"/>
+              </a:solidFill>
+            </a:endParaRPr>
+          </a:p>
+          <a:p>
+            <a:pPr indent="0" lvl="0" marL="0" rtl="0" algn="l">
+              <a:spcBef>
+                <a:spcPts val="1200"/>
+              </a:spcBef>
+              <a:spcAft>
+                <a:spcPts val="0"/>
+              </a:spcAft>
+              <a:buNone/>
+            </a:pPr>
+            <a:r>
+              <a:t/>
+            </a:r>
+            <a:endParaRPr/>
+          </a:p>
+          <a:p>
+            <a:pPr indent="0" lvl="0" marL="0" rtl="0" algn="l">
+              <a:spcBef>
+                <a:spcPts val="1200"/>
+              </a:spcBef>
+              <a:spcAft>
+                <a:spcPts val="1200"/>
+              </a:spcAft>
+              <a:buNone/>
+            </a:pPr>
+            <a:r>
               <a:rPr lang="en"/>
-              <a:t>Tableau </a:t>
-            </a:r>
-            <a:r>
-              <a:rPr lang="en"/>
-              <a:t>visualizations</a:t>
-            </a:r>
-            <a:r>
-              <a:rPr lang="en"/>
-              <a:t> allowed us to determine relationship </a:t>
-            </a:r>
-            <a:r>
-              <a:rPr lang="en"/>
-              <a:t>between</a:t>
-            </a:r>
-            <a:r>
-              <a:rPr lang="en"/>
-              <a:t> demographic information and habits of participants and sleep efficiency </a:t>
+              <a:t>	</a:t>
             </a:r>
             <a:endParaRPr/>
           </a:p>
-          <a:p>
-            <a:pPr indent="0" lvl="0" marL="0" rtl="0" algn="l">
-              <a:spcBef>
-                <a:spcPts val="1200"/>
-              </a:spcBef>
-              <a:spcAft>
-                <a:spcPts val="1200"/>
-              </a:spcAft>
-              <a:buNone/>
-            </a:pPr>
-            <a:r>
-              <a:rPr lang="en" u="sng">
-                <a:solidFill>
-                  <a:schemeClr val="hlink"/>
-                </a:solidFill>
-                <a:hlinkClick r:id="rId3"/>
-              </a:rPr>
-              <a:t>Tableau Story</a:t>
-            </a:r>
-            <a:endParaRPr/>
+        </p:txBody>
+      </p:sp>
+      <p:pic>
+        <p:nvPicPr>
+          <p:cNvPr id="125" name="Google Shape;125;p20"/>
+          <p:cNvPicPr preferRelativeResize="0"/>
+          <p:nvPr/>
+        </p:nvPicPr>
+        <p:blipFill>
+          <a:blip r:embed="rId4">
+            <a:alphaModFix/>
+          </a:blip>
+          <a:stretch>
+            <a:fillRect/>
+          </a:stretch>
+        </p:blipFill>
+        <p:spPr>
+          <a:xfrm>
+            <a:off x="1838650" y="3246152"/>
+            <a:ext cx="4532999" cy="1528598"/>
+          </a:xfrm>
+          <a:prstGeom prst="rect">
+            <a:avLst/>
+          </a:prstGeom>
+          <a:noFill/>
+          <a:ln>
+            <a:noFill/>
+          </a:ln>
+        </p:spPr>
+      </p:pic>
+      <p:sp>
+        <p:nvSpPr>
+          <p:cNvPr id="126" name="Google Shape;126;p20"/>
+          <p:cNvSpPr txBox="1"/>
+          <p:nvPr/>
+        </p:nvSpPr>
+        <p:spPr>
+          <a:xfrm>
+            <a:off x="6805400" y="4703625"/>
+            <a:ext cx="2338500" cy="354000"/>
+          </a:xfrm>
+          <a:prstGeom prst="rect">
+            <a:avLst/>
+          </a:prstGeom>
+          <a:noFill/>
+          <a:ln>
+            <a:noFill/>
+          </a:ln>
+        </p:spPr>
+        <p:txBody>
+          <a:bodyPr anchorCtr="0" anchor="t" bIns="91425" lIns="91425" spcFirstLastPara="1" rIns="91425" wrap="square" tIns="91425">
+            <a:noAutofit/>
+          </a:bodyPr>
+          <a:lstStyle/>
+          <a:p>
+            <a:pPr indent="0" lvl="0" marL="0" rtl="0" algn="r">
+              <a:spcBef>
+                <a:spcPts val="0"/>
+              </a:spcBef>
+              <a:spcAft>
+                <a:spcPts val="0"/>
+              </a:spcAft>
+              <a:buNone/>
+            </a:pPr>
+            <a:r>
+              <a:t/>
+            </a:r>
+            <a:endParaRPr sz="1200">
+              <a:solidFill>
+                <a:schemeClr val="accent3"/>
+              </a:solidFill>
+              <a:latin typeface="Lexend ExtraLight"/>
+              <a:ea typeface="Lexend ExtraLight"/>
+              <a:cs typeface="Lexend ExtraLight"/>
+              <a:sym typeface="Lexend ExtraLight"/>
+            </a:endParaRPr>
           </a:p>
         </p:txBody>
       </p:sp>
       <p:sp>
         <p:nvSpPr>
-          <p:cNvPr id="113" name="Google Shape;113;p20"/>
+          <p:cNvPr id="127" name="Google Shape;127;p20"/>
+          <p:cNvSpPr txBox="1"/>
+          <p:nvPr/>
+        </p:nvSpPr>
+        <p:spPr>
+          <a:xfrm>
+            <a:off x="6991175" y="4636275"/>
+            <a:ext cx="2051700" cy="354000"/>
+          </a:xfrm>
+          <a:prstGeom prst="rect">
+            <a:avLst/>
+          </a:prstGeom>
+          <a:noFill/>
+          <a:ln>
+            <a:noFill/>
+          </a:ln>
+        </p:spPr>
+        <p:txBody>
+          <a:bodyPr anchorCtr="0" anchor="t" bIns="91425" lIns="91425" spcFirstLastPara="1" rIns="91425" wrap="square" tIns="91425">
+            <a:noAutofit/>
+          </a:bodyPr>
+          <a:lstStyle/>
+          <a:p>
+            <a:pPr indent="0" lvl="0" marL="0" rtl="0" algn="r">
+              <a:spcBef>
+                <a:spcPts val="0"/>
+              </a:spcBef>
+              <a:spcAft>
+                <a:spcPts val="0"/>
+              </a:spcAft>
+              <a:buNone/>
+            </a:pPr>
+            <a:r>
+              <a:rPr lang="en" sz="1200" u="sng">
+                <a:solidFill>
+                  <a:schemeClr val="hlink"/>
+                </a:solidFill>
+                <a:latin typeface="Lexend ExtraLight"/>
+                <a:ea typeface="Lexend ExtraLight"/>
+                <a:cs typeface="Lexend ExtraLight"/>
+                <a:sym typeface="Lexend ExtraLight"/>
+                <a:hlinkClick r:id="rId5"/>
+              </a:rPr>
+              <a:t>Github Repository</a:t>
+            </a:r>
+            <a:endParaRPr sz="1200">
+              <a:solidFill>
+                <a:schemeClr val="accent3"/>
+              </a:solidFill>
+              <a:latin typeface="Lexend ExtraLight"/>
+              <a:ea typeface="Lexend ExtraLight"/>
+              <a:cs typeface="Lexend ExtraLight"/>
+              <a:sym typeface="Lexend ExtraLight"/>
+            </a:endParaRPr>
+          </a:p>
+        </p:txBody>
+      </p:sp>
+    </p:spTree>
+  </p:cSld>
+  <p:clrMapOvr>
+    <a:masterClrMapping/>
+  </p:clrMapOvr>
+</p:sld>
+</file>
+
+<file path=ppt/slides/slide9.xml><?xml version="1.0" encoding="utf-8"?>
+<p:sld xmlns:a="http://schemas.openxmlformats.org/drawingml/2006/main" xmlns:r="http://schemas.openxmlformats.org/officeDocument/2006/relationships" xmlns:mc="http://schemas.openxmlformats.org/markup-compatibility/2006" xmlns:mv="urn:schemas-microsoft-com:mac:vml" xmlns:p="http://schemas.openxmlformats.org/presentationml/2006/main" xmlns:c="http://schemas.openxmlformats.org/drawingml/2006/chart" xmlns:dgm="http://schemas.openxmlformats.org/drawingml/2006/diagram" xmlns:o="urn:schemas-microsoft-com:office:office" xmlns:v="urn:schemas-microsoft-com:vml" xmlns:pvml="urn:schemas-microsoft-com:office:powerpoint" xmlns:com="http://schemas.openxmlformats.org/drawingml/2006/compatibility" xmlns:p14="http://schemas.microsoft.com/office/powerpoint/2010/main" xmlns:p15="http://schemas.microsoft.com/office/powerpoint/2012/main" xmlns:ahyp="http://schemas.microsoft.com/office/drawing/2018/hyperlinkcolor">
+  <p:cSld>
+    <p:bg>
+      <p:bgPr>
+        <a:solidFill>
+          <a:schemeClr val="accent2"/>
+        </a:solidFill>
+      </p:bgPr>
+    </p:bg>
+    <p:spTree>
+      <p:nvGrpSpPr>
+        <p:cNvPr id="131" name="Shape 131"/>
+        <p:cNvGrpSpPr/>
+        <p:nvPr/>
+      </p:nvGrpSpPr>
+      <p:grpSpPr>
+        <a:xfrm>
+          <a:off x="0" y="0"/>
+          <a:ext cx="0" cy="0"/>
+          <a:chOff x="0" y="0"/>
+          <a:chExt cx="0" cy="0"/>
+        </a:xfrm>
+      </p:grpSpPr>
+      <p:sp>
+        <p:nvSpPr>
+          <p:cNvPr id="132" name="Google Shape;132;p21"/>
+          <p:cNvSpPr txBox="1"/>
+          <p:nvPr>
+            <p:ph type="title"/>
+          </p:nvPr>
+        </p:nvSpPr>
+        <p:spPr>
+          <a:xfrm>
+            <a:off x="311700" y="445025"/>
+            <a:ext cx="8520600" cy="572700"/>
+          </a:xfrm>
+          <a:prstGeom prst="rect">
+            <a:avLst/>
+          </a:prstGeom>
+        </p:spPr>
+        <p:txBody>
+          <a:bodyPr anchorCtr="0" anchor="t" bIns="91425" lIns="91425" spcFirstLastPara="1" rIns="91425" wrap="square" tIns="91425">
+            <a:normAutofit fontScale="90000"/>
+          </a:bodyPr>
+          <a:lstStyle/>
+          <a:p>
+            <a:pPr indent="0" lvl="0" marL="0" marR="0" rtl="0" algn="l">
+              <a:lnSpc>
+                <a:spcPct val="100000"/>
+              </a:lnSpc>
+              <a:spcBef>
+                <a:spcPts val="0"/>
+              </a:spcBef>
+              <a:spcAft>
+                <a:spcPts val="0"/>
+              </a:spcAft>
+              <a:buNone/>
+            </a:pPr>
+            <a:r>
+              <a:rPr lang="en">
+                <a:latin typeface="Lexend Medium"/>
+                <a:ea typeface="Lexend Medium"/>
+                <a:cs typeface="Lexend Medium"/>
+                <a:sym typeface="Lexend Medium"/>
+              </a:rPr>
+              <a:t>Tableau </a:t>
+            </a:r>
+            <a:r>
+              <a:rPr lang="en">
+                <a:latin typeface="Lexend Medium"/>
+                <a:ea typeface="Lexend Medium"/>
+                <a:cs typeface="Lexend Medium"/>
+                <a:sym typeface="Lexend Medium"/>
+              </a:rPr>
+              <a:t>Visualizations</a:t>
+            </a:r>
+            <a:endParaRPr/>
+          </a:p>
+        </p:txBody>
+      </p:sp>
+      <p:sp>
+        <p:nvSpPr>
+          <p:cNvPr id="133" name="Google Shape;133;p21"/>
+          <p:cNvSpPr txBox="1"/>
+          <p:nvPr>
+            <p:ph idx="1" type="body"/>
+          </p:nvPr>
+        </p:nvSpPr>
+        <p:spPr>
+          <a:xfrm>
+            <a:off x="311700" y="1152475"/>
+            <a:ext cx="8520600" cy="3416400"/>
+          </a:xfrm>
+          <a:prstGeom prst="rect">
+            <a:avLst/>
+          </a:prstGeom>
+        </p:spPr>
+        <p:txBody>
+          <a:bodyPr anchorCtr="0" anchor="t" bIns="91425" lIns="91425" spcFirstLastPara="1" rIns="91425" wrap="square" tIns="91425">
+            <a:normAutofit/>
+          </a:bodyPr>
+          <a:lstStyle/>
+          <a:p>
+            <a:pPr indent="0" lvl="0" marL="0" rtl="0" algn="l">
+              <a:spcBef>
+                <a:spcPts val="0"/>
+              </a:spcBef>
+              <a:spcAft>
+                <a:spcPts val="0"/>
+              </a:spcAft>
+              <a:buNone/>
+            </a:pPr>
+            <a:r>
+              <a:rPr lang="en">
+                <a:solidFill>
+                  <a:schemeClr val="lt1"/>
+                </a:solidFill>
+              </a:rPr>
+              <a:t>Tableau </a:t>
+            </a:r>
+            <a:r>
+              <a:rPr lang="en">
+                <a:solidFill>
+                  <a:schemeClr val="lt1"/>
+                </a:solidFill>
+              </a:rPr>
+              <a:t>visualizations</a:t>
+            </a:r>
+            <a:r>
+              <a:rPr lang="en">
+                <a:solidFill>
+                  <a:schemeClr val="lt1"/>
+                </a:solidFill>
+              </a:rPr>
+              <a:t> allowed us to determine relationship </a:t>
+            </a:r>
+            <a:r>
+              <a:rPr lang="en">
+                <a:solidFill>
+                  <a:schemeClr val="lt1"/>
+                </a:solidFill>
+              </a:rPr>
+              <a:t>between</a:t>
+            </a:r>
+            <a:r>
+              <a:rPr lang="en">
+                <a:solidFill>
+                  <a:schemeClr val="lt1"/>
+                </a:solidFill>
+              </a:rPr>
+              <a:t> demographic information and habits of participants and sleep efficiency </a:t>
+            </a:r>
+            <a:endParaRPr>
+              <a:solidFill>
+                <a:schemeClr val="lt1"/>
+              </a:solidFill>
+            </a:endParaRPr>
+          </a:p>
+          <a:p>
+            <a:pPr indent="0" lvl="0" marL="0" rtl="0" algn="l">
+              <a:spcBef>
+                <a:spcPts val="1200"/>
+              </a:spcBef>
+              <a:spcAft>
+                <a:spcPts val="1200"/>
+              </a:spcAft>
+              <a:buNone/>
+            </a:pPr>
+            <a:r>
+              <a:rPr lang="en" u="sng">
+                <a:solidFill>
+                  <a:schemeClr val="hlink"/>
+                </a:solidFill>
+                <a:hlinkClick r:id="rId3"/>
+              </a:rPr>
+              <a:t>Tableau Story</a:t>
+            </a:r>
+            <a:endParaRPr/>
+          </a:p>
+        </p:txBody>
+      </p:sp>
+      <p:sp>
+        <p:nvSpPr>
+          <p:cNvPr id="134" name="Google Shape;134;p21"/>
           <p:cNvSpPr txBox="1"/>
           <p:nvPr/>
         </p:nvSpPr>
@@ -10261,7 +12878,7 @@
       </p:sp>
       <p:pic>
         <p:nvPicPr>
-          <p:cNvPr id="114" name="Google Shape;114;p20"/>
+          <p:cNvPr id="135" name="Google Shape;135;p21"/>
           <p:cNvPicPr preferRelativeResize="0"/>
           <p:nvPr/>
         </p:nvPicPr>
@@ -10289,7 +12906,7 @@
       </p:pic>
       <p:pic>
         <p:nvPicPr>
-          <p:cNvPr id="115" name="Google Shape;115;p20"/>
+          <p:cNvPr id="136" name="Google Shape;136;p21"/>
           <p:cNvPicPr preferRelativeResize="0"/>
           <p:nvPr/>
         </p:nvPicPr>
@@ -10315,367 +12932,6 @@
           </a:ln>
         </p:spPr>
       </p:pic>
-    </p:spTree>
-  </p:cSld>
-  <p:clrMapOvr>
-    <a:masterClrMapping/>
-  </p:clrMapOvr>
-</p:sld>
-</file>
-
-<file path=ppt/slides/slide9.xml><?xml version="1.0" encoding="utf-8"?>
-<p:sld xmlns:a="http://schemas.openxmlformats.org/drawingml/2006/main" xmlns:r="http://schemas.openxmlformats.org/officeDocument/2006/relationships" xmlns:mc="http://schemas.openxmlformats.org/markup-compatibility/2006" xmlns:mv="urn:schemas-microsoft-com:mac:vml" xmlns:p="http://schemas.openxmlformats.org/presentationml/2006/main" xmlns:c="http://schemas.openxmlformats.org/drawingml/2006/chart" xmlns:dgm="http://schemas.openxmlformats.org/drawingml/2006/diagram" xmlns:o="urn:schemas-microsoft-com:office:office" xmlns:v="urn:schemas-microsoft-com:vml" xmlns:pvml="urn:schemas-microsoft-com:office:powerpoint" xmlns:com="http://schemas.openxmlformats.org/drawingml/2006/compatibility" xmlns:p14="http://schemas.microsoft.com/office/powerpoint/2010/main" xmlns:p15="http://schemas.microsoft.com/office/powerpoint/2012/main" xmlns:ahyp="http://schemas.microsoft.com/office/drawing/2018/hyperlinkcolor">
-  <p:cSld>
-    <p:spTree>
-      <p:nvGrpSpPr>
-        <p:cNvPr id="119" name="Shape 119"/>
-        <p:cNvGrpSpPr/>
-        <p:nvPr/>
-      </p:nvGrpSpPr>
-      <p:grpSpPr>
-        <a:xfrm>
-          <a:off x="0" y="0"/>
-          <a:ext cx="0" cy="0"/>
-          <a:chOff x="0" y="0"/>
-          <a:chExt cx="0" cy="0"/>
-        </a:xfrm>
-      </p:grpSpPr>
-      <p:sp>
-        <p:nvSpPr>
-          <p:cNvPr id="120" name="Google Shape;120;p21"/>
-          <p:cNvSpPr txBox="1"/>
-          <p:nvPr>
-            <p:ph type="title"/>
-          </p:nvPr>
-        </p:nvSpPr>
-        <p:spPr>
-          <a:xfrm>
-            <a:off x="311700" y="445025"/>
-            <a:ext cx="8520600" cy="572700"/>
-          </a:xfrm>
-          <a:prstGeom prst="rect">
-            <a:avLst/>
-          </a:prstGeom>
-        </p:spPr>
-        <p:txBody>
-          <a:bodyPr anchorCtr="0" anchor="t" bIns="91425" lIns="91425" spcFirstLastPara="1" rIns="91425" wrap="square" tIns="91425">
-            <a:normAutofit fontScale="90000"/>
-          </a:bodyPr>
-          <a:lstStyle/>
-          <a:p>
-            <a:pPr indent="0" lvl="0" marL="0" marR="0" rtl="0" algn="l">
-              <a:lnSpc>
-                <a:spcPct val="100000"/>
-              </a:lnSpc>
-              <a:spcBef>
-                <a:spcPts val="0"/>
-              </a:spcBef>
-              <a:spcAft>
-                <a:spcPts val="0"/>
-              </a:spcAft>
-              <a:buNone/>
-            </a:pPr>
-            <a:r>
-              <a:rPr lang="en">
-                <a:latin typeface="Lexend Medium"/>
-                <a:ea typeface="Lexend Medium"/>
-                <a:cs typeface="Lexend Medium"/>
-                <a:sym typeface="Lexend Medium"/>
-              </a:rPr>
-              <a:t>Processes</a:t>
-            </a:r>
-            <a:r>
-              <a:rPr lang="en"/>
-              <a:t> </a:t>
-            </a:r>
-            <a:r>
-              <a:rPr lang="en">
-                <a:latin typeface="Lexend Medium"/>
-                <a:ea typeface="Lexend Medium"/>
-                <a:cs typeface="Lexend Medium"/>
-                <a:sym typeface="Lexend Medium"/>
-              </a:rPr>
-              <a:t>and</a:t>
-            </a:r>
-            <a:r>
-              <a:rPr lang="en"/>
-              <a:t> </a:t>
-            </a:r>
-            <a:r>
-              <a:rPr lang="en">
-                <a:latin typeface="Lexend Medium"/>
-                <a:ea typeface="Lexend Medium"/>
-                <a:cs typeface="Lexend Medium"/>
-                <a:sym typeface="Lexend Medium"/>
-              </a:rPr>
-              <a:t>Problems</a:t>
-            </a:r>
-            <a:endParaRPr/>
-          </a:p>
-        </p:txBody>
-      </p:sp>
-      <p:sp>
-        <p:nvSpPr>
-          <p:cNvPr id="121" name="Google Shape;121;p21"/>
-          <p:cNvSpPr txBox="1"/>
-          <p:nvPr>
-            <p:ph idx="1" type="body"/>
-          </p:nvPr>
-        </p:nvSpPr>
-        <p:spPr>
-          <a:xfrm>
-            <a:off x="311700" y="1152475"/>
-            <a:ext cx="6572700" cy="3416400"/>
-          </a:xfrm>
-          <a:prstGeom prst="rect">
-            <a:avLst/>
-          </a:prstGeom>
-        </p:spPr>
-        <p:txBody>
-          <a:bodyPr anchorCtr="0" anchor="t" bIns="91425" lIns="91425" spcFirstLastPara="1" rIns="91425" wrap="square" tIns="91425">
-            <a:normAutofit lnSpcReduction="10000"/>
-          </a:bodyPr>
-          <a:lstStyle/>
-          <a:p>
-            <a:pPr indent="-342900" lvl="0" marL="457200" rtl="0" algn="l">
-              <a:spcBef>
-                <a:spcPts val="0"/>
-              </a:spcBef>
-              <a:spcAft>
-                <a:spcPts val="0"/>
-              </a:spcAft>
-              <a:buSzPts val="1800"/>
-              <a:buChar char="●"/>
-            </a:pPr>
-            <a:r>
-              <a:rPr lang="en"/>
-              <a:t>Testing on multiple datasets</a:t>
-            </a:r>
-            <a:endParaRPr/>
-          </a:p>
-          <a:p>
-            <a:pPr indent="-317500" lvl="1" marL="914400" rtl="0" algn="l">
-              <a:spcBef>
-                <a:spcPts val="0"/>
-              </a:spcBef>
-              <a:spcAft>
-                <a:spcPts val="0"/>
-              </a:spcAft>
-              <a:buSzPts val="1400"/>
-              <a:buChar char="○"/>
-            </a:pPr>
-            <a:r>
-              <a:rPr lang="en"/>
-              <a:t>400 rows vs 619 rows - increased accuracy in larger dataset</a:t>
-            </a:r>
-            <a:endParaRPr/>
-          </a:p>
-          <a:p>
-            <a:pPr indent="0" lvl="0" marL="0" rtl="0" algn="l">
-              <a:spcBef>
-                <a:spcPts val="1200"/>
-              </a:spcBef>
-              <a:spcAft>
-                <a:spcPts val="0"/>
-              </a:spcAft>
-              <a:buNone/>
-            </a:pPr>
-            <a:r>
-              <a:t/>
-            </a:r>
-            <a:endParaRPr/>
-          </a:p>
-          <a:p>
-            <a:pPr indent="-342900" lvl="0" marL="457200" rtl="0" algn="l">
-              <a:spcBef>
-                <a:spcPts val="1200"/>
-              </a:spcBef>
-              <a:spcAft>
-                <a:spcPts val="0"/>
-              </a:spcAft>
-              <a:buSzPts val="1800"/>
-              <a:buChar char="●"/>
-            </a:pPr>
-            <a:r>
-              <a:rPr lang="en"/>
-              <a:t>Removing null values to </a:t>
-            </a:r>
-            <a:r>
-              <a:rPr lang="en"/>
-              <a:t>improve model accuracy </a:t>
-            </a:r>
-            <a:endParaRPr/>
-          </a:p>
-          <a:p>
-            <a:pPr indent="0" lvl="0" marL="0" rtl="0" algn="l">
-              <a:spcBef>
-                <a:spcPts val="1200"/>
-              </a:spcBef>
-              <a:spcAft>
-                <a:spcPts val="0"/>
-              </a:spcAft>
-              <a:buNone/>
-            </a:pPr>
-            <a:r>
-              <a:t/>
-            </a:r>
-            <a:endParaRPr/>
-          </a:p>
-          <a:p>
-            <a:pPr indent="-342900" lvl="0" marL="457200" rtl="0" algn="l">
-              <a:spcBef>
-                <a:spcPts val="1200"/>
-              </a:spcBef>
-              <a:spcAft>
-                <a:spcPts val="0"/>
-              </a:spcAft>
-              <a:buSzPts val="1800"/>
-              <a:buChar char="●"/>
-            </a:pPr>
-            <a:r>
-              <a:rPr lang="en"/>
-              <a:t>Model Optimization:</a:t>
-            </a:r>
-            <a:endParaRPr/>
-          </a:p>
-          <a:p>
-            <a:pPr indent="-317500" lvl="1" marL="914400" rtl="0" algn="l">
-              <a:spcBef>
-                <a:spcPts val="0"/>
-              </a:spcBef>
-              <a:spcAft>
-                <a:spcPts val="0"/>
-              </a:spcAft>
-              <a:buSzPts val="1400"/>
-              <a:buChar char="○"/>
-            </a:pPr>
-            <a:r>
-              <a:rPr lang="en"/>
-              <a:t>Deciding which models are best</a:t>
-            </a:r>
-            <a:endParaRPr/>
-          </a:p>
-          <a:p>
-            <a:pPr indent="-317500" lvl="1" marL="914400" rtl="0" algn="l">
-              <a:spcBef>
-                <a:spcPts val="0"/>
-              </a:spcBef>
-              <a:spcAft>
-                <a:spcPts val="0"/>
-              </a:spcAft>
-              <a:buSzPts val="1400"/>
-              <a:buChar char="○"/>
-            </a:pPr>
-            <a:r>
-              <a:rPr lang="en"/>
-              <a:t>50 epochs - determined this was best for efficiency and accuracy</a:t>
-            </a:r>
-            <a:endParaRPr/>
-          </a:p>
-          <a:p>
-            <a:pPr indent="0" lvl="0" marL="0" rtl="0" algn="l">
-              <a:spcBef>
-                <a:spcPts val="1200"/>
-              </a:spcBef>
-              <a:spcAft>
-                <a:spcPts val="1200"/>
-              </a:spcAft>
-              <a:buNone/>
-            </a:pPr>
-            <a:r>
-              <a:t/>
-            </a:r>
-            <a:endParaRPr/>
-          </a:p>
-        </p:txBody>
-      </p:sp>
-      <p:pic>
-        <p:nvPicPr>
-          <p:cNvPr id="122" name="Google Shape;122;p21"/>
-          <p:cNvPicPr preferRelativeResize="0"/>
-          <p:nvPr/>
-        </p:nvPicPr>
-        <p:blipFill>
-          <a:blip r:embed="rId3">
-            <a:alphaModFix/>
-          </a:blip>
-          <a:stretch>
-            <a:fillRect/>
-          </a:stretch>
-        </p:blipFill>
-        <p:spPr>
-          <a:xfrm>
-            <a:off x="6884320" y="258700"/>
-            <a:ext cx="2130729" cy="4361099"/>
-          </a:xfrm>
-          <a:prstGeom prst="rect">
-            <a:avLst/>
-          </a:prstGeom>
-          <a:noFill/>
-          <a:ln>
-            <a:noFill/>
-          </a:ln>
-        </p:spPr>
-      </p:pic>
-      <p:sp>
-        <p:nvSpPr>
-          <p:cNvPr id="123" name="Google Shape;123;p21"/>
-          <p:cNvSpPr txBox="1"/>
-          <p:nvPr/>
-        </p:nvSpPr>
-        <p:spPr>
-          <a:xfrm>
-            <a:off x="7015850" y="4619800"/>
-            <a:ext cx="2051700" cy="354000"/>
-          </a:xfrm>
-          <a:prstGeom prst="rect">
-            <a:avLst/>
-          </a:prstGeom>
-          <a:noFill/>
-          <a:ln>
-            <a:noFill/>
-          </a:ln>
-        </p:spPr>
-        <p:txBody>
-          <a:bodyPr anchorCtr="0" anchor="t" bIns="91425" lIns="91425" spcFirstLastPara="1" rIns="91425" wrap="square" tIns="91425">
-            <a:noAutofit/>
-          </a:bodyPr>
-          <a:lstStyle/>
-          <a:p>
-            <a:pPr indent="0" lvl="0" marL="0" rtl="0" algn="r">
-              <a:spcBef>
-                <a:spcPts val="0"/>
-              </a:spcBef>
-              <a:spcAft>
-                <a:spcPts val="0"/>
-              </a:spcAft>
-              <a:buNone/>
-            </a:pPr>
-            <a:r>
-              <a:rPr lang="en" sz="1200" u="sng">
-                <a:solidFill>
-                  <a:schemeClr val="hlink"/>
-                </a:solidFill>
-                <a:latin typeface="Lexend ExtraLight"/>
-                <a:ea typeface="Lexend ExtraLight"/>
-                <a:cs typeface="Lexend ExtraLight"/>
-                <a:sym typeface="Lexend ExtraLight"/>
-                <a:hlinkClick r:id="rId4"/>
-              </a:rPr>
-              <a:t>Github Repository</a:t>
-            </a:r>
-            <a:endParaRPr sz="1200">
-              <a:solidFill>
-                <a:schemeClr val="accent3"/>
-              </a:solidFill>
-              <a:latin typeface="Lexend ExtraLight"/>
-              <a:ea typeface="Lexend ExtraLight"/>
-              <a:cs typeface="Lexend ExtraLight"/>
-              <a:sym typeface="Lexend ExtraLight"/>
-            </a:endParaRPr>
-          </a:p>
-        </p:txBody>
-      </p:sp>
     </p:spTree>
   </p:cSld>
   <p:clrMapOvr>
